--- a/软件体系架构/第5讲.pptx
+++ b/软件体系架构/第5讲.pptx
@@ -5,7 +5,7 @@
     <p:sldMasterId id="2147483648" r:id="rId1"/>
   </p:sldMasterIdLst>
   <p:notesMasterIdLst>
-    <p:notesMasterId r:id="rId23"/>
+    <p:notesMasterId r:id="rId24"/>
   </p:notesMasterIdLst>
   <p:sldIdLst>
     <p:sldId id="385" r:id="rId2"/>
@@ -16,19 +16,20 @@
     <p:sldId id="579" r:id="rId7"/>
     <p:sldId id="580" r:id="rId8"/>
     <p:sldId id="581" r:id="rId9"/>
-    <p:sldId id="614" r:id="rId10"/>
-    <p:sldId id="583" r:id="rId11"/>
-    <p:sldId id="584" r:id="rId12"/>
-    <p:sldId id="585" r:id="rId13"/>
-    <p:sldId id="586" r:id="rId14"/>
-    <p:sldId id="588" r:id="rId15"/>
-    <p:sldId id="590" r:id="rId16"/>
-    <p:sldId id="587" r:id="rId17"/>
-    <p:sldId id="591" r:id="rId18"/>
-    <p:sldId id="594" r:id="rId19"/>
-    <p:sldId id="595" r:id="rId20"/>
-    <p:sldId id="596" r:id="rId21"/>
-    <p:sldId id="599" r:id="rId22"/>
+    <p:sldId id="613" r:id="rId10"/>
+    <p:sldId id="614" r:id="rId11"/>
+    <p:sldId id="583" r:id="rId12"/>
+    <p:sldId id="584" r:id="rId13"/>
+    <p:sldId id="585" r:id="rId14"/>
+    <p:sldId id="586" r:id="rId15"/>
+    <p:sldId id="588" r:id="rId16"/>
+    <p:sldId id="590" r:id="rId17"/>
+    <p:sldId id="587" r:id="rId18"/>
+    <p:sldId id="591" r:id="rId19"/>
+    <p:sldId id="594" r:id="rId20"/>
+    <p:sldId id="595" r:id="rId21"/>
+    <p:sldId id="596" r:id="rId22"/>
+    <p:sldId id="599" r:id="rId23"/>
   </p:sldIdLst>
   <p:sldSz cx="9144000" cy="5143500" type="screen16x9"/>
   <p:notesSz cx="6858000" cy="9144000"/>
@@ -213,7 +214,7 @@
             <a:fld id="{9BBFFAB6-2D8F-9340-97B6-5F1D2EA109E8}" type="datetimeFigureOut">
               <a:rPr kumimoji="1" lang="zh-CN" altLang="en-US" smtClean="0"/>
               <a:pPr/>
-              <a:t>2019/3/7</a:t>
+              <a:t>2019/3/11</a:t>
             </a:fld>
             <a:endParaRPr kumimoji="1" lang="zh-CN" altLang="en-US"/>
           </a:p>
@@ -609,7 +610,7 @@
             <a:fld id="{1F132C43-CA79-BE41-9B37-F39D0C5CF681}" type="datetimeFigureOut">
               <a:rPr kumimoji="1" lang="zh-CN" altLang="en-US" smtClean="0"/>
               <a:pPr/>
-              <a:t>2019/3/7</a:t>
+              <a:t>2019/3/11</a:t>
             </a:fld>
             <a:endParaRPr kumimoji="1" lang="zh-CN" altLang="en-US"/>
           </a:p>
@@ -776,7 +777,7 @@
             <a:fld id="{1F132C43-CA79-BE41-9B37-F39D0C5CF681}" type="datetimeFigureOut">
               <a:rPr kumimoji="1" lang="zh-CN" altLang="en-US" smtClean="0"/>
               <a:pPr/>
-              <a:t>2019/3/7</a:t>
+              <a:t>2019/3/11</a:t>
             </a:fld>
             <a:endParaRPr kumimoji="1" lang="zh-CN" altLang="en-US"/>
           </a:p>
@@ -953,7 +954,7 @@
             <a:fld id="{1F132C43-CA79-BE41-9B37-F39D0C5CF681}" type="datetimeFigureOut">
               <a:rPr kumimoji="1" lang="zh-CN" altLang="en-US" smtClean="0"/>
               <a:pPr/>
-              <a:t>2019/3/7</a:t>
+              <a:t>2019/3/11</a:t>
             </a:fld>
             <a:endParaRPr kumimoji="1" lang="zh-CN" altLang="en-US"/>
           </a:p>
@@ -1033,7 +1034,7 @@
     <a:masterClrMapping/>
   </p:clrMapOvr>
   <mc:AlternateContent xmlns:mc="http://schemas.openxmlformats.org/markup-compatibility/2006">
-    <mc:Choice xmlns="" xmlns:p14="http://schemas.microsoft.com/office/powerpoint/2010/main" Requires="p14">
+    <mc:Choice xmlns:p14="http://schemas.microsoft.com/office/powerpoint/2010/main" xmlns="" Requires="p14">
       <p:transition spd="slow" p14:dur="2000" advTm="3000"/>
     </mc:Choice>
     <mc:Fallback>
@@ -1073,7 +1074,7 @@
     <a:masterClrMapping/>
   </p:clrMapOvr>
   <mc:AlternateContent xmlns:mc="http://schemas.openxmlformats.org/markup-compatibility/2006">
-    <mc:Choice xmlns="" xmlns:p14="http://schemas.microsoft.com/office/powerpoint/2010/main" Requires="p14">
+    <mc:Choice xmlns:p14="http://schemas.microsoft.com/office/powerpoint/2010/main" xmlns="" Requires="p14">
       <p:transition spd="slow" p14:dur="2000" advTm="3000"/>
     </mc:Choice>
     <mc:Fallback>
@@ -1200,7 +1201,7 @@
             <a:fld id="{1F132C43-CA79-BE41-9B37-F39D0C5CF681}" type="datetimeFigureOut">
               <a:rPr kumimoji="1" lang="zh-CN" altLang="en-US" smtClean="0"/>
               <a:pPr/>
-              <a:t>2019/3/7</a:t>
+              <a:t>2019/3/11</a:t>
             </a:fld>
             <a:endParaRPr kumimoji="1" lang="zh-CN" altLang="en-US"/>
           </a:p>
@@ -1443,7 +1444,7 @@
             <a:fld id="{1F132C43-CA79-BE41-9B37-F39D0C5CF681}" type="datetimeFigureOut">
               <a:rPr kumimoji="1" lang="zh-CN" altLang="en-US" smtClean="0"/>
               <a:pPr/>
-              <a:t>2019/3/7</a:t>
+              <a:t>2019/3/11</a:t>
             </a:fld>
             <a:endParaRPr kumimoji="1" lang="zh-CN" altLang="en-US"/>
           </a:p>
@@ -1672,7 +1673,7 @@
             <a:fld id="{1F132C43-CA79-BE41-9B37-F39D0C5CF681}" type="datetimeFigureOut">
               <a:rPr kumimoji="1" lang="zh-CN" altLang="en-US" smtClean="0"/>
               <a:pPr/>
-              <a:t>2019/3/7</a:t>
+              <a:t>2019/3/11</a:t>
             </a:fld>
             <a:endParaRPr kumimoji="1" lang="zh-CN" altLang="en-US"/>
           </a:p>
@@ -2036,7 +2037,7 @@
             <a:fld id="{1F132C43-CA79-BE41-9B37-F39D0C5CF681}" type="datetimeFigureOut">
               <a:rPr kumimoji="1" lang="zh-CN" altLang="en-US" smtClean="0"/>
               <a:pPr/>
-              <a:t>2019/3/7</a:t>
+              <a:t>2019/3/11</a:t>
             </a:fld>
             <a:endParaRPr kumimoji="1" lang="zh-CN" altLang="en-US"/>
           </a:p>
@@ -2151,7 +2152,7 @@
             <a:fld id="{1F132C43-CA79-BE41-9B37-F39D0C5CF681}" type="datetimeFigureOut">
               <a:rPr kumimoji="1" lang="zh-CN" altLang="en-US" smtClean="0"/>
               <a:pPr/>
-              <a:t>2019/3/7</a:t>
+              <a:t>2019/3/11</a:t>
             </a:fld>
             <a:endParaRPr kumimoji="1" lang="zh-CN" altLang="en-US"/>
           </a:p>
@@ -2243,7 +2244,7 @@
             <a:fld id="{1F132C43-CA79-BE41-9B37-F39D0C5CF681}" type="datetimeFigureOut">
               <a:rPr kumimoji="1" lang="zh-CN" altLang="en-US" smtClean="0"/>
               <a:pPr/>
-              <a:t>2019/3/7</a:t>
+              <a:t>2019/3/11</a:t>
             </a:fld>
             <a:endParaRPr kumimoji="1" lang="zh-CN" altLang="en-US"/>
           </a:p>
@@ -2517,7 +2518,7 @@
             <a:fld id="{1F132C43-CA79-BE41-9B37-F39D0C5CF681}" type="datetimeFigureOut">
               <a:rPr kumimoji="1" lang="zh-CN" altLang="en-US" smtClean="0"/>
               <a:pPr/>
-              <a:t>2019/3/7</a:t>
+              <a:t>2019/3/11</a:t>
             </a:fld>
             <a:endParaRPr kumimoji="1" lang="zh-CN" altLang="en-US"/>
           </a:p>
@@ -2771,7 +2772,7 @@
             <a:fld id="{1F132C43-CA79-BE41-9B37-F39D0C5CF681}" type="datetimeFigureOut">
               <a:rPr kumimoji="1" lang="zh-CN" altLang="en-US" smtClean="0"/>
               <a:pPr/>
-              <a:t>2019/3/7</a:t>
+              <a:t>2019/3/11</a:t>
             </a:fld>
             <a:endParaRPr kumimoji="1" lang="zh-CN" altLang="en-US"/>
           </a:p>
@@ -2981,7 +2982,7 @@
             <a:fld id="{1F132C43-CA79-BE41-9B37-F39D0C5CF681}" type="datetimeFigureOut">
               <a:rPr kumimoji="1" lang="zh-CN" altLang="en-US" smtClean="0"/>
               <a:pPr/>
-              <a:t>2019/3/7</a:t>
+              <a:t>2019/3/11</a:t>
             </a:fld>
             <a:endParaRPr kumimoji="1" lang="zh-CN" altLang="en-US"/>
           </a:p>
@@ -4287,7 +4288,7 @@
     <a:masterClrMapping/>
   </p:clrMapOvr>
   <mc:AlternateContent xmlns:mc="http://schemas.openxmlformats.org/markup-compatibility/2006">
-    <mc:Choice xmlns="" xmlns:p14="http://schemas.microsoft.com/office/powerpoint/2010/main" Requires="p14">
+    <mc:Choice xmlns:p14="http://schemas.microsoft.com/office/powerpoint/2010/main" xmlns="" Requires="p14">
       <p:transition p14:dur="0"/>
     </mc:Choice>
     <mc:Fallback>
@@ -4865,7 +4866,7 @@
         </p:nvSpPr>
         <p:spPr>
           <a:xfrm>
-            <a:off x="491126" y="663718"/>
+            <a:off x="491126" y="656098"/>
             <a:ext cx="8183230" cy="4171626"/>
           </a:xfrm>
           <a:prstGeom prst="rect">
@@ -4910,14 +4911,14 @@
       </p:sp>
       <p:sp>
         <p:nvSpPr>
-          <p:cNvPr id="16" name="矩形 15"/>
+          <p:cNvPr id="13" name="矩形 12"/>
           <p:cNvSpPr/>
           <p:nvPr/>
         </p:nvSpPr>
         <p:spPr>
           <a:xfrm>
-            <a:off x="671524" y="824473"/>
-            <a:ext cx="7799671" cy="3003507"/>
+            <a:off x="671524" y="817736"/>
+            <a:ext cx="7799671" cy="463550"/>
           </a:xfrm>
           <a:prstGeom prst="rect">
             <a:avLst/>
@@ -4929,243 +4930,73 @@
           </a:bodyPr>
           <a:lstStyle/>
           <a:p>
-            <a:pPr fontAlgn="auto">
+            <a:pPr indent="0">
               <a:lnSpc>
-                <a:spcPct val="100000"/>
-              </a:lnSpc>
-            </a:pPr>
-            <a:r>
-              <a:rPr lang="zh-CN" sz="2400" dirty="0" smtClean="0">
-                <a:latin typeface="微软雅黑" panose="020B0503020204020204" charset="-122"/>
-                <a:ea typeface="微软雅黑" panose="020B0503020204020204" charset="-122"/>
-              </a:rPr>
-              <a:t>远程过程调用(RPC) </a:t>
-            </a:r>
-          </a:p>
-          <a:p>
-            <a:pPr indent="0" fontAlgn="auto">
-              <a:lnSpc>
-                <a:spcPct val="100000"/>
-              </a:lnSpc>
-              <a:buFont typeface="Wingdings" pitchFamily="2" charset="2"/>
-              <a:buChar char="l"/>
-            </a:pPr>
-            <a:r>
-              <a:rPr lang="zh-CN" altLang="en-US" sz="2400" dirty="0" smtClean="0">
-                <a:latin typeface="微软雅黑" panose="020B0503020204020204" charset="-122"/>
-                <a:ea typeface="微软雅黑" panose="020B0503020204020204" charset="-122"/>
-              </a:rPr>
-              <a:t>    </a:t>
-            </a:r>
-            <a:r>
-              <a:rPr lang="en-US" altLang="zh-CN" sz="2400" dirty="0" smtClean="0">
-                <a:latin typeface="微软雅黑" panose="020B0503020204020204" charset="-122"/>
-                <a:ea typeface="微软雅黑" panose="020B0503020204020204" charset="-122"/>
-              </a:rPr>
-              <a:t>RPC</a:t>
-            </a:r>
-            <a:r>
-              <a:rPr lang="zh-CN" sz="2400" dirty="0" smtClean="0">
-                <a:latin typeface="微软雅黑" panose="020B0503020204020204" charset="-122"/>
-                <a:ea typeface="微软雅黑" panose="020B0503020204020204" charset="-122"/>
-              </a:rPr>
-              <a:t>允许跨不同的硬件和操作系统平台调用操作。</a:t>
-            </a:r>
-          </a:p>
-          <a:p>
-            <a:pPr indent="0" fontAlgn="auto">
-              <a:lnSpc>
-                <a:spcPct val="100000"/>
-              </a:lnSpc>
-              <a:buFont typeface="Wingdings" pitchFamily="2" charset="2"/>
-              <a:buChar char="l"/>
-            </a:pPr>
-            <a:r>
-              <a:rPr lang="zh-CN" sz="2400" dirty="0" smtClean="0">
-                <a:latin typeface="微软雅黑" panose="020B0503020204020204" charset="-122"/>
-                <a:ea typeface="微软雅黑" panose="020B0503020204020204" charset="-122"/>
-              </a:rPr>
-              <a:t>    提供与本地过程调用相同的机制，但在进程间级别。</a:t>
-            </a:r>
-          </a:p>
-          <a:p>
-            <a:pPr indent="0" fontAlgn="auto">
-              <a:lnSpc>
-                <a:spcPct val="100000"/>
-              </a:lnSpc>
-              <a:buFont typeface="Wingdings" pitchFamily="2" charset="2"/>
-              <a:buChar char="l"/>
-            </a:pPr>
-            <a:r>
-              <a:rPr lang="zh-CN" sz="2400" dirty="0" smtClean="0">
-                <a:latin typeface="微软雅黑" panose="020B0503020204020204" charset="-122"/>
-                <a:ea typeface="微软雅黑" panose="020B0503020204020204" charset="-122"/>
-              </a:rPr>
-              <a:t>    支持通用接口定义语言(IDL)。</a:t>
-            </a:r>
-          </a:p>
-          <a:p>
-            <a:pPr indent="0" fontAlgn="auto">
-              <a:lnSpc>
-                <a:spcPct val="100000"/>
+                <a:spcPct val="150000"/>
               </a:lnSpc>
               <a:buFont typeface="Wingdings" panose="05000000000000000000" pitchFamily="2" charset="2"/>
               <a:buNone/>
             </a:pPr>
             <a:r>
-              <a:rPr lang="zh-CN" altLang="en-US" sz="2400" dirty="0" smtClean="0">
-                <a:latin typeface="微软雅黑" panose="020B0503020204020204" charset="-122"/>
-                <a:ea typeface="微软雅黑" panose="020B0503020204020204" charset="-122"/>
-                <a:cs typeface="微软雅黑" panose="020B0503020204020204" charset="-122"/>
-              </a:rPr>
-              <a:t>    </a:t>
-            </a:r>
-            <a:endParaRPr lang="en-US" altLang="zh-CN" sz="2400" dirty="0" smtClean="0">
-              <a:latin typeface="微软雅黑" panose="020B0503020204020204" charset="-122"/>
-              <a:ea typeface="微软雅黑" panose="020B0503020204020204" charset="-122"/>
-              <a:cs typeface="微软雅黑" panose="020B0503020204020204" charset="-122"/>
-            </a:endParaRPr>
-          </a:p>
-          <a:p>
-            <a:pPr indent="0" fontAlgn="auto">
-              <a:lnSpc>
-                <a:spcPct val="100000"/>
-              </a:lnSpc>
-              <a:buFont typeface="Wingdings" panose="05000000000000000000" pitchFamily="2" charset="2"/>
-              <a:buNone/>
-            </a:pPr>
-            <a:r>
-              <a:rPr lang="zh-CN" sz="2400" dirty="0" smtClean="0">
-                <a:latin typeface="微软雅黑" panose="020B0503020204020204" charset="-122"/>
-                <a:ea typeface="微软雅黑" panose="020B0503020204020204" charset="-122"/>
-              </a:rPr>
-              <a:t>RPC</a:t>
-            </a:r>
-            <a:r>
-              <a:rPr lang="zh-CN" sz="2400" dirty="0">
-                <a:latin typeface="微软雅黑" panose="020B0503020204020204" charset="-122"/>
-                <a:ea typeface="微软雅黑" panose="020B0503020204020204" charset="-122"/>
-              </a:rPr>
-              <a:t>机制由RPC软件提供，它“透明地处理所有涉及的步骤”。RPC软件的功能包括</a:t>
-            </a:r>
-            <a:r>
-              <a:rPr lang="zh-CN" sz="2400" dirty="0" smtClean="0">
-                <a:latin typeface="微软雅黑" panose="020B0503020204020204" charset="-122"/>
-                <a:ea typeface="微软雅黑" panose="020B0503020204020204" charset="-122"/>
-              </a:rPr>
-              <a:t>:</a:t>
-            </a:r>
-            <a:r>
-              <a:rPr lang="zh-CN" altLang="en-US" sz="2400" dirty="0" smtClean="0">
-                <a:latin typeface="微软雅黑" panose="020B0503020204020204" charset="-122"/>
-                <a:ea typeface="微软雅黑" panose="020B0503020204020204" charset="-122"/>
-              </a:rPr>
-              <a:t>  </a:t>
-            </a:r>
-            <a:r>
-              <a:rPr lang="zh-CN" sz="2400" dirty="0" smtClean="0">
-                <a:latin typeface="微软雅黑" panose="020B0503020204020204" charset="-122"/>
-                <a:ea typeface="微软雅黑" panose="020B0503020204020204" charset="-122"/>
-                <a:cs typeface="微软雅黑" panose="020B0503020204020204" charset="-122"/>
-              </a:rPr>
-              <a:t>服务器</a:t>
-            </a:r>
-            <a:r>
-              <a:rPr lang="zh-CN" sz="2400" dirty="0">
-                <a:latin typeface="微软雅黑" panose="020B0503020204020204" charset="-122"/>
-                <a:ea typeface="微软雅黑" panose="020B0503020204020204" charset="-122"/>
-                <a:cs typeface="微软雅黑" panose="020B0503020204020204" charset="-122"/>
-              </a:rPr>
-              <a:t>函数和并发请求的</a:t>
-            </a:r>
-            <a:r>
-              <a:rPr lang="zh-CN" sz="2400" dirty="0" smtClean="0">
-                <a:latin typeface="微软雅黑" panose="020B0503020204020204" charset="-122"/>
-                <a:ea typeface="微软雅黑" panose="020B0503020204020204" charset="-122"/>
-                <a:cs typeface="微软雅黑" panose="020B0503020204020204" charset="-122"/>
-              </a:rPr>
-              <a:t>位置</a:t>
-            </a:r>
-            <a:r>
-              <a:rPr lang="zh-CN" altLang="en-US" sz="2400" dirty="0" smtClean="0">
-                <a:latin typeface="微软雅黑" panose="020B0503020204020204" charset="-122"/>
-                <a:ea typeface="微软雅黑" panose="020B0503020204020204" charset="-122"/>
-                <a:cs typeface="微软雅黑" panose="020B0503020204020204" charset="-122"/>
-              </a:rPr>
-              <a:t>、</a:t>
-            </a:r>
-            <a:r>
-              <a:rPr lang="zh-CN" sz="2400" dirty="0" smtClean="0">
-                <a:latin typeface="微软雅黑" panose="020B0503020204020204" charset="-122"/>
-                <a:ea typeface="微软雅黑" panose="020B0503020204020204" charset="-122"/>
-                <a:cs typeface="微软雅黑" panose="020B0503020204020204" charset="-122"/>
-              </a:rPr>
-              <a:t>参数</a:t>
-            </a:r>
-            <a:r>
-              <a:rPr lang="zh-CN" sz="2400" dirty="0">
-                <a:latin typeface="微软雅黑" panose="020B0503020204020204" charset="-122"/>
-                <a:ea typeface="微软雅黑" panose="020B0503020204020204" charset="-122"/>
-                <a:cs typeface="微软雅黑" panose="020B0503020204020204" charset="-122"/>
-              </a:rPr>
-              <a:t>传递和数据</a:t>
-            </a:r>
-            <a:r>
-              <a:rPr lang="zh-CN" sz="2400" dirty="0" smtClean="0">
-                <a:latin typeface="微软雅黑" panose="020B0503020204020204" charset="-122"/>
-                <a:ea typeface="微软雅黑" panose="020B0503020204020204" charset="-122"/>
-                <a:cs typeface="微软雅黑" panose="020B0503020204020204" charset="-122"/>
-              </a:rPr>
-              <a:t>表示</a:t>
-            </a:r>
-            <a:r>
-              <a:rPr lang="zh-CN" altLang="en-US" sz="2400" dirty="0" smtClean="0">
-                <a:latin typeface="微软雅黑" panose="020B0503020204020204" charset="-122"/>
-                <a:ea typeface="微软雅黑" panose="020B0503020204020204" charset="-122"/>
-                <a:cs typeface="微软雅黑" panose="020B0503020204020204" charset="-122"/>
-              </a:rPr>
-              <a:t>、</a:t>
-            </a:r>
-            <a:r>
-              <a:rPr lang="zh-CN" sz="2400" dirty="0" smtClean="0">
-                <a:latin typeface="微软雅黑" panose="020B0503020204020204" charset="-122"/>
-                <a:ea typeface="微软雅黑" panose="020B0503020204020204" charset="-122"/>
-                <a:cs typeface="微软雅黑" panose="020B0503020204020204" charset="-122"/>
-              </a:rPr>
-              <a:t>故障管理</a:t>
-            </a:r>
-            <a:r>
-              <a:rPr lang="zh-CN" altLang="en-US" sz="2400" dirty="0" smtClean="0">
-                <a:latin typeface="微软雅黑" panose="020B0503020204020204" charset="-122"/>
-                <a:ea typeface="微软雅黑" panose="020B0503020204020204" charset="-122"/>
-                <a:cs typeface="微软雅黑" panose="020B0503020204020204" charset="-122"/>
-              </a:rPr>
-              <a:t>、</a:t>
-            </a:r>
-            <a:r>
-              <a:rPr lang="zh-CN" sz="2400" dirty="0" smtClean="0">
-                <a:latin typeface="微软雅黑" panose="020B0503020204020204" charset="-122"/>
-                <a:ea typeface="微软雅黑" panose="020B0503020204020204" charset="-122"/>
-                <a:cs typeface="微软雅黑" panose="020B0503020204020204" charset="-122"/>
-              </a:rPr>
-              <a:t>安全管理</a:t>
-            </a:r>
-            <a:r>
-              <a:rPr lang="zh-CN" altLang="en-US" sz="2400" dirty="0" smtClean="0">
-                <a:latin typeface="微软雅黑" panose="020B0503020204020204" charset="-122"/>
-                <a:ea typeface="微软雅黑" panose="020B0503020204020204" charset="-122"/>
-                <a:cs typeface="微软雅黑" panose="020B0503020204020204" charset="-122"/>
-              </a:rPr>
-              <a:t>。</a:t>
-            </a:r>
-            <a:endParaRPr lang="zh-CN" sz="2400" dirty="0">
-              <a:latin typeface="微软雅黑" panose="020B0503020204020204" charset="-122"/>
-              <a:ea typeface="微软雅黑" panose="020B0503020204020204" charset="-122"/>
-              <a:cs typeface="微软雅黑" panose="020B0503020204020204" charset="-122"/>
-            </a:endParaRPr>
-          </a:p>
-        </p:txBody>
-      </p:sp>
+              <a:rPr lang="zh-CN" sz="1800" dirty="0" smtClean="0">
+                <a:latin typeface="微软雅黑" panose="020B0503020204020204" charset="-122"/>
+                <a:ea typeface="微软雅黑" panose="020B0503020204020204" charset="-122"/>
+              </a:rPr>
+              <a:t>例：基于</a:t>
+            </a:r>
+            <a:r>
+              <a:rPr lang="en-US" altLang="zh-CN" sz="1800" dirty="0" smtClean="0">
+                <a:latin typeface="微软雅黑" panose="020B0503020204020204" charset="-122"/>
+                <a:ea typeface="微软雅黑" panose="020B0503020204020204" charset="-122"/>
+              </a:rPr>
+              <a:t>CORBA</a:t>
+            </a:r>
+            <a:r>
+              <a:rPr lang="zh-CN" altLang="en-US" sz="1800" dirty="0" smtClean="0">
+                <a:latin typeface="微软雅黑" panose="020B0503020204020204" charset="-122"/>
+                <a:ea typeface="微软雅黑" panose="020B0503020204020204" charset="-122"/>
+              </a:rPr>
+              <a:t>的分布式</a:t>
+            </a:r>
+            <a:r>
+              <a:rPr lang="zh-CN" sz="1800" dirty="0" smtClean="0">
+                <a:latin typeface="微软雅黑" panose="020B0503020204020204" charset="-122"/>
+                <a:ea typeface="微软雅黑" panose="020B0503020204020204" charset="-122"/>
+              </a:rPr>
+              <a:t>中间件</a:t>
+            </a:r>
+            <a:endParaRPr lang="zh-CN" sz="1800" dirty="0">
+              <a:latin typeface="微软雅黑" panose="020B0503020204020204" charset="-122"/>
+              <a:ea typeface="微软雅黑" panose="020B0503020204020204" charset="-122"/>
+              <a:cs typeface="微软雅黑" panose="020B0503020204020204" charset="-122"/>
+            </a:endParaRPr>
+          </a:p>
+        </p:txBody>
+      </p:sp>
+      <p:pic>
+        <p:nvPicPr>
+          <p:cNvPr id="14" name="图片 13" descr="$$UISRJ}S13OU[KPOH7I@BB"/>
+          <p:cNvPicPr>
+            <a:picLocks noChangeAspect="1"/>
+          </p:cNvPicPr>
+          <p:nvPr/>
+        </p:nvPicPr>
+        <p:blipFill>
+          <a:blip r:embed="rId2"/>
+          <a:stretch>
+            <a:fillRect/>
+          </a:stretch>
+        </p:blipFill>
+        <p:spPr>
+          <a:xfrm>
+            <a:off x="666393" y="1307464"/>
+            <a:ext cx="7395567" cy="3413580"/>
+          </a:xfrm>
+          <a:prstGeom prst="rect">
+            <a:avLst/>
+          </a:prstGeom>
+        </p:spPr>
+      </p:pic>
     </p:spTree>
   </p:cSld>
   <p:clrMapOvr>
@@ -5785,34 +5616,264 @@
           </a:p>
         </p:txBody>
       </p:sp>
-      <p:pic>
-        <p:nvPicPr>
-          <p:cNvPr id="11271" name="Picture 9"/>
-          <p:cNvPicPr>
-            <a:picLocks noChangeAspect="1"/>
-          </p:cNvPicPr>
-          <p:nvPr/>
-        </p:nvPicPr>
-        <p:blipFill>
-          <a:blip r:embed="rId2"/>
-          <a:stretch>
-            <a:fillRect/>
-          </a:stretch>
-        </p:blipFill>
+      <p:sp>
+        <p:nvSpPr>
+          <p:cNvPr id="16" name="矩形 15"/>
+          <p:cNvSpPr/>
+          <p:nvPr/>
+        </p:nvSpPr>
         <p:spPr>
           <a:xfrm>
-            <a:off x="796811" y="678958"/>
-            <a:ext cx="6830810" cy="4113253"/>
+            <a:off x="671524" y="824473"/>
+            <a:ext cx="7799671" cy="3003507"/>
           </a:xfrm>
           <a:prstGeom prst="rect">
             <a:avLst/>
           </a:prstGeom>
-          <a:noFill/>
-          <a:ln w="12700">
-            <a:noFill/>
-          </a:ln>
-        </p:spPr>
-      </p:pic>
+        </p:spPr>
+        <p:txBody>
+          <a:bodyPr wrap="square" lIns="48381" tIns="24190" rIns="48381" bIns="24190">
+            <a:spAutoFit/>
+          </a:bodyPr>
+          <a:lstStyle/>
+          <a:p>
+            <a:pPr fontAlgn="auto">
+              <a:lnSpc>
+                <a:spcPct val="100000"/>
+              </a:lnSpc>
+            </a:pPr>
+            <a:r>
+              <a:rPr lang="zh-CN" sz="2400" dirty="0" smtClean="0">
+                <a:latin typeface="微软雅黑" panose="020B0503020204020204" charset="-122"/>
+                <a:ea typeface="微软雅黑" panose="020B0503020204020204" charset="-122"/>
+              </a:rPr>
+              <a:t>远程过程调用(RPC) </a:t>
+            </a:r>
+          </a:p>
+          <a:p>
+            <a:pPr indent="0" fontAlgn="auto">
+              <a:lnSpc>
+                <a:spcPct val="100000"/>
+              </a:lnSpc>
+              <a:buFont typeface="Wingdings" pitchFamily="2" charset="2"/>
+              <a:buChar char="l"/>
+            </a:pPr>
+            <a:r>
+              <a:rPr lang="zh-CN" altLang="en-US" sz="2400" dirty="0" smtClean="0">
+                <a:latin typeface="微软雅黑" panose="020B0503020204020204" charset="-122"/>
+                <a:ea typeface="微软雅黑" panose="020B0503020204020204" charset="-122"/>
+              </a:rPr>
+              <a:t>    </a:t>
+            </a:r>
+            <a:r>
+              <a:rPr lang="en-US" altLang="zh-CN" sz="2400" dirty="0" smtClean="0">
+                <a:latin typeface="微软雅黑" panose="020B0503020204020204" charset="-122"/>
+                <a:ea typeface="微软雅黑" panose="020B0503020204020204" charset="-122"/>
+              </a:rPr>
+              <a:t>RPC</a:t>
+            </a:r>
+            <a:r>
+              <a:rPr lang="zh-CN" sz="2400" dirty="0" smtClean="0">
+                <a:latin typeface="微软雅黑" panose="020B0503020204020204" charset="-122"/>
+                <a:ea typeface="微软雅黑" panose="020B0503020204020204" charset="-122"/>
+              </a:rPr>
+              <a:t>允许跨不同的硬件和操作系统平台调用操作。</a:t>
+            </a:r>
+          </a:p>
+          <a:p>
+            <a:pPr indent="0" fontAlgn="auto">
+              <a:lnSpc>
+                <a:spcPct val="100000"/>
+              </a:lnSpc>
+              <a:buFont typeface="Wingdings" pitchFamily="2" charset="2"/>
+              <a:buChar char="l"/>
+            </a:pPr>
+            <a:r>
+              <a:rPr lang="zh-CN" sz="2400" dirty="0" smtClean="0">
+                <a:latin typeface="微软雅黑" panose="020B0503020204020204" charset="-122"/>
+                <a:ea typeface="微软雅黑" panose="020B0503020204020204" charset="-122"/>
+              </a:rPr>
+              <a:t>    提供与本地过程调用相同的机制，但在进程间级别。</a:t>
+            </a:r>
+          </a:p>
+          <a:p>
+            <a:pPr indent="0" fontAlgn="auto">
+              <a:lnSpc>
+                <a:spcPct val="100000"/>
+              </a:lnSpc>
+              <a:buFont typeface="Wingdings" pitchFamily="2" charset="2"/>
+              <a:buChar char="l"/>
+            </a:pPr>
+            <a:r>
+              <a:rPr lang="zh-CN" sz="2400" dirty="0" smtClean="0">
+                <a:latin typeface="微软雅黑" panose="020B0503020204020204" charset="-122"/>
+                <a:ea typeface="微软雅黑" panose="020B0503020204020204" charset="-122"/>
+              </a:rPr>
+              <a:t>    支持通用接口定义语言(IDL)。</a:t>
+            </a:r>
+          </a:p>
+          <a:p>
+            <a:pPr indent="0" fontAlgn="auto">
+              <a:lnSpc>
+                <a:spcPct val="100000"/>
+              </a:lnSpc>
+              <a:buFont typeface="Wingdings" panose="05000000000000000000" pitchFamily="2" charset="2"/>
+              <a:buNone/>
+            </a:pPr>
+            <a:r>
+              <a:rPr lang="zh-CN" altLang="en-US" sz="2400" dirty="0" smtClean="0">
+                <a:latin typeface="微软雅黑" panose="020B0503020204020204" charset="-122"/>
+                <a:ea typeface="微软雅黑" panose="020B0503020204020204" charset="-122"/>
+                <a:cs typeface="微软雅黑" panose="020B0503020204020204" charset="-122"/>
+              </a:rPr>
+              <a:t>    </a:t>
+            </a:r>
+            <a:endParaRPr lang="en-US" altLang="zh-CN" sz="2400" dirty="0" smtClean="0">
+              <a:latin typeface="微软雅黑" panose="020B0503020204020204" charset="-122"/>
+              <a:ea typeface="微软雅黑" panose="020B0503020204020204" charset="-122"/>
+              <a:cs typeface="微软雅黑" panose="020B0503020204020204" charset="-122"/>
+            </a:endParaRPr>
+          </a:p>
+          <a:p>
+            <a:pPr indent="0" fontAlgn="auto">
+              <a:lnSpc>
+                <a:spcPct val="100000"/>
+              </a:lnSpc>
+              <a:buFont typeface="Wingdings" panose="05000000000000000000" pitchFamily="2" charset="2"/>
+              <a:buNone/>
+            </a:pPr>
+            <a:r>
+              <a:rPr lang="zh-CN" sz="2400" dirty="0" smtClean="0">
+                <a:latin typeface="微软雅黑" panose="020B0503020204020204" charset="-122"/>
+                <a:ea typeface="微软雅黑" panose="020B0503020204020204" charset="-122"/>
+              </a:rPr>
+              <a:t>RPC</a:t>
+            </a:r>
+            <a:r>
+              <a:rPr lang="zh-CN" sz="2400" dirty="0">
+                <a:latin typeface="微软雅黑" panose="020B0503020204020204" charset="-122"/>
+                <a:ea typeface="微软雅黑" panose="020B0503020204020204" charset="-122"/>
+              </a:rPr>
+              <a:t>机制由RPC软件提供，它“透明地处理所有涉及的步骤”。RPC软件的功能包括</a:t>
+            </a:r>
+            <a:r>
+              <a:rPr lang="zh-CN" sz="2400" dirty="0" smtClean="0">
+                <a:latin typeface="微软雅黑" panose="020B0503020204020204" charset="-122"/>
+                <a:ea typeface="微软雅黑" panose="020B0503020204020204" charset="-122"/>
+              </a:rPr>
+              <a:t>:</a:t>
+            </a:r>
+            <a:r>
+              <a:rPr lang="zh-CN" altLang="en-US" sz="2400" dirty="0" smtClean="0">
+                <a:latin typeface="微软雅黑" panose="020B0503020204020204" charset="-122"/>
+                <a:ea typeface="微软雅黑" panose="020B0503020204020204" charset="-122"/>
+              </a:rPr>
+              <a:t>  </a:t>
+            </a:r>
+            <a:r>
+              <a:rPr lang="zh-CN" sz="2400" dirty="0" smtClean="0">
+                <a:latin typeface="微软雅黑" panose="020B0503020204020204" charset="-122"/>
+                <a:ea typeface="微软雅黑" panose="020B0503020204020204" charset="-122"/>
+                <a:cs typeface="微软雅黑" panose="020B0503020204020204" charset="-122"/>
+              </a:rPr>
+              <a:t>服务器</a:t>
+            </a:r>
+            <a:r>
+              <a:rPr lang="zh-CN" sz="2400" dirty="0">
+                <a:latin typeface="微软雅黑" panose="020B0503020204020204" charset="-122"/>
+                <a:ea typeface="微软雅黑" panose="020B0503020204020204" charset="-122"/>
+                <a:cs typeface="微软雅黑" panose="020B0503020204020204" charset="-122"/>
+              </a:rPr>
+              <a:t>函数和并发请求的</a:t>
+            </a:r>
+            <a:r>
+              <a:rPr lang="zh-CN" sz="2400" dirty="0" smtClean="0">
+                <a:latin typeface="微软雅黑" panose="020B0503020204020204" charset="-122"/>
+                <a:ea typeface="微软雅黑" panose="020B0503020204020204" charset="-122"/>
+                <a:cs typeface="微软雅黑" panose="020B0503020204020204" charset="-122"/>
+              </a:rPr>
+              <a:t>位置</a:t>
+            </a:r>
+            <a:r>
+              <a:rPr lang="zh-CN" altLang="en-US" sz="2400" dirty="0" smtClean="0">
+                <a:latin typeface="微软雅黑" panose="020B0503020204020204" charset="-122"/>
+                <a:ea typeface="微软雅黑" panose="020B0503020204020204" charset="-122"/>
+                <a:cs typeface="微软雅黑" panose="020B0503020204020204" charset="-122"/>
+              </a:rPr>
+              <a:t>、</a:t>
+            </a:r>
+            <a:r>
+              <a:rPr lang="zh-CN" sz="2400" dirty="0" smtClean="0">
+                <a:latin typeface="微软雅黑" panose="020B0503020204020204" charset="-122"/>
+                <a:ea typeface="微软雅黑" panose="020B0503020204020204" charset="-122"/>
+                <a:cs typeface="微软雅黑" panose="020B0503020204020204" charset="-122"/>
+              </a:rPr>
+              <a:t>参数</a:t>
+            </a:r>
+            <a:r>
+              <a:rPr lang="zh-CN" sz="2400" dirty="0">
+                <a:latin typeface="微软雅黑" panose="020B0503020204020204" charset="-122"/>
+                <a:ea typeface="微软雅黑" panose="020B0503020204020204" charset="-122"/>
+                <a:cs typeface="微软雅黑" panose="020B0503020204020204" charset="-122"/>
+              </a:rPr>
+              <a:t>传递和数据</a:t>
+            </a:r>
+            <a:r>
+              <a:rPr lang="zh-CN" sz="2400" dirty="0" smtClean="0">
+                <a:latin typeface="微软雅黑" panose="020B0503020204020204" charset="-122"/>
+                <a:ea typeface="微软雅黑" panose="020B0503020204020204" charset="-122"/>
+                <a:cs typeface="微软雅黑" panose="020B0503020204020204" charset="-122"/>
+              </a:rPr>
+              <a:t>表示</a:t>
+            </a:r>
+            <a:r>
+              <a:rPr lang="zh-CN" altLang="en-US" sz="2400" dirty="0" smtClean="0">
+                <a:latin typeface="微软雅黑" panose="020B0503020204020204" charset="-122"/>
+                <a:ea typeface="微软雅黑" panose="020B0503020204020204" charset="-122"/>
+                <a:cs typeface="微软雅黑" panose="020B0503020204020204" charset="-122"/>
+              </a:rPr>
+              <a:t>、</a:t>
+            </a:r>
+            <a:r>
+              <a:rPr lang="zh-CN" sz="2400" dirty="0" smtClean="0">
+                <a:latin typeface="微软雅黑" panose="020B0503020204020204" charset="-122"/>
+                <a:ea typeface="微软雅黑" panose="020B0503020204020204" charset="-122"/>
+                <a:cs typeface="微软雅黑" panose="020B0503020204020204" charset="-122"/>
+              </a:rPr>
+              <a:t>故障管理</a:t>
+            </a:r>
+            <a:r>
+              <a:rPr lang="zh-CN" altLang="en-US" sz="2400" dirty="0" smtClean="0">
+                <a:latin typeface="微软雅黑" panose="020B0503020204020204" charset="-122"/>
+                <a:ea typeface="微软雅黑" panose="020B0503020204020204" charset="-122"/>
+                <a:cs typeface="微软雅黑" panose="020B0503020204020204" charset="-122"/>
+              </a:rPr>
+              <a:t>、</a:t>
+            </a:r>
+            <a:r>
+              <a:rPr lang="zh-CN" sz="2400" dirty="0" smtClean="0">
+                <a:latin typeface="微软雅黑" panose="020B0503020204020204" charset="-122"/>
+                <a:ea typeface="微软雅黑" panose="020B0503020204020204" charset="-122"/>
+                <a:cs typeface="微软雅黑" panose="020B0503020204020204" charset="-122"/>
+              </a:rPr>
+              <a:t>安全管理</a:t>
+            </a:r>
+            <a:r>
+              <a:rPr lang="zh-CN" altLang="en-US" sz="2400" dirty="0" smtClean="0">
+                <a:latin typeface="微软雅黑" panose="020B0503020204020204" charset="-122"/>
+                <a:ea typeface="微软雅黑" panose="020B0503020204020204" charset="-122"/>
+                <a:cs typeface="微软雅黑" panose="020B0503020204020204" charset="-122"/>
+              </a:rPr>
+              <a:t>。</a:t>
+            </a:r>
+            <a:endParaRPr lang="zh-CN" sz="2400" dirty="0">
+              <a:latin typeface="微软雅黑" panose="020B0503020204020204" charset="-122"/>
+              <a:ea typeface="微软雅黑" panose="020B0503020204020204" charset="-122"/>
+              <a:cs typeface="微软雅黑" panose="020B0503020204020204" charset="-122"/>
+            </a:endParaRPr>
+          </a:p>
+        </p:txBody>
+      </p:sp>
     </p:spTree>
   </p:cSld>
   <p:clrMapOvr>
@@ -6432,204 +6493,34 @@
           </a:p>
         </p:txBody>
       </p:sp>
-      <p:sp>
-        <p:nvSpPr>
-          <p:cNvPr id="16" name="矩形 15"/>
-          <p:cNvSpPr/>
-          <p:nvPr/>
-        </p:nvSpPr>
+      <p:pic>
+        <p:nvPicPr>
+          <p:cNvPr id="11271" name="Picture 9"/>
+          <p:cNvPicPr>
+            <a:picLocks noChangeAspect="1"/>
+          </p:cNvPicPr>
+          <p:nvPr/>
+        </p:nvPicPr>
+        <p:blipFill>
+          <a:blip r:embed="rId2"/>
+          <a:stretch>
+            <a:fillRect/>
+          </a:stretch>
+        </p:blipFill>
         <p:spPr>
           <a:xfrm>
-            <a:off x="671524" y="844158"/>
-            <a:ext cx="7799671" cy="3926837"/>
+            <a:off x="796811" y="678958"/>
+            <a:ext cx="6830810" cy="4113253"/>
           </a:xfrm>
           <a:prstGeom prst="rect">
             <a:avLst/>
           </a:prstGeom>
-        </p:spPr>
-        <p:txBody>
-          <a:bodyPr wrap="square" lIns="48381" tIns="24190" rIns="48381" bIns="24190">
-            <a:spAutoFit/>
-          </a:bodyPr>
-          <a:lstStyle/>
-          <a:p>
-            <a:pPr indent="0" fontAlgn="auto">
-              <a:lnSpc>
-                <a:spcPct val="150000"/>
-              </a:lnSpc>
-              <a:buFont typeface="Wingdings" panose="05000000000000000000" pitchFamily="2" charset="2"/>
-              <a:buNone/>
-            </a:pPr>
-            <a:r>
-              <a:rPr lang="zh-CN" altLang="en-GB" sz="2400" dirty="0">
-                <a:latin typeface="微软雅黑" panose="020B0503020204020204" charset="-122"/>
-                <a:ea typeface="微软雅黑" panose="020B0503020204020204" charset="-122"/>
-                <a:cs typeface="微软雅黑" panose="020B0503020204020204" charset="-122"/>
-                <a:sym typeface="+mn-ea"/>
-              </a:rPr>
-              <a:t>CORBA—通用对象请求代理架构</a:t>
-            </a:r>
-          </a:p>
-          <a:p>
-            <a:pPr indent="0" fontAlgn="auto">
-              <a:lnSpc>
-                <a:spcPct val="150000"/>
-              </a:lnSpc>
-              <a:buFont typeface="Wingdings" panose="05000000000000000000" pitchFamily="2" charset="2"/>
-              <a:buNone/>
-            </a:pPr>
-            <a:r>
-              <a:rPr lang="en-GB" altLang="zh-CN" sz="2400" dirty="0">
-                <a:latin typeface="微软雅黑" panose="020B0503020204020204" charset="-122"/>
-                <a:ea typeface="微软雅黑" panose="020B0503020204020204" charset="-122"/>
-                <a:cs typeface="微软雅黑" panose="020B0503020204020204" charset="-122"/>
-                <a:sym typeface="+mn-ea"/>
-              </a:rPr>
-              <a:t>CORBA</a:t>
-            </a:r>
-            <a:r>
-              <a:rPr lang="zh-CN" altLang="en-GB" sz="2400" dirty="0">
-                <a:latin typeface="微软雅黑" panose="020B0503020204020204" charset="-122"/>
-                <a:ea typeface="微软雅黑" panose="020B0503020204020204" charset="-122"/>
-                <a:cs typeface="微软雅黑" panose="020B0503020204020204" charset="-122"/>
-                <a:sym typeface="+mn-ea"/>
-              </a:rPr>
-              <a:t>是一个对象请求代理的一种国际标准，它是管理分布式对象通信的中间件。</a:t>
-            </a:r>
-          </a:p>
-          <a:p>
-            <a:pPr indent="0" fontAlgn="auto">
-              <a:lnSpc>
-                <a:spcPct val="150000"/>
-              </a:lnSpc>
-              <a:buFont typeface="Wingdings" panose="05000000000000000000" pitchFamily="2" charset="2"/>
-              <a:buNone/>
-            </a:pPr>
-            <a:r>
-              <a:rPr lang="zh-CN" altLang="en-GB" sz="2400" dirty="0" smtClean="0">
-                <a:latin typeface="微软雅黑" panose="020B0503020204020204" charset="-122"/>
-                <a:ea typeface="微软雅黑" panose="020B0503020204020204" charset="-122"/>
-                <a:cs typeface="微软雅黑" panose="020B0503020204020204" charset="-122"/>
-                <a:sym typeface="+mn-ea"/>
-              </a:rPr>
-              <a:t>对</a:t>
-            </a:r>
-            <a:r>
-              <a:rPr lang="zh-CN" altLang="en-GB" sz="2400" dirty="0">
-                <a:latin typeface="微软雅黑" panose="020B0503020204020204" charset="-122"/>
-                <a:ea typeface="微软雅黑" panose="020B0503020204020204" charset="-122"/>
-                <a:cs typeface="微软雅黑" panose="020B0503020204020204" charset="-122"/>
-                <a:sym typeface="+mn-ea"/>
-              </a:rPr>
-              <a:t>分布计算中间件的需求处在两个级别上</a:t>
-            </a:r>
-            <a:r>
-              <a:rPr lang="zh-CN" altLang="en-GB" sz="2400" dirty="0" smtClean="0">
-                <a:latin typeface="微软雅黑" panose="020B0503020204020204" charset="-122"/>
-                <a:ea typeface="微软雅黑" panose="020B0503020204020204" charset="-122"/>
-                <a:cs typeface="微软雅黑" panose="020B0503020204020204" charset="-122"/>
-                <a:sym typeface="+mn-ea"/>
-              </a:rPr>
-              <a:t>：在</a:t>
-            </a:r>
-            <a:r>
-              <a:rPr lang="zh-CN" altLang="en-GB" sz="2400" dirty="0">
-                <a:latin typeface="微软雅黑" panose="020B0503020204020204" charset="-122"/>
-                <a:ea typeface="微软雅黑" panose="020B0503020204020204" charset="-122"/>
-                <a:cs typeface="微软雅黑" panose="020B0503020204020204" charset="-122"/>
-                <a:sym typeface="+mn-ea"/>
-              </a:rPr>
-              <a:t>逻辑通信级别上，中间件允许对象在不同的计算机上交换数据和控制信息</a:t>
-            </a:r>
-            <a:r>
-              <a:rPr lang="zh-CN" altLang="en-GB" sz="2400" dirty="0" smtClean="0">
-                <a:latin typeface="微软雅黑" panose="020B0503020204020204" charset="-122"/>
-                <a:ea typeface="微软雅黑" panose="020B0503020204020204" charset="-122"/>
-                <a:cs typeface="微软雅黑" panose="020B0503020204020204" charset="-122"/>
-                <a:sym typeface="+mn-ea"/>
-              </a:rPr>
-              <a:t>；在</a:t>
-            </a:r>
-            <a:r>
-              <a:rPr lang="zh-CN" altLang="en-GB" sz="2400" dirty="0">
-                <a:latin typeface="微软雅黑" panose="020B0503020204020204" charset="-122"/>
-                <a:ea typeface="微软雅黑" panose="020B0503020204020204" charset="-122"/>
-                <a:cs typeface="微软雅黑" panose="020B0503020204020204" charset="-122"/>
-                <a:sym typeface="+mn-ea"/>
-              </a:rPr>
-              <a:t>构件级别上，中间件为开发兼容构件提供一个</a:t>
-            </a:r>
-            <a:r>
-              <a:rPr lang="zh-CN" altLang="en-GB" sz="2400" dirty="0" smtClean="0">
-                <a:latin typeface="微软雅黑" panose="020B0503020204020204" charset="-122"/>
-                <a:ea typeface="微软雅黑" panose="020B0503020204020204" charset="-122"/>
-                <a:cs typeface="微软雅黑" panose="020B0503020204020204" charset="-122"/>
-                <a:sym typeface="+mn-ea"/>
-              </a:rPr>
-              <a:t>基础</a:t>
-            </a:r>
-            <a:r>
-              <a:rPr lang="zh-CN" altLang="en-US" sz="2400" dirty="0" smtClean="0">
-                <a:latin typeface="微软雅黑" panose="020B0503020204020204" charset="-122"/>
-                <a:ea typeface="微软雅黑" panose="020B0503020204020204" charset="-122"/>
-                <a:cs typeface="微软雅黑" panose="020B0503020204020204" charset="-122"/>
-                <a:sym typeface="+mn-ea"/>
-              </a:rPr>
-              <a:t>，</a:t>
-            </a:r>
-            <a:r>
-              <a:rPr lang="en-US" altLang="zh-CN" sz="2400" dirty="0" smtClean="0">
-                <a:latin typeface="微软雅黑" panose="020B0503020204020204" charset="-122"/>
-                <a:ea typeface="微软雅黑" panose="020B0503020204020204" charset="-122"/>
-                <a:cs typeface="微软雅黑" panose="020B0503020204020204" charset="-122"/>
-                <a:sym typeface="+mn-ea"/>
-              </a:rPr>
-              <a:t>C</a:t>
-            </a:r>
-            <a:r>
-              <a:rPr lang="en-GB" altLang="zh-CN" sz="2400" dirty="0" smtClean="0">
-                <a:latin typeface="微软雅黑" panose="020B0503020204020204" charset="-122"/>
-                <a:ea typeface="微软雅黑" panose="020B0503020204020204" charset="-122"/>
-                <a:cs typeface="微软雅黑" panose="020B0503020204020204" charset="-122"/>
-                <a:sym typeface="+mn-ea"/>
-              </a:rPr>
-              <a:t>ORBA</a:t>
-            </a:r>
-            <a:r>
-              <a:rPr lang="zh-CN" altLang="en-GB" sz="2400" dirty="0">
-                <a:latin typeface="微软雅黑" panose="020B0503020204020204" charset="-122"/>
-                <a:ea typeface="微软雅黑" panose="020B0503020204020204" charset="-122"/>
-                <a:cs typeface="微软雅黑" panose="020B0503020204020204" charset="-122"/>
-                <a:sym typeface="+mn-ea"/>
-              </a:rPr>
-              <a:t>构件标准已经定义</a:t>
-            </a:r>
-            <a:r>
-              <a:rPr lang="zh-CN" altLang="en-GB" sz="2400" dirty="0" smtClean="0">
-                <a:latin typeface="微软雅黑" panose="020B0503020204020204" charset="-122"/>
-                <a:ea typeface="微软雅黑" panose="020B0503020204020204" charset="-122"/>
-                <a:cs typeface="微软雅黑" panose="020B0503020204020204" charset="-122"/>
-                <a:sym typeface="+mn-ea"/>
-              </a:rPr>
-              <a:t>好</a:t>
-            </a:r>
-            <a:r>
-              <a:rPr lang="zh-CN" altLang="en-US" sz="2400" dirty="0" smtClean="0">
-                <a:latin typeface="微软雅黑" panose="020B0503020204020204" charset="-122"/>
-                <a:ea typeface="微软雅黑" panose="020B0503020204020204" charset="-122"/>
-                <a:cs typeface="微软雅黑" panose="020B0503020204020204" charset="-122"/>
-                <a:sym typeface="+mn-ea"/>
-              </a:rPr>
-              <a:t>。</a:t>
-            </a:r>
-            <a:endParaRPr lang="zh-CN" sz="2400" dirty="0">
-              <a:latin typeface="微软雅黑" panose="020B0503020204020204" charset="-122"/>
-              <a:ea typeface="微软雅黑" panose="020B0503020204020204" charset="-122"/>
-              <a:cs typeface="微软雅黑" panose="020B0503020204020204" charset="-122"/>
-            </a:endParaRPr>
-          </a:p>
-        </p:txBody>
-      </p:sp>
+          <a:noFill/>
+          <a:ln w="12700">
+            <a:noFill/>
+          </a:ln>
+        </p:spPr>
+      </p:pic>
     </p:spTree>
   </p:cSld>
   <p:clrMapOvr>
@@ -7258,7 +7149,7 @@
         <p:spPr>
           <a:xfrm>
             <a:off x="671524" y="844158"/>
-            <a:ext cx="7799671" cy="3861563"/>
+            <a:ext cx="7799671" cy="3926837"/>
           </a:xfrm>
           <a:prstGeom prst="rect">
             <a:avLst/>
@@ -7284,19 +7175,16 @@
                 <a:cs typeface="微软雅黑" panose="020B0503020204020204" charset="-122"/>
                 <a:sym typeface="+mn-ea"/>
               </a:rPr>
-              <a:t>CORBA技术标准</a:t>
-            </a:r>
-          </a:p>
-          <a:p>
-            <a:pPr marL="342900" indent="0" fontAlgn="auto">
+              <a:t>CORBA—通用对象请求代理架构</a:t>
+            </a:r>
+          </a:p>
+          <a:p>
+            <a:pPr indent="0" fontAlgn="auto">
               <a:lnSpc>
                 <a:spcPct val="150000"/>
               </a:lnSpc>
-              <a:spcBef>
-                <a:spcPts val="0"/>
-              </a:spcBef>
-              <a:buFont typeface="Arial" panose="020B0604020202020204" pitchFamily="34" charset="0"/>
-              <a:buChar char="•"/>
+              <a:buFont typeface="Wingdings" panose="05000000000000000000" pitchFamily="2" charset="2"/>
+              <a:buNone/>
             </a:pPr>
             <a:r>
               <a:rPr lang="en-GB" altLang="zh-CN" sz="2400" dirty="0">
@@ -7305,96 +7193,133 @@
                 <a:cs typeface="微软雅黑" panose="020B0503020204020204" charset="-122"/>
                 <a:sym typeface="+mn-ea"/>
               </a:rPr>
-              <a:t> </a:t>
-            </a:r>
-            <a:r>
-              <a:rPr lang="zh-CN" altLang="en-US" sz="2400" dirty="0" smtClean="0">
-                <a:latin typeface="微软雅黑" panose="020B0503020204020204" charset="-122"/>
-                <a:ea typeface="微软雅黑" panose="020B0503020204020204" charset="-122"/>
-                <a:cs typeface="微软雅黑" panose="020B0503020204020204" charset="-122"/>
-                <a:sym typeface="+mn-ea"/>
-              </a:rPr>
-              <a:t>  </a:t>
-            </a:r>
-            <a:r>
-              <a:rPr lang="en-GB" altLang="zh-CN" sz="2400" dirty="0" err="1" smtClean="0">
-                <a:latin typeface="微软雅黑" panose="020B0503020204020204" charset="-122"/>
-                <a:ea typeface="微软雅黑" panose="020B0503020204020204" charset="-122"/>
-                <a:cs typeface="微软雅黑" panose="020B0503020204020204" charset="-122"/>
-                <a:sym typeface="+mn-ea"/>
-              </a:rPr>
-              <a:t>一个针对应用对象的对象模型</a:t>
-            </a:r>
-            <a:r>
-              <a:rPr lang="zh-CN" altLang="en-US" sz="2400" dirty="0" smtClean="0">
-                <a:latin typeface="微软雅黑" panose="020B0503020204020204" charset="-122"/>
-                <a:ea typeface="微软雅黑" panose="020B0503020204020204" charset="-122"/>
-                <a:cs typeface="微软雅黑" panose="020B0503020204020204" charset="-122"/>
-                <a:sym typeface="+mn-ea"/>
-              </a:rPr>
-              <a:t>：</a:t>
-            </a:r>
-            <a:r>
-              <a:rPr lang="en-GB" altLang="zh-CN" sz="2400" dirty="0" err="1" smtClean="0">
-                <a:latin typeface="微软雅黑" panose="020B0503020204020204" charset="-122"/>
-                <a:ea typeface="微软雅黑" panose="020B0503020204020204" charset="-122"/>
-                <a:cs typeface="微软雅黑" panose="020B0503020204020204" charset="-122"/>
-                <a:sym typeface="+mn-ea"/>
-              </a:rPr>
-              <a:t>一个</a:t>
-            </a:r>
-            <a:r>
-              <a:rPr lang="en-GB" altLang="zh-CN" sz="2400" dirty="0" err="1">
-                <a:latin typeface="微软雅黑" panose="020B0503020204020204" charset="-122"/>
-                <a:ea typeface="微软雅黑" panose="020B0503020204020204" charset="-122"/>
-                <a:cs typeface="微软雅黑" panose="020B0503020204020204" charset="-122"/>
-                <a:sym typeface="+mn-ea"/>
-              </a:rPr>
-              <a:t>CORBA对象是对状态的一个封装，它具有定义好的接口（用接口定义语言IDL</a:t>
-            </a:r>
-            <a:r>
-              <a:rPr lang="en-GB" altLang="zh-CN" sz="2400" dirty="0">
-                <a:latin typeface="微软雅黑" panose="020B0503020204020204" charset="-122"/>
-                <a:ea typeface="微软雅黑" panose="020B0503020204020204" charset="-122"/>
-                <a:cs typeface="微软雅黑" panose="020B0503020204020204" charset="-122"/>
-                <a:sym typeface="+mn-ea"/>
-              </a:rPr>
-              <a:t>) ，并且这种接口与语言类型无关。</a:t>
-            </a:r>
-            <a:endParaRPr lang="en-GB" altLang="zh-CN" sz="2400" dirty="0">
-              <a:latin typeface="微软雅黑" panose="020B0503020204020204" charset="-122"/>
-              <a:ea typeface="微软雅黑" panose="020B0503020204020204" charset="-122"/>
-              <a:cs typeface="微软雅黑" panose="020B0503020204020204" charset="-122"/>
-            </a:endParaRPr>
-          </a:p>
-          <a:p>
-            <a:pPr marL="342900" lvl="0" indent="0" fontAlgn="auto">
+              <a:t>CORBA</a:t>
+            </a:r>
+            <a:r>
+              <a:rPr lang="zh-CN" altLang="en-GB" sz="2400" dirty="0">
+                <a:latin typeface="微软雅黑" panose="020B0503020204020204" charset="-122"/>
+                <a:ea typeface="微软雅黑" panose="020B0503020204020204" charset="-122"/>
+                <a:cs typeface="微软雅黑" panose="020B0503020204020204" charset="-122"/>
+                <a:sym typeface="+mn-ea"/>
+              </a:rPr>
+              <a:t>是一个对象请求代理的一种国际标准，它是管理分布式对象通信的中间件。</a:t>
+            </a:r>
+          </a:p>
+          <a:p>
+            <a:pPr indent="0" fontAlgn="auto">
               <a:lnSpc>
                 <a:spcPct val="150000"/>
               </a:lnSpc>
-              <a:spcBef>
-                <a:spcPts val="0"/>
-              </a:spcBef>
-              <a:buFont typeface="Arial" panose="020B0604020202020204" pitchFamily="34" charset="0"/>
-              <a:buChar char="•"/>
+              <a:buFont typeface="Wingdings" panose="05000000000000000000" pitchFamily="2" charset="2"/>
+              <a:buNone/>
             </a:pPr>
             <a:r>
+              <a:rPr lang="zh-CN" altLang="en-GB" sz="2400" dirty="0" smtClean="0">
+                <a:latin typeface="微软雅黑" panose="020B0503020204020204" charset="-122"/>
+                <a:ea typeface="微软雅黑" panose="020B0503020204020204" charset="-122"/>
+                <a:cs typeface="微软雅黑" panose="020B0503020204020204" charset="-122"/>
+                <a:sym typeface="+mn-ea"/>
+              </a:rPr>
+              <a:t>对</a:t>
+            </a:r>
+            <a:r>
+              <a:rPr lang="zh-CN" altLang="en-GB" sz="2400" dirty="0">
+                <a:latin typeface="微软雅黑" panose="020B0503020204020204" charset="-122"/>
+                <a:ea typeface="微软雅黑" panose="020B0503020204020204" charset="-122"/>
+                <a:cs typeface="微软雅黑" panose="020B0503020204020204" charset="-122"/>
+                <a:sym typeface="+mn-ea"/>
+              </a:rPr>
+              <a:t>分布计算中间件的需求处在两个级别上</a:t>
+            </a:r>
+            <a:r>
+              <a:rPr lang="zh-CN" altLang="en-GB" sz="2400" dirty="0" smtClean="0">
+                <a:latin typeface="微软雅黑" panose="020B0503020204020204" charset="-122"/>
+                <a:ea typeface="微软雅黑" panose="020B0503020204020204" charset="-122"/>
+                <a:cs typeface="微软雅黑" panose="020B0503020204020204" charset="-122"/>
+                <a:sym typeface="+mn-ea"/>
+              </a:rPr>
+              <a:t>：在</a:t>
+            </a:r>
+            <a:r>
+              <a:rPr lang="zh-CN" altLang="en-GB" sz="2400" dirty="0">
+                <a:latin typeface="微软雅黑" panose="020B0503020204020204" charset="-122"/>
+                <a:ea typeface="微软雅黑" panose="020B0503020204020204" charset="-122"/>
+                <a:cs typeface="微软雅黑" panose="020B0503020204020204" charset="-122"/>
+                <a:sym typeface="+mn-ea"/>
+              </a:rPr>
+              <a:t>逻辑通信级别上，中间件允许对象在不同的计算机上交换数据和控制信息</a:t>
+            </a:r>
+            <a:r>
+              <a:rPr lang="zh-CN" altLang="en-GB" sz="2400" dirty="0" smtClean="0">
+                <a:latin typeface="微软雅黑" panose="020B0503020204020204" charset="-122"/>
+                <a:ea typeface="微软雅黑" panose="020B0503020204020204" charset="-122"/>
+                <a:cs typeface="微软雅黑" panose="020B0503020204020204" charset="-122"/>
+                <a:sym typeface="+mn-ea"/>
+              </a:rPr>
+              <a:t>；在</a:t>
+            </a:r>
+            <a:r>
+              <a:rPr lang="zh-CN" altLang="en-GB" sz="2400" dirty="0">
+                <a:latin typeface="微软雅黑" panose="020B0503020204020204" charset="-122"/>
+                <a:ea typeface="微软雅黑" panose="020B0503020204020204" charset="-122"/>
+                <a:cs typeface="微软雅黑" panose="020B0503020204020204" charset="-122"/>
+                <a:sym typeface="+mn-ea"/>
+              </a:rPr>
+              <a:t>构件级别上，中间件为开发兼容构件提供一个</a:t>
+            </a:r>
+            <a:r>
+              <a:rPr lang="zh-CN" altLang="en-GB" sz="2400" dirty="0" smtClean="0">
+                <a:latin typeface="微软雅黑" panose="020B0503020204020204" charset="-122"/>
+                <a:ea typeface="微软雅黑" panose="020B0503020204020204" charset="-122"/>
+                <a:cs typeface="微软雅黑" panose="020B0503020204020204" charset="-122"/>
+                <a:sym typeface="+mn-ea"/>
+              </a:rPr>
+              <a:t>基础</a:t>
+            </a:r>
+            <a:r>
               <a:rPr lang="zh-CN" altLang="en-US" sz="2400" dirty="0" smtClean="0">
                 <a:latin typeface="微软雅黑" panose="020B0503020204020204" charset="-122"/>
                 <a:ea typeface="微软雅黑" panose="020B0503020204020204" charset="-122"/>
                 <a:cs typeface="微软雅黑" panose="020B0503020204020204" charset="-122"/>
                 <a:sym typeface="+mn-ea"/>
               </a:rPr>
-              <a:t>  </a:t>
-            </a:r>
-            <a:r>
-              <a:rPr lang="en-GB" altLang="zh-CN" sz="2400" dirty="0" err="1" smtClean="0">
-                <a:latin typeface="微软雅黑" panose="020B0503020204020204" charset="-122"/>
-                <a:ea typeface="微软雅黑" panose="020B0503020204020204" charset="-122"/>
-                <a:cs typeface="微软雅黑" panose="020B0503020204020204" charset="-122"/>
-                <a:sym typeface="+mn-ea"/>
-              </a:rPr>
-              <a:t>由一个对象请求代理来管理对象服务请求</a:t>
+              <a:t>，</a:t>
+            </a:r>
+            <a:r>
+              <a:rPr lang="en-US" altLang="zh-CN" sz="2400" dirty="0" smtClean="0">
+                <a:latin typeface="微软雅黑" panose="020B0503020204020204" charset="-122"/>
+                <a:ea typeface="微软雅黑" panose="020B0503020204020204" charset="-122"/>
+                <a:cs typeface="微软雅黑" panose="020B0503020204020204" charset="-122"/>
+                <a:sym typeface="+mn-ea"/>
+              </a:rPr>
+              <a:t>C</a:t>
+            </a:r>
+            <a:r>
+              <a:rPr lang="en-GB" altLang="zh-CN" sz="2400" dirty="0" smtClean="0">
+                <a:latin typeface="微软雅黑" panose="020B0503020204020204" charset="-122"/>
+                <a:ea typeface="微软雅黑" panose="020B0503020204020204" charset="-122"/>
+                <a:cs typeface="微软雅黑" panose="020B0503020204020204" charset="-122"/>
+                <a:sym typeface="+mn-ea"/>
+              </a:rPr>
+              <a:t>ORBA</a:t>
+            </a:r>
+            <a:r>
+              <a:rPr lang="zh-CN" altLang="en-GB" sz="2400" dirty="0">
+                <a:latin typeface="微软雅黑" panose="020B0503020204020204" charset="-122"/>
+                <a:ea typeface="微软雅黑" panose="020B0503020204020204" charset="-122"/>
+                <a:cs typeface="微软雅黑" panose="020B0503020204020204" charset="-122"/>
+                <a:sym typeface="+mn-ea"/>
+              </a:rPr>
+              <a:t>构件标准已经定义</a:t>
+            </a:r>
+            <a:r>
+              <a:rPr lang="zh-CN" altLang="en-GB" sz="2400" dirty="0" smtClean="0">
+                <a:latin typeface="微软雅黑" panose="020B0503020204020204" charset="-122"/>
+                <a:ea typeface="微软雅黑" panose="020B0503020204020204" charset="-122"/>
+                <a:cs typeface="微软雅黑" panose="020B0503020204020204" charset="-122"/>
+                <a:sym typeface="+mn-ea"/>
+              </a:rPr>
+              <a:t>好</a:t>
             </a:r>
             <a:r>
               <a:rPr lang="zh-CN" altLang="en-US" sz="2400" dirty="0" smtClean="0">
@@ -7405,69 +7330,7 @@
               </a:rPr>
               <a:t>。</a:t>
             </a:r>
-            <a:endParaRPr lang="en-GB" altLang="zh-CN" sz="2400" dirty="0">
-              <a:latin typeface="微软雅黑" panose="020B0503020204020204" charset="-122"/>
-              <a:ea typeface="微软雅黑" panose="020B0503020204020204" charset="-122"/>
-              <a:cs typeface="微软雅黑" panose="020B0503020204020204" charset="-122"/>
-            </a:endParaRPr>
-          </a:p>
-          <a:p>
-            <a:pPr marL="342900" lvl="0" indent="0" algn="l" fontAlgn="auto">
-              <a:lnSpc>
-                <a:spcPct val="150000"/>
-              </a:lnSpc>
-              <a:spcBef>
-                <a:spcPts val="0"/>
-              </a:spcBef>
-              <a:buFont typeface="Arial" panose="020B0604020202020204" pitchFamily="34" charset="0"/>
-              <a:buChar char="•"/>
-            </a:pPr>
-            <a:r>
-              <a:rPr lang="zh-CN" altLang="en-US" sz="2400" dirty="0" smtClean="0">
-                <a:latin typeface="微软雅黑" panose="020B0503020204020204" charset="-122"/>
-                <a:ea typeface="微软雅黑" panose="020B0503020204020204" charset="-122"/>
-                <a:cs typeface="微软雅黑" panose="020B0503020204020204" charset="-122"/>
-                <a:sym typeface="+mn-ea"/>
-              </a:rPr>
-              <a:t>  </a:t>
-            </a:r>
-            <a:r>
-              <a:rPr lang="en-GB" altLang="zh-CN" sz="2400" dirty="0" err="1" smtClean="0">
-                <a:latin typeface="微软雅黑" panose="020B0503020204020204" charset="-122"/>
-                <a:ea typeface="微软雅黑" panose="020B0503020204020204" charset="-122"/>
-                <a:cs typeface="微软雅黑" panose="020B0503020204020204" charset="-122"/>
-                <a:sym typeface="+mn-ea"/>
-              </a:rPr>
-              <a:t>有一套常规对象服务供许多分布式应用使用</a:t>
-            </a:r>
-            <a:r>
-              <a:rPr lang="zh-CN" altLang="en-US" sz="2400" dirty="0" smtClean="0">
-                <a:latin typeface="微软雅黑" panose="020B0503020204020204" charset="-122"/>
-                <a:ea typeface="微软雅黑" panose="020B0503020204020204" charset="-122"/>
-                <a:cs typeface="微软雅黑" panose="020B0503020204020204" charset="-122"/>
-                <a:sym typeface="+mn-ea"/>
-              </a:rPr>
-              <a:t>，</a:t>
-            </a:r>
-            <a:r>
-              <a:rPr lang="en-GB" altLang="zh-CN" sz="2400" dirty="0" err="1" smtClean="0">
-                <a:latin typeface="微软雅黑" panose="020B0503020204020204" charset="-122"/>
-                <a:ea typeface="微软雅黑" panose="020B0503020204020204" charset="-122"/>
-                <a:cs typeface="微软雅黑" panose="020B0503020204020204" charset="-122"/>
-                <a:sym typeface="+mn-ea"/>
-              </a:rPr>
-              <a:t>还有建立在这些服务之上的一套公共构件</a:t>
-            </a:r>
-            <a:r>
-              <a:rPr lang="zh-CN" altLang="en-US" sz="2400" dirty="0" smtClean="0">
-                <a:latin typeface="微软雅黑" panose="020B0503020204020204" charset="-122"/>
-                <a:ea typeface="微软雅黑" panose="020B0503020204020204" charset="-122"/>
-                <a:cs typeface="微软雅黑" panose="020B0503020204020204" charset="-122"/>
-                <a:sym typeface="+mn-ea"/>
-              </a:rPr>
-              <a:t>。</a:t>
-            </a:r>
-            <a:endParaRPr lang="en-GB" altLang="zh-CN" sz="2400" dirty="0">
+            <a:endParaRPr lang="zh-CN" sz="2400" dirty="0">
               <a:latin typeface="微软雅黑" panose="020B0503020204020204" charset="-122"/>
               <a:ea typeface="微软雅黑" panose="020B0503020204020204" charset="-122"/>
               <a:cs typeface="微软雅黑" panose="020B0503020204020204" charset="-122"/>
@@ -8102,8 +7965,8 @@
         </p:nvSpPr>
         <p:spPr>
           <a:xfrm>
-            <a:off x="671524" y="691758"/>
-            <a:ext cx="7799671" cy="4323228"/>
+            <a:off x="671524" y="844158"/>
+            <a:ext cx="7799671" cy="3861563"/>
           </a:xfrm>
           <a:prstGeom prst="rect">
             <a:avLst/>
@@ -8129,39 +7992,16 @@
                 <a:cs typeface="微软雅黑" panose="020B0503020204020204" charset="-122"/>
                 <a:sym typeface="+mn-ea"/>
               </a:rPr>
-              <a:t>CORBA对象 (Object)</a:t>
-            </a:r>
-          </a:p>
-          <a:p>
-            <a:pPr marL="342900" indent="-342900" fontAlgn="auto">
-              <a:lnSpc>
-                <a:spcPct val="150000"/>
-              </a:lnSpc>
-              <a:buFont typeface="Arial" panose="020B0604020202020204" pitchFamily="34" charset="0"/>
-              <a:buChar char="•"/>
-            </a:pPr>
-            <a:r>
-              <a:rPr lang="en-GB" altLang="zh-CN" sz="2400" dirty="0">
-                <a:latin typeface="微软雅黑" panose="020B0503020204020204" charset="-122"/>
-                <a:ea typeface="微软雅黑" panose="020B0503020204020204" charset="-122"/>
-                <a:cs typeface="微软雅黑" panose="020B0503020204020204" charset="-122"/>
-                <a:sym typeface="+mn-ea"/>
-              </a:rPr>
-              <a:t> 原则上，CORBA对象可以与C++和Java对象进行比较。</a:t>
-            </a:r>
-            <a:endParaRPr lang="en-GB" altLang="zh-CN" sz="2400" dirty="0">
-              <a:latin typeface="微软雅黑" panose="020B0503020204020204" charset="-122"/>
-              <a:ea typeface="微软雅黑" panose="020B0503020204020204" charset="-122"/>
-              <a:cs typeface="微软雅黑" panose="020B0503020204020204" charset="-122"/>
-            </a:endParaRPr>
-          </a:p>
-          <a:p>
-            <a:pPr marL="342900" lvl="0" indent="-342900" algn="l" fontAlgn="auto">
+              <a:t>CORBA技术标准</a:t>
+            </a:r>
+          </a:p>
+          <a:p>
+            <a:pPr marL="342900" indent="0" fontAlgn="auto">
               <a:lnSpc>
                 <a:spcPct val="150000"/>
               </a:lnSpc>
               <a:spcBef>
-                <a:spcPts val="1200"/>
+                <a:spcPts val="0"/>
               </a:spcBef>
               <a:buFont typeface="Arial" panose="020B0604020202020204" pitchFamily="34" charset="0"/>
               <a:buChar char="•"/>
@@ -8173,7 +8013,61 @@
                 <a:cs typeface="微软雅黑" panose="020B0503020204020204" charset="-122"/>
                 <a:sym typeface="+mn-ea"/>
               </a:rPr>
-              <a:t>它们必须有一个单独的接口定义，该定义采用与C++ 类似的通用语言(接口定义语言-IDL)。</a:t>
+              <a:t> </a:t>
+            </a:r>
+            <a:r>
+              <a:rPr lang="zh-CN" altLang="en-US" sz="2400" dirty="0" smtClean="0">
+                <a:latin typeface="微软雅黑" panose="020B0503020204020204" charset="-122"/>
+                <a:ea typeface="微软雅黑" panose="020B0503020204020204" charset="-122"/>
+                <a:cs typeface="微软雅黑" panose="020B0503020204020204" charset="-122"/>
+                <a:sym typeface="+mn-ea"/>
+              </a:rPr>
+              <a:t>  </a:t>
+            </a:r>
+            <a:r>
+              <a:rPr lang="en-GB" altLang="zh-CN" sz="2400" dirty="0" err="1" smtClean="0">
+                <a:latin typeface="微软雅黑" panose="020B0503020204020204" charset="-122"/>
+                <a:ea typeface="微软雅黑" panose="020B0503020204020204" charset="-122"/>
+                <a:cs typeface="微软雅黑" panose="020B0503020204020204" charset="-122"/>
+                <a:sym typeface="+mn-ea"/>
+              </a:rPr>
+              <a:t>一个针对应用对象的对象模型</a:t>
+            </a:r>
+            <a:r>
+              <a:rPr lang="zh-CN" altLang="en-US" sz="2400" dirty="0" smtClean="0">
+                <a:latin typeface="微软雅黑" panose="020B0503020204020204" charset="-122"/>
+                <a:ea typeface="微软雅黑" panose="020B0503020204020204" charset="-122"/>
+                <a:cs typeface="微软雅黑" panose="020B0503020204020204" charset="-122"/>
+                <a:sym typeface="+mn-ea"/>
+              </a:rPr>
+              <a:t>：</a:t>
+            </a:r>
+            <a:r>
+              <a:rPr lang="en-GB" altLang="zh-CN" sz="2400" dirty="0" err="1" smtClean="0">
+                <a:latin typeface="微软雅黑" panose="020B0503020204020204" charset="-122"/>
+                <a:ea typeface="微软雅黑" panose="020B0503020204020204" charset="-122"/>
+                <a:cs typeface="微软雅黑" panose="020B0503020204020204" charset="-122"/>
+                <a:sym typeface="+mn-ea"/>
+              </a:rPr>
+              <a:t>一个</a:t>
+            </a:r>
+            <a:r>
+              <a:rPr lang="en-GB" altLang="zh-CN" sz="2400" dirty="0" err="1">
+                <a:latin typeface="微软雅黑" panose="020B0503020204020204" charset="-122"/>
+                <a:ea typeface="微软雅黑" panose="020B0503020204020204" charset="-122"/>
+                <a:cs typeface="微软雅黑" panose="020B0503020204020204" charset="-122"/>
+                <a:sym typeface="+mn-ea"/>
+              </a:rPr>
+              <a:t>CORBA对象是对状态的一个封装，它具有定义好的接口（用接口定义语言IDL</a:t>
+            </a:r>
+            <a:r>
+              <a:rPr lang="en-GB" altLang="zh-CN" sz="2400" dirty="0">
+                <a:latin typeface="微软雅黑" panose="020B0503020204020204" charset="-122"/>
+                <a:ea typeface="微软雅黑" panose="020B0503020204020204" charset="-122"/>
+                <a:cs typeface="微软雅黑" panose="020B0503020204020204" charset="-122"/>
+                <a:sym typeface="+mn-ea"/>
+              </a:rPr>
+              <a:t>) ，并且这种接口与语言类型无关。</a:t>
             </a:r>
             <a:endParaRPr lang="en-GB" altLang="zh-CN" sz="2400" dirty="0">
               <a:latin typeface="微软雅黑" panose="020B0503020204020204" charset="-122"/>
@@ -8182,42 +8076,24 @@
             </a:endParaRPr>
           </a:p>
           <a:p>
-            <a:pPr marL="342900" lvl="0" indent="-342900" algn="l" fontAlgn="auto">
+            <a:pPr marL="342900" lvl="0" indent="0" fontAlgn="auto">
               <a:lnSpc>
                 <a:spcPct val="150000"/>
               </a:lnSpc>
               <a:spcBef>
-                <a:spcPts val="1200"/>
+                <a:spcPts val="0"/>
               </a:spcBef>
               <a:buFont typeface="Arial" panose="020B0604020202020204" pitchFamily="34" charset="0"/>
               <a:buChar char="•"/>
             </a:pPr>
             <a:r>
-              <a:rPr lang="en-GB" altLang="zh-CN" sz="2400" dirty="0">
-                <a:latin typeface="微软雅黑" panose="020B0503020204020204" charset="-122"/>
-                <a:ea typeface="微软雅黑" panose="020B0503020204020204" charset="-122"/>
-                <a:cs typeface="微软雅黑" panose="020B0503020204020204" charset="-122"/>
-                <a:sym typeface="+mn-ea"/>
-              </a:rPr>
-              <a:t>这种接口定义语言（IDL）可以映射到编程语言上 (C++, </a:t>
-            </a:r>
-            <a:r>
-              <a:rPr lang="en-GB" altLang="zh-CN" sz="2400" dirty="0" err="1">
-                <a:latin typeface="微软雅黑" panose="020B0503020204020204" charset="-122"/>
-                <a:ea typeface="微软雅黑" panose="020B0503020204020204" charset="-122"/>
-                <a:cs typeface="微软雅黑" panose="020B0503020204020204" charset="-122"/>
-                <a:sym typeface="+mn-ea"/>
-              </a:rPr>
-              <a:t>Java等</a:t>
-            </a:r>
-            <a:r>
-              <a:rPr lang="en-GB" altLang="zh-CN" sz="2400" dirty="0" smtClean="0">
-                <a:latin typeface="微软雅黑" panose="020B0503020204020204" charset="-122"/>
-                <a:ea typeface="微软雅黑" panose="020B0503020204020204" charset="-122"/>
-                <a:cs typeface="微软雅黑" panose="020B0503020204020204" charset="-122"/>
-                <a:sym typeface="+mn-ea"/>
-              </a:rPr>
-              <a:t>)。</a:t>
+              <a:rPr lang="zh-CN" altLang="en-US" sz="2400" dirty="0" smtClean="0">
+                <a:latin typeface="微软雅黑" panose="020B0503020204020204" charset="-122"/>
+                <a:ea typeface="微软雅黑" panose="020B0503020204020204" charset="-122"/>
+                <a:cs typeface="微软雅黑" panose="020B0503020204020204" charset="-122"/>
+                <a:sym typeface="+mn-ea"/>
+              </a:rPr>
+              <a:t>  </a:t>
             </a:r>
             <a:r>
               <a:rPr lang="en-GB" altLang="zh-CN" sz="2400" dirty="0" err="1" smtClean="0">
@@ -8226,19 +8102,72 @@
                 <a:cs typeface="微软雅黑" panose="020B0503020204020204" charset="-122"/>
                 <a:sym typeface="+mn-ea"/>
               </a:rPr>
-              <a:t>因此</a:t>
-            </a:r>
-            <a:r>
-              <a:rPr lang="en-GB" altLang="zh-CN" sz="2400" dirty="0" err="1">
-                <a:latin typeface="微软雅黑" panose="020B0503020204020204" charset="-122"/>
-                <a:ea typeface="微软雅黑" panose="020B0503020204020204" charset="-122"/>
-                <a:cs typeface="微软雅黑" panose="020B0503020204020204" charset="-122"/>
-                <a:sym typeface="+mn-ea"/>
-              </a:rPr>
-              <a:t>，用不同语言编写的对象可以相互通信</a:t>
-            </a:r>
-            <a:r>
-              <a:rPr lang="en-GB" altLang="zh-CN" sz="2400" dirty="0">
+              <a:t>由一个对象请求代理来管理对象服务请求</a:t>
+            </a:r>
+            <a:r>
+              <a:rPr lang="zh-CN" altLang="en-US" sz="2400" dirty="0" smtClean="0">
+                <a:latin typeface="微软雅黑" panose="020B0503020204020204" charset="-122"/>
+                <a:ea typeface="微软雅黑" panose="020B0503020204020204" charset="-122"/>
+                <a:cs typeface="微软雅黑" panose="020B0503020204020204" charset="-122"/>
+                <a:sym typeface="+mn-ea"/>
+              </a:rPr>
+              <a:t>。</a:t>
+            </a:r>
+            <a:endParaRPr lang="en-GB" altLang="zh-CN" sz="2400" dirty="0">
+              <a:latin typeface="微软雅黑" panose="020B0503020204020204" charset="-122"/>
+              <a:ea typeface="微软雅黑" panose="020B0503020204020204" charset="-122"/>
+              <a:cs typeface="微软雅黑" panose="020B0503020204020204" charset="-122"/>
+            </a:endParaRPr>
+          </a:p>
+          <a:p>
+            <a:pPr marL="342900" lvl="0" indent="0" algn="l" fontAlgn="auto">
+              <a:lnSpc>
+                <a:spcPct val="150000"/>
+              </a:lnSpc>
+              <a:spcBef>
+                <a:spcPts val="0"/>
+              </a:spcBef>
+              <a:buFont typeface="Arial" panose="020B0604020202020204" pitchFamily="34" charset="0"/>
+              <a:buChar char="•"/>
+            </a:pPr>
+            <a:r>
+              <a:rPr lang="zh-CN" altLang="en-US" sz="2400" dirty="0" smtClean="0">
+                <a:latin typeface="微软雅黑" panose="020B0503020204020204" charset="-122"/>
+                <a:ea typeface="微软雅黑" panose="020B0503020204020204" charset="-122"/>
+                <a:cs typeface="微软雅黑" panose="020B0503020204020204" charset="-122"/>
+                <a:sym typeface="+mn-ea"/>
+              </a:rPr>
+              <a:t>  </a:t>
+            </a:r>
+            <a:r>
+              <a:rPr lang="en-GB" altLang="zh-CN" sz="2400" dirty="0" err="1" smtClean="0">
+                <a:latin typeface="微软雅黑" panose="020B0503020204020204" charset="-122"/>
+                <a:ea typeface="微软雅黑" panose="020B0503020204020204" charset="-122"/>
+                <a:cs typeface="微软雅黑" panose="020B0503020204020204" charset="-122"/>
+                <a:sym typeface="+mn-ea"/>
+              </a:rPr>
+              <a:t>有一套常规对象服务供许多分布式应用使用</a:t>
+            </a:r>
+            <a:r>
+              <a:rPr lang="zh-CN" altLang="en-US" sz="2400" dirty="0" smtClean="0">
+                <a:latin typeface="微软雅黑" panose="020B0503020204020204" charset="-122"/>
+                <a:ea typeface="微软雅黑" panose="020B0503020204020204" charset="-122"/>
+                <a:cs typeface="微软雅黑" panose="020B0503020204020204" charset="-122"/>
+                <a:sym typeface="+mn-ea"/>
+              </a:rPr>
+              <a:t>，</a:t>
+            </a:r>
+            <a:r>
+              <a:rPr lang="en-GB" altLang="zh-CN" sz="2400" dirty="0" err="1" smtClean="0">
+                <a:latin typeface="微软雅黑" panose="020B0503020204020204" charset="-122"/>
+                <a:ea typeface="微软雅黑" panose="020B0503020204020204" charset="-122"/>
+                <a:cs typeface="微软雅黑" panose="020B0503020204020204" charset="-122"/>
+                <a:sym typeface="+mn-ea"/>
+              </a:rPr>
+              <a:t>还有建立在这些服务之上的一套公共构件</a:t>
+            </a:r>
+            <a:r>
+              <a:rPr lang="zh-CN" altLang="en-US" sz="2400" dirty="0" smtClean="0">
                 <a:latin typeface="微软雅黑" panose="020B0503020204020204" charset="-122"/>
                 <a:ea typeface="微软雅黑" panose="020B0503020204020204" charset="-122"/>
                 <a:cs typeface="微软雅黑" panose="020B0503020204020204" charset="-122"/>
@@ -8881,8 +8810,8 @@
         </p:nvSpPr>
         <p:spPr>
           <a:xfrm>
-            <a:off x="671524" y="844158"/>
-            <a:ext cx="7799671" cy="3454913"/>
+            <a:off x="671524" y="691758"/>
+            <a:ext cx="7799671" cy="4323228"/>
           </a:xfrm>
           <a:prstGeom prst="rect">
             <a:avLst/>
@@ -8896,43 +8825,48 @@
           <a:p>
             <a:pPr indent="0" fontAlgn="auto">
               <a:lnSpc>
-                <a:spcPct val="100000"/>
+                <a:spcPct val="150000"/>
               </a:lnSpc>
               <a:buFont typeface="Wingdings" panose="05000000000000000000" pitchFamily="2" charset="2"/>
               <a:buNone/>
             </a:pPr>
             <a:r>
-              <a:rPr lang="zh-CN" altLang="en-GB" sz="2800" dirty="0">
-                <a:latin typeface="微软雅黑" panose="020B0503020204020204" charset="-122"/>
-                <a:ea typeface="微软雅黑" panose="020B0503020204020204" charset="-122"/>
-                <a:cs typeface="微软雅黑" panose="020B0503020204020204" charset="-122"/>
-                <a:sym typeface="+mn-ea"/>
-              </a:rPr>
-              <a:t>CORBA对象请求代理 (O</a:t>
-            </a:r>
-            <a:r>
-              <a:rPr lang="en-US" altLang="zh-CN" sz="2800" dirty="0">
-                <a:latin typeface="微软雅黑" panose="020B0503020204020204" charset="-122"/>
-                <a:ea typeface="微软雅黑" panose="020B0503020204020204" charset="-122"/>
-                <a:cs typeface="微软雅黑" panose="020B0503020204020204" charset="-122"/>
-                <a:sym typeface="+mn-ea"/>
-              </a:rPr>
-              <a:t>RB</a:t>
-            </a:r>
-            <a:r>
-              <a:rPr lang="zh-CN" altLang="en-GB" sz="2800" dirty="0">
-                <a:latin typeface="微软雅黑" panose="020B0503020204020204" charset="-122"/>
-                <a:ea typeface="微软雅黑" panose="020B0503020204020204" charset="-122"/>
-                <a:cs typeface="微软雅黑" panose="020B0503020204020204" charset="-122"/>
-                <a:sym typeface="+mn-ea"/>
-              </a:rPr>
-              <a:t>)</a:t>
-            </a:r>
-          </a:p>
-          <a:p>
-            <a:pPr marL="342900" indent="-342900" algn="l" fontAlgn="auto">
+              <a:rPr lang="zh-CN" altLang="en-GB" sz="2400" dirty="0">
+                <a:latin typeface="微软雅黑" panose="020B0503020204020204" charset="-122"/>
+                <a:ea typeface="微软雅黑" panose="020B0503020204020204" charset="-122"/>
+                <a:cs typeface="微软雅黑" panose="020B0503020204020204" charset="-122"/>
+                <a:sym typeface="+mn-ea"/>
+              </a:rPr>
+              <a:t>CORBA对象 (Object)</a:t>
+            </a:r>
+          </a:p>
+          <a:p>
+            <a:pPr marL="342900" indent="-342900" fontAlgn="auto">
               <a:lnSpc>
-                <a:spcPts val="2800"/>
+                <a:spcPct val="150000"/>
+              </a:lnSpc>
+              <a:buFont typeface="Arial" panose="020B0604020202020204" pitchFamily="34" charset="0"/>
+              <a:buChar char="•"/>
+            </a:pPr>
+            <a:r>
+              <a:rPr lang="en-GB" altLang="zh-CN" sz="2400" dirty="0">
+                <a:latin typeface="微软雅黑" panose="020B0503020204020204" charset="-122"/>
+                <a:ea typeface="微软雅黑" panose="020B0503020204020204" charset="-122"/>
+                <a:cs typeface="微软雅黑" panose="020B0503020204020204" charset="-122"/>
+                <a:sym typeface="+mn-ea"/>
+              </a:rPr>
+              <a:t> 原则上，CORBA对象可以与C++和Java对象进行比较。</a:t>
+            </a:r>
+            <a:endParaRPr lang="en-GB" altLang="zh-CN" sz="2400" dirty="0">
+              <a:latin typeface="微软雅黑" panose="020B0503020204020204" charset="-122"/>
+              <a:ea typeface="微软雅黑" panose="020B0503020204020204" charset="-122"/>
+              <a:cs typeface="微软雅黑" panose="020B0503020204020204" charset="-122"/>
+            </a:endParaRPr>
+          </a:p>
+          <a:p>
+            <a:pPr marL="342900" lvl="0" indent="-342900" algn="l" fontAlgn="auto">
+              <a:lnSpc>
+                <a:spcPct val="150000"/>
               </a:lnSpc>
               <a:spcBef>
                 <a:spcPts val="1200"/>
@@ -8941,33 +8875,15 @@
               <a:buChar char="•"/>
             </a:pPr>
             <a:r>
-              <a:rPr lang="en-GB" altLang="zh-CN" sz="2800" dirty="0" err="1" smtClean="0">
-                <a:latin typeface="微软雅黑" panose="020B0503020204020204" charset="-122"/>
-                <a:ea typeface="微软雅黑" panose="020B0503020204020204" charset="-122"/>
-                <a:cs typeface="微软雅黑" panose="020B0503020204020204" charset="-122"/>
-                <a:sym typeface="+mn-ea"/>
-              </a:rPr>
-              <a:t>由对象请求代理</a:t>
-            </a:r>
-            <a:r>
-              <a:rPr lang="en-GB" altLang="zh-CN" sz="2800" dirty="0" err="1">
-                <a:latin typeface="微软雅黑" panose="020B0503020204020204" charset="-122"/>
-                <a:ea typeface="微软雅黑" panose="020B0503020204020204" charset="-122"/>
-                <a:cs typeface="微软雅黑" panose="020B0503020204020204" charset="-122"/>
-                <a:sym typeface="+mn-ea"/>
-              </a:rPr>
-              <a:t>（ORB）操纵对象通信</a:t>
-            </a:r>
-            <a:r>
-              <a:rPr lang="en-GB" altLang="zh-CN" sz="2800" dirty="0">
-                <a:latin typeface="微软雅黑" panose="020B0503020204020204" charset="-122"/>
-                <a:ea typeface="微软雅黑" panose="020B0503020204020204" charset="-122"/>
-                <a:cs typeface="微软雅黑" panose="020B0503020204020204" charset="-122"/>
-                <a:sym typeface="+mn-ea"/>
-              </a:rPr>
-              <a:t>。它了解全部在系统中的对象及其接口。</a:t>
-            </a:r>
-            <a:endParaRPr lang="en-GB" altLang="zh-CN" sz="2800" dirty="0">
+              <a:rPr lang="en-GB" altLang="zh-CN" sz="2400" dirty="0">
+                <a:latin typeface="微软雅黑" panose="020B0503020204020204" charset="-122"/>
+                <a:ea typeface="微软雅黑" panose="020B0503020204020204" charset="-122"/>
+                <a:cs typeface="微软雅黑" panose="020B0503020204020204" charset="-122"/>
+                <a:sym typeface="+mn-ea"/>
+              </a:rPr>
+              <a:t>它们必须有一个单独的接口定义，该定义采用与C++ 类似的通用语言(接口定义语言-IDL)。</a:t>
+            </a:r>
+            <a:endParaRPr lang="en-GB" altLang="zh-CN" sz="2400" dirty="0">
               <a:latin typeface="微软雅黑" panose="020B0503020204020204" charset="-122"/>
               <a:ea typeface="微软雅黑" panose="020B0503020204020204" charset="-122"/>
               <a:cs typeface="微软雅黑" panose="020B0503020204020204" charset="-122"/>
@@ -8976,7 +8892,7 @@
           <a:p>
             <a:pPr marL="342900" lvl="0" indent="-342900" algn="l" fontAlgn="auto">
               <a:lnSpc>
-                <a:spcPts val="2800"/>
+                <a:spcPct val="150000"/>
               </a:lnSpc>
               <a:spcBef>
                 <a:spcPts val="1200"/>
@@ -8985,105 +8901,52 @@
               <a:buChar char="•"/>
             </a:pPr>
             <a:r>
-              <a:rPr lang="en-GB" altLang="zh-CN" sz="2800" dirty="0">
-                <a:latin typeface="微软雅黑" panose="020B0503020204020204" charset="-122"/>
-                <a:ea typeface="微软雅黑" panose="020B0503020204020204" charset="-122"/>
-                <a:cs typeface="微软雅黑" panose="020B0503020204020204" charset="-122"/>
-                <a:sym typeface="+mn-ea"/>
-              </a:rPr>
-              <a:t>在使用一个ORB的时候, </a:t>
-            </a:r>
-            <a:r>
-              <a:rPr lang="en-GB" altLang="zh-CN" sz="2800" dirty="0" err="1">
-                <a:latin typeface="微软雅黑" panose="020B0503020204020204" charset="-122"/>
-                <a:ea typeface="微软雅黑" panose="020B0503020204020204" charset="-122"/>
-                <a:cs typeface="微软雅黑" panose="020B0503020204020204" charset="-122"/>
-                <a:sym typeface="+mn-ea"/>
-              </a:rPr>
-              <a:t>呼叫对象附有一个IDL票根</a:t>
-            </a:r>
-            <a:r>
-              <a:rPr lang="en-GB" altLang="zh-CN" sz="2800" dirty="0" err="1" smtClean="0">
-                <a:latin typeface="微软雅黑" panose="020B0503020204020204" charset="-122"/>
-                <a:ea typeface="微软雅黑" panose="020B0503020204020204" charset="-122"/>
-                <a:cs typeface="微软雅黑" panose="020B0503020204020204" charset="-122"/>
-                <a:sym typeface="+mn-ea"/>
-              </a:rPr>
-              <a:t>（stub</a:t>
-            </a:r>
-            <a:r>
-              <a:rPr lang="en-GB" altLang="zh-CN" sz="2800" dirty="0" smtClean="0">
-                <a:latin typeface="微软雅黑" panose="020B0503020204020204" charset="-122"/>
-                <a:ea typeface="微软雅黑" panose="020B0503020204020204" charset="-122"/>
-                <a:cs typeface="微软雅黑" panose="020B0503020204020204" charset="-122"/>
-                <a:sym typeface="+mn-ea"/>
-              </a:rPr>
-              <a:t>），</a:t>
-            </a:r>
-            <a:r>
-              <a:rPr lang="en-GB" altLang="zh-CN" sz="2800" dirty="0">
-                <a:latin typeface="微软雅黑" panose="020B0503020204020204" charset="-122"/>
-                <a:ea typeface="微软雅黑" panose="020B0503020204020204" charset="-122"/>
-                <a:cs typeface="微软雅黑" panose="020B0503020204020204" charset="-122"/>
-                <a:sym typeface="+mn-ea"/>
-              </a:rPr>
-              <a:t>上面定义了被叫对象的接口。</a:t>
-            </a:r>
-            <a:endParaRPr lang="en-GB" altLang="zh-CN" sz="2800" dirty="0">
-              <a:latin typeface="微软雅黑" panose="020B0503020204020204" charset="-122"/>
-              <a:ea typeface="微软雅黑" panose="020B0503020204020204" charset="-122"/>
-              <a:cs typeface="微软雅黑" panose="020B0503020204020204" charset="-122"/>
-            </a:endParaRPr>
-          </a:p>
-          <a:p>
-            <a:pPr marL="342900" lvl="0" indent="-342900" algn="l" fontAlgn="auto">
-              <a:lnSpc>
-                <a:spcPts val="2800"/>
-              </a:lnSpc>
-              <a:spcBef>
-                <a:spcPts val="1200"/>
-              </a:spcBef>
-              <a:buFont typeface="Arial" panose="020B0604020202020204" pitchFamily="34" charset="0"/>
-              <a:buChar char="•"/>
-            </a:pPr>
-            <a:r>
-              <a:rPr lang="en-GB" altLang="zh-CN" sz="2800" dirty="0">
-                <a:latin typeface="微软雅黑" panose="020B0503020204020204" charset="-122"/>
-                <a:ea typeface="微软雅黑" panose="020B0503020204020204" charset="-122"/>
-                <a:cs typeface="微软雅黑" panose="020B0503020204020204" charset="-122"/>
-                <a:sym typeface="+mn-ea"/>
-              </a:rPr>
-              <a:t>调用这个票根也就调用了ORB ，随后ORB 发布一个IDL </a:t>
-            </a:r>
-            <a:r>
-              <a:rPr lang="en-GB" altLang="zh-CN" sz="2800" dirty="0" err="1">
-                <a:latin typeface="微软雅黑" panose="020B0503020204020204" charset="-122"/>
-                <a:ea typeface="微软雅黑" panose="020B0503020204020204" charset="-122"/>
-                <a:cs typeface="微软雅黑" panose="020B0503020204020204" charset="-122"/>
-                <a:sym typeface="+mn-ea"/>
-              </a:rPr>
-              <a:t>主票</a:t>
-            </a:r>
-            <a:r>
-              <a:rPr lang="en-GB" altLang="zh-CN" sz="2800" dirty="0" err="1" smtClean="0">
-                <a:latin typeface="微软雅黑" panose="020B0503020204020204" charset="-122"/>
-                <a:ea typeface="微软雅黑" panose="020B0503020204020204" charset="-122"/>
-                <a:cs typeface="微软雅黑" panose="020B0503020204020204" charset="-122"/>
-                <a:sym typeface="+mn-ea"/>
-              </a:rPr>
-              <a:t>（skeleton）</a:t>
-            </a:r>
-            <a:r>
-              <a:rPr lang="en-GB" altLang="zh-CN" sz="2800" dirty="0" err="1">
-                <a:latin typeface="微软雅黑" panose="020B0503020204020204" charset="-122"/>
-                <a:ea typeface="微软雅黑" panose="020B0503020204020204" charset="-122"/>
-                <a:cs typeface="微软雅黑" panose="020B0503020204020204" charset="-122"/>
-                <a:sym typeface="+mn-ea"/>
-              </a:rPr>
-              <a:t>来调用所需对象，由此连接到实现该服务的接口</a:t>
-            </a:r>
-            <a:r>
-              <a:rPr lang="en-GB" altLang="zh-CN" sz="2800" dirty="0">
+              <a:rPr lang="en-GB" altLang="zh-CN" sz="2400" dirty="0">
+                <a:latin typeface="微软雅黑" panose="020B0503020204020204" charset="-122"/>
+                <a:ea typeface="微软雅黑" panose="020B0503020204020204" charset="-122"/>
+                <a:cs typeface="微软雅黑" panose="020B0503020204020204" charset="-122"/>
+                <a:sym typeface="+mn-ea"/>
+              </a:rPr>
+              <a:t>这种接口定义语言（IDL）可以映射到编程语言上 (C++, </a:t>
+            </a:r>
+            <a:r>
+              <a:rPr lang="en-GB" altLang="zh-CN" sz="2400" dirty="0" err="1">
+                <a:latin typeface="微软雅黑" panose="020B0503020204020204" charset="-122"/>
+                <a:ea typeface="微软雅黑" panose="020B0503020204020204" charset="-122"/>
+                <a:cs typeface="微软雅黑" panose="020B0503020204020204" charset="-122"/>
+                <a:sym typeface="+mn-ea"/>
+              </a:rPr>
+              <a:t>Java等</a:t>
+            </a:r>
+            <a:r>
+              <a:rPr lang="en-GB" altLang="zh-CN" sz="2400" dirty="0" smtClean="0">
+                <a:latin typeface="微软雅黑" panose="020B0503020204020204" charset="-122"/>
+                <a:ea typeface="微软雅黑" panose="020B0503020204020204" charset="-122"/>
+                <a:cs typeface="微软雅黑" panose="020B0503020204020204" charset="-122"/>
+                <a:sym typeface="+mn-ea"/>
+              </a:rPr>
+              <a:t>)。</a:t>
+            </a:r>
+            <a:r>
+              <a:rPr lang="en-GB" altLang="zh-CN" sz="2400" dirty="0" err="1" smtClean="0">
+                <a:latin typeface="微软雅黑" panose="020B0503020204020204" charset="-122"/>
+                <a:ea typeface="微软雅黑" panose="020B0503020204020204" charset="-122"/>
+                <a:cs typeface="微软雅黑" panose="020B0503020204020204" charset="-122"/>
+                <a:sym typeface="+mn-ea"/>
+              </a:rPr>
+              <a:t>因此</a:t>
+            </a:r>
+            <a:r>
+              <a:rPr lang="en-GB" altLang="zh-CN" sz="2400" dirty="0" err="1">
+                <a:latin typeface="微软雅黑" panose="020B0503020204020204" charset="-122"/>
+                <a:ea typeface="微软雅黑" panose="020B0503020204020204" charset="-122"/>
+                <a:cs typeface="微软雅黑" panose="020B0503020204020204" charset="-122"/>
+                <a:sym typeface="+mn-ea"/>
+              </a:rPr>
+              <a:t>，用不同语言编写的对象可以相互通信</a:t>
+            </a:r>
+            <a:r>
+              <a:rPr lang="en-GB" altLang="zh-CN" sz="2400" dirty="0">
                 <a:latin typeface="微软雅黑" panose="020B0503020204020204" charset="-122"/>
                 <a:ea typeface="微软雅黑" panose="020B0503020204020204" charset="-122"/>
                 <a:cs typeface="微软雅黑" panose="020B0503020204020204" charset="-122"/>
@@ -9091,7 +8954,7 @@
               </a:rPr>
               <a:t>。</a:t>
             </a:r>
-            <a:endParaRPr lang="en-GB" altLang="zh-CN" sz="2800" dirty="0">
+            <a:endParaRPr lang="en-GB" altLang="zh-CN" sz="2400" dirty="0">
               <a:latin typeface="微软雅黑" panose="020B0503020204020204" charset="-122"/>
               <a:ea typeface="微软雅黑" panose="020B0503020204020204" charset="-122"/>
               <a:cs typeface="微软雅黑" panose="020B0503020204020204" charset="-122"/>
@@ -9726,8 +9589,8 @@
         </p:nvSpPr>
         <p:spPr>
           <a:xfrm>
-            <a:off x="671524" y="663818"/>
-            <a:ext cx="7799671" cy="2264844"/>
+            <a:off x="671524" y="844158"/>
+            <a:ext cx="7799671" cy="3454913"/>
           </a:xfrm>
           <a:prstGeom prst="rect">
             <a:avLst/>
@@ -9747,355 +9610,200 @@
               <a:buNone/>
             </a:pPr>
             <a:r>
-              <a:rPr lang="zh-CN" altLang="en-GB" sz="2400" dirty="0">
-                <a:latin typeface="微软雅黑" panose="020B0503020204020204" charset="-122"/>
-                <a:ea typeface="微软雅黑" panose="020B0503020204020204" charset="-122"/>
-                <a:cs typeface="微软雅黑" panose="020B0503020204020204" charset="-122"/>
-                <a:sym typeface="+mn-ea"/>
-              </a:rPr>
-              <a:t>CORBA</a:t>
-            </a:r>
-            <a:r>
-              <a:rPr lang="zh-CN" altLang="en-GB" sz="2400" dirty="0" smtClean="0">
-                <a:latin typeface="微软雅黑" panose="020B0503020204020204" charset="-122"/>
-                <a:ea typeface="微软雅黑" panose="020B0503020204020204" charset="-122"/>
-                <a:cs typeface="微软雅黑" panose="020B0503020204020204" charset="-122"/>
-                <a:sym typeface="+mn-ea"/>
-              </a:rPr>
-              <a:t>体系结构</a:t>
-            </a:r>
-            <a:endParaRPr lang="zh-CN" altLang="en-GB" sz="2400" dirty="0">
-              <a:latin typeface="微软雅黑" panose="020B0503020204020204" charset="-122"/>
-              <a:ea typeface="微软雅黑" panose="020B0503020204020204" charset="-122"/>
-              <a:cs typeface="微软雅黑" panose="020B0503020204020204" charset="-122"/>
-              <a:sym typeface="+mn-ea"/>
-            </a:endParaRPr>
-          </a:p>
-          <a:p>
-            <a:pPr indent="0" algn="l" fontAlgn="auto">
+              <a:rPr lang="zh-CN" altLang="en-GB" sz="2800" dirty="0">
+                <a:latin typeface="微软雅黑" panose="020B0503020204020204" charset="-122"/>
+                <a:ea typeface="微软雅黑" panose="020B0503020204020204" charset="-122"/>
+                <a:cs typeface="微软雅黑" panose="020B0503020204020204" charset="-122"/>
+                <a:sym typeface="+mn-ea"/>
+              </a:rPr>
+              <a:t>CORBA对象请求代理 (O</a:t>
+            </a:r>
+            <a:r>
+              <a:rPr lang="en-US" altLang="zh-CN" sz="2800" dirty="0">
+                <a:latin typeface="微软雅黑" panose="020B0503020204020204" charset="-122"/>
+                <a:ea typeface="微软雅黑" panose="020B0503020204020204" charset="-122"/>
+                <a:cs typeface="微软雅黑" panose="020B0503020204020204" charset="-122"/>
+                <a:sym typeface="+mn-ea"/>
+              </a:rPr>
+              <a:t>RB</a:t>
+            </a:r>
+            <a:r>
+              <a:rPr lang="zh-CN" altLang="en-GB" sz="2800" dirty="0">
+                <a:latin typeface="微软雅黑" panose="020B0503020204020204" charset="-122"/>
+                <a:ea typeface="微软雅黑" panose="020B0503020204020204" charset="-122"/>
+                <a:cs typeface="微软雅黑" panose="020B0503020204020204" charset="-122"/>
+                <a:sym typeface="+mn-ea"/>
+              </a:rPr>
+              <a:t>)</a:t>
+            </a:r>
+          </a:p>
+          <a:p>
+            <a:pPr marL="342900" indent="-342900" algn="l" fontAlgn="auto">
               <a:lnSpc>
-                <a:spcPct val="100000"/>
+                <a:spcPts val="2800"/>
               </a:lnSpc>
               <a:spcBef>
-                <a:spcPts val="0"/>
+                <a:spcPts val="1200"/>
               </a:spcBef>
               <a:buFont typeface="Arial" panose="020B0604020202020204" pitchFamily="34" charset="0"/>
               <a:buChar char="•"/>
             </a:pPr>
             <a:r>
-              <a:rPr lang="en-GB" altLang="zh-CN" sz="2000" dirty="0">
-                <a:latin typeface="微软雅黑" panose="020B0503020204020204" charset="-122"/>
-                <a:ea typeface="微软雅黑" panose="020B0503020204020204" charset="-122"/>
-                <a:cs typeface="微软雅黑" panose="020B0503020204020204" charset="-122"/>
-                <a:sym typeface="+mn-ea"/>
-              </a:rPr>
-              <a:t> </a:t>
-            </a:r>
-            <a:r>
-              <a:rPr lang="zh-CN" altLang="en-US" sz="2000" dirty="0" smtClean="0">
-                <a:latin typeface="微软雅黑" panose="020B0503020204020204" charset="-122"/>
-                <a:ea typeface="微软雅黑" panose="020B0503020204020204" charset="-122"/>
-                <a:cs typeface="微软雅黑" panose="020B0503020204020204" charset="-122"/>
-                <a:sym typeface="+mn-ea"/>
-              </a:rPr>
-              <a:t> </a:t>
-            </a:r>
-            <a:r>
-              <a:rPr lang="en-GB" altLang="zh-CN" sz="2000" dirty="0" err="1" smtClean="0">
-                <a:latin typeface="微软雅黑" panose="020B0503020204020204" charset="-122"/>
-                <a:ea typeface="微软雅黑" panose="020B0503020204020204" charset="-122"/>
-                <a:cs typeface="微软雅黑" panose="020B0503020204020204" charset="-122"/>
-                <a:sym typeface="+mn-ea"/>
-              </a:rPr>
-              <a:t>一个</a:t>
-            </a:r>
-            <a:r>
-              <a:rPr lang="en-GB" altLang="zh-CN" sz="2000" dirty="0" err="1">
-                <a:latin typeface="微软雅黑" panose="020B0503020204020204" charset="-122"/>
-                <a:ea typeface="微软雅黑" panose="020B0503020204020204" charset="-122"/>
-                <a:cs typeface="微软雅黑" panose="020B0503020204020204" charset="-122"/>
-                <a:sym typeface="+mn-ea"/>
-              </a:rPr>
-              <a:t>obiect所提供的服务是在一个充当它与系统其余部分之间的接口的契约中表达的</a:t>
-            </a:r>
-            <a:r>
-              <a:rPr lang="en-GB" altLang="zh-CN" sz="2000" dirty="0">
-                <a:latin typeface="微软雅黑" panose="020B0503020204020204" charset="-122"/>
-                <a:ea typeface="微软雅黑" panose="020B0503020204020204" charset="-122"/>
-                <a:cs typeface="微软雅黑" panose="020B0503020204020204" charset="-122"/>
-                <a:sym typeface="+mn-ea"/>
-              </a:rPr>
-              <a:t>。</a:t>
-            </a:r>
-          </a:p>
-          <a:p>
-            <a:pPr indent="0" algn="l" fontAlgn="auto">
+              <a:rPr lang="en-GB" altLang="zh-CN" sz="2800" dirty="0" err="1" smtClean="0">
+                <a:latin typeface="微软雅黑" panose="020B0503020204020204" charset="-122"/>
+                <a:ea typeface="微软雅黑" panose="020B0503020204020204" charset="-122"/>
+                <a:cs typeface="微软雅黑" panose="020B0503020204020204" charset="-122"/>
+                <a:sym typeface="+mn-ea"/>
+              </a:rPr>
+              <a:t>由对象请求代理</a:t>
+            </a:r>
+            <a:r>
+              <a:rPr lang="en-GB" altLang="zh-CN" sz="2800" dirty="0" err="1">
+                <a:latin typeface="微软雅黑" panose="020B0503020204020204" charset="-122"/>
+                <a:ea typeface="微软雅黑" panose="020B0503020204020204" charset="-122"/>
+                <a:cs typeface="微软雅黑" panose="020B0503020204020204" charset="-122"/>
+                <a:sym typeface="+mn-ea"/>
+              </a:rPr>
+              <a:t>（ORB）操纵对象通信</a:t>
+            </a:r>
+            <a:r>
+              <a:rPr lang="en-GB" altLang="zh-CN" sz="2800" dirty="0">
+                <a:latin typeface="微软雅黑" panose="020B0503020204020204" charset="-122"/>
+                <a:ea typeface="微软雅黑" panose="020B0503020204020204" charset="-122"/>
+                <a:cs typeface="微软雅黑" panose="020B0503020204020204" charset="-122"/>
+                <a:sym typeface="+mn-ea"/>
+              </a:rPr>
+              <a:t>。它了解全部在系统中的对象及其接口。</a:t>
+            </a:r>
+            <a:endParaRPr lang="en-GB" altLang="zh-CN" sz="2800" dirty="0">
+              <a:latin typeface="微软雅黑" panose="020B0503020204020204" charset="-122"/>
+              <a:ea typeface="微软雅黑" panose="020B0503020204020204" charset="-122"/>
+              <a:cs typeface="微软雅黑" panose="020B0503020204020204" charset="-122"/>
+            </a:endParaRPr>
+          </a:p>
+          <a:p>
+            <a:pPr marL="342900" lvl="0" indent="-342900" algn="l" fontAlgn="auto">
               <a:lnSpc>
-                <a:spcPct val="100000"/>
+                <a:spcPts val="2800"/>
               </a:lnSpc>
               <a:spcBef>
-                <a:spcPts val="0"/>
+                <a:spcPts val="1200"/>
               </a:spcBef>
               <a:buFont typeface="Arial" panose="020B0604020202020204" pitchFamily="34" charset="0"/>
               <a:buChar char="•"/>
             </a:pPr>
             <a:r>
-              <a:rPr lang="zh-CN" altLang="en-US" sz="2000" dirty="0" smtClean="0">
-                <a:latin typeface="微软雅黑" panose="020B0503020204020204" charset="-122"/>
-                <a:ea typeface="微软雅黑" panose="020B0503020204020204" charset="-122"/>
-                <a:cs typeface="微软雅黑" panose="020B0503020204020204" charset="-122"/>
-                <a:sym typeface="+mn-ea"/>
-              </a:rPr>
-              <a:t> </a:t>
-            </a:r>
-            <a:r>
-              <a:rPr lang="en-GB" altLang="zh-CN" sz="2000" dirty="0" err="1" smtClean="0">
-                <a:latin typeface="微软雅黑" panose="020B0503020204020204" charset="-122"/>
-                <a:ea typeface="微软雅黑" panose="020B0503020204020204" charset="-122"/>
-                <a:cs typeface="微软雅黑" panose="020B0503020204020204" charset="-122"/>
-                <a:sym typeface="+mn-ea"/>
-              </a:rPr>
-              <a:t>对象接口使用一种名为接口分解语言</a:t>
-            </a:r>
-            <a:r>
-              <a:rPr lang="en-GB" altLang="zh-CN" sz="2000" dirty="0">
-                <a:latin typeface="微软雅黑" panose="020B0503020204020204" charset="-122"/>
-                <a:ea typeface="微软雅黑" panose="020B0503020204020204" charset="-122"/>
-                <a:cs typeface="微软雅黑" panose="020B0503020204020204" charset="-122"/>
-                <a:sym typeface="+mn-ea"/>
-              </a:rPr>
-              <a:t>(interface defmition language, IDL)的特殊语言表示。</a:t>
-            </a:r>
-          </a:p>
-          <a:p>
-            <a:pPr indent="0" algn="l" fontAlgn="auto">
+              <a:rPr lang="en-GB" altLang="zh-CN" sz="2800" dirty="0">
+                <a:latin typeface="微软雅黑" panose="020B0503020204020204" charset="-122"/>
+                <a:ea typeface="微软雅黑" panose="020B0503020204020204" charset="-122"/>
+                <a:cs typeface="微软雅黑" panose="020B0503020204020204" charset="-122"/>
+                <a:sym typeface="+mn-ea"/>
+              </a:rPr>
+              <a:t>在使用一个ORB的时候, </a:t>
+            </a:r>
+            <a:r>
+              <a:rPr lang="en-GB" altLang="zh-CN" sz="2800" dirty="0" err="1">
+                <a:latin typeface="微软雅黑" panose="020B0503020204020204" charset="-122"/>
+                <a:ea typeface="微软雅黑" panose="020B0503020204020204" charset="-122"/>
+                <a:cs typeface="微软雅黑" panose="020B0503020204020204" charset="-122"/>
+                <a:sym typeface="+mn-ea"/>
+              </a:rPr>
+              <a:t>呼叫对象附有一个IDL票根</a:t>
+            </a:r>
+            <a:r>
+              <a:rPr lang="en-GB" altLang="zh-CN" sz="2800" dirty="0" err="1" smtClean="0">
+                <a:latin typeface="微软雅黑" panose="020B0503020204020204" charset="-122"/>
+                <a:ea typeface="微软雅黑" panose="020B0503020204020204" charset="-122"/>
+                <a:cs typeface="微软雅黑" panose="020B0503020204020204" charset="-122"/>
+                <a:sym typeface="+mn-ea"/>
+              </a:rPr>
+              <a:t>（stub</a:t>
+            </a:r>
+            <a:r>
+              <a:rPr lang="en-GB" altLang="zh-CN" sz="2800" dirty="0" smtClean="0">
+                <a:latin typeface="微软雅黑" panose="020B0503020204020204" charset="-122"/>
+                <a:ea typeface="微软雅黑" panose="020B0503020204020204" charset="-122"/>
+                <a:cs typeface="微软雅黑" panose="020B0503020204020204" charset="-122"/>
+                <a:sym typeface="+mn-ea"/>
+              </a:rPr>
+              <a:t>），</a:t>
+            </a:r>
+            <a:r>
+              <a:rPr lang="en-GB" altLang="zh-CN" sz="2800" dirty="0">
+                <a:latin typeface="微软雅黑" panose="020B0503020204020204" charset="-122"/>
+                <a:ea typeface="微软雅黑" panose="020B0503020204020204" charset="-122"/>
+                <a:cs typeface="微软雅黑" panose="020B0503020204020204" charset="-122"/>
+                <a:sym typeface="+mn-ea"/>
+              </a:rPr>
+              <a:t>上面定义了被叫对象的接口。</a:t>
+            </a:r>
+            <a:endParaRPr lang="en-GB" altLang="zh-CN" sz="2800" dirty="0">
+              <a:latin typeface="微软雅黑" panose="020B0503020204020204" charset="-122"/>
+              <a:ea typeface="微软雅黑" panose="020B0503020204020204" charset="-122"/>
+              <a:cs typeface="微软雅黑" panose="020B0503020204020204" charset="-122"/>
+            </a:endParaRPr>
+          </a:p>
+          <a:p>
+            <a:pPr marL="342900" lvl="0" indent="-342900" algn="l" fontAlgn="auto">
               <a:lnSpc>
-                <a:spcPct val="100000"/>
+                <a:spcPts val="2800"/>
               </a:lnSpc>
               <a:spcBef>
-                <a:spcPts val="0"/>
+                <a:spcPts val="1200"/>
               </a:spcBef>
               <a:buFont typeface="Arial" panose="020B0604020202020204" pitchFamily="34" charset="0"/>
               <a:buChar char="•"/>
             </a:pPr>
             <a:r>
-              <a:rPr lang="zh-CN" altLang="en-US" sz="2000" dirty="0" smtClean="0">
-                <a:latin typeface="微软雅黑" panose="020B0503020204020204" charset="-122"/>
-                <a:ea typeface="微软雅黑" panose="020B0503020204020204" charset="-122"/>
-                <a:cs typeface="微软雅黑" panose="020B0503020204020204" charset="-122"/>
-                <a:sym typeface="+mn-ea"/>
-              </a:rPr>
-              <a:t> </a:t>
-            </a:r>
-            <a:r>
-              <a:rPr lang="en-GB" altLang="zh-CN" sz="2000" dirty="0" err="1" smtClean="0">
-                <a:latin typeface="微软雅黑" panose="020B0503020204020204" charset="-122"/>
-                <a:ea typeface="微软雅黑" panose="020B0503020204020204" charset="-122"/>
-                <a:cs typeface="微软雅黑" panose="020B0503020204020204" charset="-122"/>
-                <a:sym typeface="+mn-ea"/>
-              </a:rPr>
-              <a:t>要让对象通过网络进行通信</a:t>
-            </a:r>
-            <a:r>
-              <a:rPr lang="en-GB" altLang="zh-CN" sz="2000" dirty="0" err="1">
-                <a:latin typeface="微软雅黑" panose="020B0503020204020204" charset="-122"/>
-                <a:ea typeface="微软雅黑" panose="020B0503020204020204" charset="-122"/>
-                <a:cs typeface="微软雅黑" panose="020B0503020204020204" charset="-122"/>
-                <a:sym typeface="+mn-ea"/>
-              </a:rPr>
-              <a:t>，它们需要一个名为Obiect</a:t>
-            </a:r>
-            <a:r>
-              <a:rPr lang="en-GB" altLang="zh-CN" sz="2000" dirty="0">
-                <a:latin typeface="微软雅黑" panose="020B0503020204020204" charset="-122"/>
-                <a:ea typeface="微软雅黑" panose="020B0503020204020204" charset="-122"/>
-                <a:cs typeface="微软雅黑" panose="020B0503020204020204" charset="-122"/>
-                <a:sym typeface="+mn-ea"/>
-              </a:rPr>
-              <a:t> Request </a:t>
-            </a:r>
-            <a:r>
-              <a:rPr lang="en-GB" altLang="zh-CN" sz="2000" dirty="0" smtClean="0">
-                <a:latin typeface="微软雅黑" panose="020B0503020204020204" charset="-122"/>
-                <a:ea typeface="微软雅黑" panose="020B0503020204020204" charset="-122"/>
-                <a:cs typeface="微软雅黑" panose="020B0503020204020204" charset="-122"/>
-                <a:sym typeface="+mn-ea"/>
-              </a:rPr>
-              <a:t>Broker </a:t>
-            </a:r>
-            <a:r>
-              <a:rPr lang="en-GB" altLang="zh-CN" sz="2000" dirty="0">
-                <a:latin typeface="微软雅黑" panose="020B0503020204020204" charset="-122"/>
-                <a:ea typeface="微软雅黑" panose="020B0503020204020204" charset="-122"/>
-                <a:cs typeface="微软雅黑" panose="020B0503020204020204" charset="-122"/>
-                <a:sym typeface="+mn-ea"/>
-              </a:rPr>
-              <a:t>(ORB)的通信基础设施。</a:t>
-            </a:r>
-          </a:p>
-        </p:txBody>
-      </p:sp>
-      <p:pic>
-        <p:nvPicPr>
-          <p:cNvPr id="10" name="图片 9"/>
-          <p:cNvPicPr>
-            <a:picLocks noChangeAspect="1"/>
-          </p:cNvPicPr>
-          <p:nvPr/>
-        </p:nvPicPr>
-        <p:blipFill>
-          <a:blip r:embed="rId2"/>
-          <a:stretch>
-            <a:fillRect/>
-          </a:stretch>
-        </p:blipFill>
-        <p:spPr>
-          <a:xfrm>
-            <a:off x="4533900" y="2627824"/>
-            <a:ext cx="3524250" cy="1411411"/>
-          </a:xfrm>
-          <a:prstGeom prst="rect">
-            <a:avLst/>
-          </a:prstGeom>
-        </p:spPr>
-      </p:pic>
-      <p:sp>
-        <p:nvSpPr>
-          <p:cNvPr id="13" name="矩形 12"/>
-          <p:cNvSpPr/>
-          <p:nvPr/>
-        </p:nvSpPr>
-        <p:spPr>
-          <a:xfrm>
-            <a:off x="671830" y="2926080"/>
-            <a:ext cx="3462020" cy="972182"/>
-          </a:xfrm>
-          <a:prstGeom prst="rect">
-            <a:avLst/>
-          </a:prstGeom>
-        </p:spPr>
-        <p:txBody>
-          <a:bodyPr wrap="square" lIns="48381" tIns="24190" rIns="48381" bIns="24190">
-            <a:spAutoFit/>
-          </a:bodyPr>
-          <a:lstStyle/>
-          <a:p>
-            <a:pPr indent="0" algn="l" fontAlgn="auto">
-              <a:lnSpc>
-                <a:spcPct val="100000"/>
-              </a:lnSpc>
-              <a:spcBef>
-                <a:spcPts val="0"/>
-              </a:spcBef>
-              <a:buFont typeface="Arial" panose="020B0604020202020204" pitchFamily="34" charset="0"/>
-              <a:buChar char="•"/>
-            </a:pPr>
-            <a:r>
-              <a:rPr lang="zh-CN" altLang="en-US" sz="2000" dirty="0" smtClean="0">
-                <a:latin typeface="微软雅黑" panose="020B0503020204020204" charset="-122"/>
-                <a:ea typeface="微软雅黑" panose="020B0503020204020204" charset="-122"/>
-                <a:cs typeface="微软雅黑" panose="020B0503020204020204" charset="-122"/>
-                <a:sym typeface="+mn-ea"/>
-              </a:rPr>
-              <a:t> </a:t>
-            </a:r>
-            <a:r>
-              <a:rPr lang="en-GB" altLang="zh-CN" sz="2000" dirty="0" err="1" smtClean="0">
-                <a:latin typeface="微软雅黑" panose="020B0503020204020204" charset="-122"/>
-                <a:ea typeface="微软雅黑" panose="020B0503020204020204" charset="-122"/>
-                <a:cs typeface="微软雅黑" panose="020B0503020204020204" charset="-122"/>
-                <a:sym typeface="+mn-ea"/>
-              </a:rPr>
-              <a:t>客户端和对象实现都通过</a:t>
-            </a:r>
-            <a:r>
-              <a:rPr lang="en-GB" altLang="zh-CN" sz="2000" dirty="0" err="1">
-                <a:latin typeface="微软雅黑" panose="020B0503020204020204" charset="-122"/>
-                <a:ea typeface="微软雅黑" panose="020B0503020204020204" charset="-122"/>
-                <a:cs typeface="微软雅黑" panose="020B0503020204020204" charset="-122"/>
-                <a:sym typeface="+mn-ea"/>
-              </a:rPr>
-              <a:t>IDL接口与ORB隔离</a:t>
-            </a:r>
-            <a:r>
-              <a:rPr lang="en-GB" altLang="zh-CN" sz="2000" dirty="0">
-                <a:latin typeface="微软雅黑" panose="020B0503020204020204" charset="-122"/>
-                <a:ea typeface="微软雅黑" panose="020B0503020204020204" charset="-122"/>
-                <a:cs typeface="微软雅黑" panose="020B0503020204020204" charset="-122"/>
-                <a:sym typeface="+mn-ea"/>
-              </a:rPr>
-              <a:t>。客户端只查看对象的接口，而不查看实现。</a:t>
-            </a:r>
-          </a:p>
-        </p:txBody>
-      </p:sp>
-      <p:sp>
-        <p:nvSpPr>
-          <p:cNvPr id="17" name="矩形 16"/>
-          <p:cNvSpPr/>
-          <p:nvPr/>
-        </p:nvSpPr>
-        <p:spPr>
-          <a:xfrm>
-            <a:off x="671830" y="4054475"/>
-            <a:ext cx="7623810" cy="664406"/>
-          </a:xfrm>
-          <a:prstGeom prst="rect">
-            <a:avLst/>
-          </a:prstGeom>
-        </p:spPr>
-        <p:txBody>
-          <a:bodyPr wrap="square" lIns="48381" tIns="24190" rIns="48381" bIns="24190">
-            <a:spAutoFit/>
-          </a:bodyPr>
-          <a:lstStyle/>
-          <a:p>
-            <a:pPr indent="0" algn="l" fontAlgn="auto">
-              <a:lnSpc>
-                <a:spcPct val="100000"/>
-              </a:lnSpc>
-              <a:spcBef>
-                <a:spcPts val="0"/>
-              </a:spcBef>
-              <a:buFont typeface="Arial" panose="020B0604020202020204" pitchFamily="34" charset="0"/>
-              <a:buChar char="•"/>
-            </a:pPr>
-            <a:r>
-              <a:rPr lang="zh-CN" altLang="en-US" sz="2000" dirty="0" smtClean="0">
-                <a:latin typeface="微软雅黑" panose="020B0503020204020204" charset="-122"/>
-                <a:ea typeface="微软雅黑" panose="020B0503020204020204" charset="-122"/>
-                <a:cs typeface="微软雅黑" panose="020B0503020204020204" charset="-122"/>
-                <a:sym typeface="+mn-ea"/>
-              </a:rPr>
-              <a:t> </a:t>
-            </a:r>
-            <a:r>
-              <a:rPr lang="en-GB" altLang="zh-CN" sz="2000" dirty="0" err="1" smtClean="0">
-                <a:latin typeface="微软雅黑" panose="020B0503020204020204" charset="-122"/>
-                <a:ea typeface="微软雅黑" panose="020B0503020204020204" charset="-122"/>
-                <a:cs typeface="微软雅黑" panose="020B0503020204020204" charset="-122"/>
-                <a:sym typeface="+mn-ea"/>
-              </a:rPr>
-              <a:t>通信请求不会直接从客户端传递到对象实现</a:t>
-            </a:r>
-            <a:r>
-              <a:rPr lang="en-GB" altLang="zh-CN" sz="2000" dirty="0" err="1">
-                <a:latin typeface="微软雅黑" panose="020B0503020204020204" charset="-122"/>
-                <a:ea typeface="微软雅黑" panose="020B0503020204020204" charset="-122"/>
-                <a:cs typeface="微软雅黑" panose="020B0503020204020204" charset="-122"/>
-                <a:sym typeface="+mn-ea"/>
-              </a:rPr>
-              <a:t>;相反，每个请求都被传递到客户机的本地ORB</a:t>
-            </a:r>
-            <a:r>
-              <a:rPr lang="en-GB" altLang="zh-CN" sz="2000" dirty="0">
-                <a:latin typeface="微软雅黑" panose="020B0503020204020204" charset="-122"/>
-                <a:ea typeface="微软雅黑" panose="020B0503020204020204" charset="-122"/>
-                <a:cs typeface="微软雅黑" panose="020B0503020204020204" charset="-122"/>
-                <a:sym typeface="+mn-ea"/>
-              </a:rPr>
-              <a:t>, ORB负责管理它。</a:t>
-            </a:r>
+              <a:rPr lang="en-GB" altLang="zh-CN" sz="2800" dirty="0">
+                <a:latin typeface="微软雅黑" panose="020B0503020204020204" charset="-122"/>
+                <a:ea typeface="微软雅黑" panose="020B0503020204020204" charset="-122"/>
+                <a:cs typeface="微软雅黑" panose="020B0503020204020204" charset="-122"/>
+                <a:sym typeface="+mn-ea"/>
+              </a:rPr>
+              <a:t>调用这个票根也就调用了ORB ，随后ORB 发布一个IDL </a:t>
+            </a:r>
+            <a:r>
+              <a:rPr lang="en-GB" altLang="zh-CN" sz="2800" dirty="0" err="1">
+                <a:latin typeface="微软雅黑" panose="020B0503020204020204" charset="-122"/>
+                <a:ea typeface="微软雅黑" panose="020B0503020204020204" charset="-122"/>
+                <a:cs typeface="微软雅黑" panose="020B0503020204020204" charset="-122"/>
+                <a:sym typeface="+mn-ea"/>
+              </a:rPr>
+              <a:t>主票</a:t>
+            </a:r>
+            <a:r>
+              <a:rPr lang="en-GB" altLang="zh-CN" sz="2800" dirty="0" err="1" smtClean="0">
+                <a:latin typeface="微软雅黑" panose="020B0503020204020204" charset="-122"/>
+                <a:ea typeface="微软雅黑" panose="020B0503020204020204" charset="-122"/>
+                <a:cs typeface="微软雅黑" panose="020B0503020204020204" charset="-122"/>
+                <a:sym typeface="+mn-ea"/>
+              </a:rPr>
+              <a:t>（skeleton）</a:t>
+            </a:r>
+            <a:r>
+              <a:rPr lang="en-GB" altLang="zh-CN" sz="2800" dirty="0" err="1">
+                <a:latin typeface="微软雅黑" panose="020B0503020204020204" charset="-122"/>
+                <a:ea typeface="微软雅黑" panose="020B0503020204020204" charset="-122"/>
+                <a:cs typeface="微软雅黑" panose="020B0503020204020204" charset="-122"/>
+                <a:sym typeface="+mn-ea"/>
+              </a:rPr>
+              <a:t>来调用所需对象，由此连接到实现该服务的接口</a:t>
+            </a:r>
+            <a:r>
+              <a:rPr lang="en-GB" altLang="zh-CN" sz="2800" dirty="0">
+                <a:latin typeface="微软雅黑" panose="020B0503020204020204" charset="-122"/>
+                <a:ea typeface="微软雅黑" panose="020B0503020204020204" charset="-122"/>
+                <a:cs typeface="微软雅黑" panose="020B0503020204020204" charset="-122"/>
+                <a:sym typeface="+mn-ea"/>
+              </a:rPr>
+              <a:t>。</a:t>
+            </a:r>
+            <a:endParaRPr lang="en-GB" altLang="zh-CN" sz="2800" dirty="0">
+              <a:latin typeface="微软雅黑" panose="020B0503020204020204" charset="-122"/>
+              <a:ea typeface="微软雅黑" panose="020B0503020204020204" charset="-122"/>
+              <a:cs typeface="微软雅黑" panose="020B0503020204020204" charset="-122"/>
+            </a:endParaRPr>
           </a:p>
         </p:txBody>
       </p:sp>
@@ -10727,7 +10435,7 @@
         <p:spPr>
           <a:xfrm>
             <a:off x="671524" y="663818"/>
-            <a:ext cx="7799671" cy="725961"/>
+            <a:ext cx="7799671" cy="2264844"/>
           </a:xfrm>
           <a:prstGeom prst="rect">
             <a:avLst/>
@@ -10753,89 +10461,23 @@
                 <a:cs typeface="微软雅黑" panose="020B0503020204020204" charset="-122"/>
                 <a:sym typeface="+mn-ea"/>
               </a:rPr>
-              <a:t>接口定义语言(IDL)</a:t>
-            </a:r>
-          </a:p>
-          <a:p>
-            <a:pPr indent="0" algn="l" fontAlgn="auto">
-              <a:lnSpc>
-                <a:spcPct val="100000"/>
-              </a:lnSpc>
-              <a:spcBef>
-                <a:spcPts val="0"/>
-              </a:spcBef>
-              <a:buFont typeface="Arial" panose="020B0604020202020204" pitchFamily="34" charset="0"/>
-              <a:buNone/>
-            </a:pPr>
-            <a:r>
-              <a:rPr lang="en-US" sz="2000" dirty="0" err="1" smtClean="0">
-                <a:latin typeface="微软雅黑" panose="020B0503020204020204" charset="-122"/>
-                <a:ea typeface="微软雅黑" panose="020B0503020204020204" charset="-122"/>
-                <a:cs typeface="微软雅黑" panose="020B0503020204020204" charset="-122"/>
-                <a:sym typeface="+mn-ea"/>
-              </a:rPr>
-              <a:t>IDL</a:t>
-            </a:r>
-            <a:r>
-              <a:rPr sz="2000" dirty="0" err="1">
-                <a:latin typeface="微软雅黑" panose="020B0503020204020204" charset="-122"/>
-                <a:ea typeface="微软雅黑" panose="020B0503020204020204" charset="-122"/>
-                <a:cs typeface="微软雅黑" panose="020B0503020204020204" charset="-122"/>
-                <a:sym typeface="+mn-ea"/>
-              </a:rPr>
-              <a:t>提供了一种与编程语言无关的方法来定义服务是如何实现的</a:t>
-            </a:r>
-            <a:r>
-              <a:rPr sz="2000" dirty="0">
-                <a:latin typeface="微软雅黑" panose="020B0503020204020204" charset="-122"/>
-                <a:ea typeface="微软雅黑" panose="020B0503020204020204" charset="-122"/>
-                <a:cs typeface="微软雅黑" panose="020B0503020204020204" charset="-122"/>
-                <a:sym typeface="+mn-ea"/>
-              </a:rPr>
-              <a:t>。</a:t>
-            </a:r>
-          </a:p>
-        </p:txBody>
-      </p:sp>
-      <p:sp>
-        <p:nvSpPr>
-          <p:cNvPr id="17" name="矩形 16"/>
-          <p:cNvSpPr/>
-          <p:nvPr/>
-        </p:nvSpPr>
-        <p:spPr>
-          <a:xfrm>
-            <a:off x="671830" y="1357630"/>
-            <a:ext cx="7623810" cy="1279959"/>
-          </a:xfrm>
-          <a:prstGeom prst="rect">
-            <a:avLst/>
-          </a:prstGeom>
-        </p:spPr>
-        <p:txBody>
-          <a:bodyPr wrap="square" lIns="48381" tIns="24190" rIns="48381" bIns="24190">
-            <a:spAutoFit/>
-          </a:bodyPr>
-          <a:lstStyle/>
-          <a:p>
-            <a:pPr indent="0" algn="l" fontAlgn="auto">
-              <a:lnSpc>
-                <a:spcPct val="100000"/>
-              </a:lnSpc>
-              <a:spcBef>
-                <a:spcPts val="0"/>
-              </a:spcBef>
-              <a:buFont typeface="Arial" panose="020B0604020202020204" pitchFamily="34" charset="0"/>
-            </a:pPr>
-            <a:r>
-              <a:rPr lang="en-US" altLang="en-GB" sz="2000" dirty="0">
-                <a:latin typeface="微软雅黑" panose="020B0503020204020204" charset="-122"/>
-                <a:ea typeface="微软雅黑" panose="020B0503020204020204" charset="-122"/>
-                <a:cs typeface="微软雅黑" panose="020B0503020204020204" charset="-122"/>
-                <a:sym typeface="+mn-ea"/>
-              </a:rPr>
-              <a:t>是规范语言之间的一种中介语言。如UML和C、C++ 等编程语言。</a:t>
-            </a:r>
+              <a:t>CORBA</a:t>
+            </a:r>
+            <a:r>
+              <a:rPr lang="zh-CN" altLang="en-GB" sz="2400" dirty="0" smtClean="0">
+                <a:latin typeface="微软雅黑" panose="020B0503020204020204" charset="-122"/>
+                <a:ea typeface="微软雅黑" panose="020B0503020204020204" charset="-122"/>
+                <a:cs typeface="微软雅黑" panose="020B0503020204020204" charset="-122"/>
+                <a:sym typeface="+mn-ea"/>
+              </a:rPr>
+              <a:t>体系结构</a:t>
+            </a:r>
+            <a:endParaRPr lang="zh-CN" altLang="en-GB" sz="2400" dirty="0">
+              <a:latin typeface="微软雅黑" panose="020B0503020204020204" charset="-122"/>
+              <a:ea typeface="微软雅黑" panose="020B0503020204020204" charset="-122"/>
+              <a:cs typeface="微软雅黑" panose="020B0503020204020204" charset="-122"/>
+              <a:sym typeface="+mn-ea"/>
+            </a:endParaRPr>
           </a:p>
           <a:p>
             <a:pPr indent="0" algn="l" fontAlgn="auto">
@@ -10849,6 +10491,15 @@
               <a:buChar char="•"/>
             </a:pPr>
             <a:r>
+              <a:rPr lang="en-GB" altLang="zh-CN" sz="2000" dirty="0">
+                <a:latin typeface="微软雅黑" panose="020B0503020204020204" charset="-122"/>
+                <a:ea typeface="微软雅黑" panose="020B0503020204020204" charset="-122"/>
+                <a:cs typeface="微软雅黑" panose="020B0503020204020204" charset="-122"/>
+                <a:sym typeface="+mn-ea"/>
+              </a:rPr>
+              <a:t> </a:t>
+            </a:r>
+            <a:r>
               <a:rPr lang="zh-CN" altLang="en-US" sz="2000" dirty="0" smtClean="0">
                 <a:latin typeface="微软雅黑" panose="020B0503020204020204" charset="-122"/>
                 <a:ea typeface="微软雅黑" panose="020B0503020204020204" charset="-122"/>
@@ -10864,7 +10515,16 @@
                 <a:cs typeface="微软雅黑" panose="020B0503020204020204" charset="-122"/>
                 <a:sym typeface="+mn-ea"/>
               </a:rPr>
-              <a:t>提供了客户机将使用和服务器将实现的接口的抽象表示</a:t>
+              <a:t>一个</a:t>
+            </a:r>
+            <a:r>
+              <a:rPr lang="en-GB" altLang="zh-CN" sz="2000" dirty="0" err="1">
+                <a:latin typeface="微软雅黑" panose="020B0503020204020204" charset="-122"/>
+                <a:ea typeface="微软雅黑" panose="020B0503020204020204" charset="-122"/>
+                <a:cs typeface="微软雅黑" panose="020B0503020204020204" charset="-122"/>
+                <a:sym typeface="+mn-ea"/>
+              </a:rPr>
+              <a:t>obiect所提供的服务是在一个充当它与系统其余部分之间的接口的契约中表达的</a:t>
             </a:r>
             <a:r>
               <a:rPr lang="en-GB" altLang="zh-CN" sz="2000" dirty="0">
@@ -10903,7 +10563,109 @@
                 <a:cs typeface="微软雅黑" panose="020B0503020204020204" charset="-122"/>
                 <a:sym typeface="+mn-ea"/>
               </a:rPr>
-              <a:t>客户端和对象实现由三种机制隔离</a:t>
+              <a:t>对象接口使用一种名为接口</a:t>
+            </a:r>
+            <a:r>
+              <a:rPr lang="zh-CN" altLang="en-US" sz="2000" dirty="0" smtClean="0">
+                <a:latin typeface="微软雅黑" panose="020B0503020204020204" charset="-122"/>
+                <a:ea typeface="微软雅黑" panose="020B0503020204020204" charset="-122"/>
+                <a:cs typeface="微软雅黑" panose="020B0503020204020204" charset="-122"/>
+                <a:sym typeface="+mn-ea"/>
+              </a:rPr>
+              <a:t>定义</a:t>
+            </a:r>
+            <a:r>
+              <a:rPr lang="en-GB" altLang="zh-CN" sz="2000" dirty="0" err="1" smtClean="0">
+                <a:latin typeface="微软雅黑" panose="020B0503020204020204" charset="-122"/>
+                <a:ea typeface="微软雅黑" panose="020B0503020204020204" charset="-122"/>
+                <a:cs typeface="微软雅黑" panose="020B0503020204020204" charset="-122"/>
+                <a:sym typeface="+mn-ea"/>
+              </a:rPr>
+              <a:t>语言</a:t>
+            </a:r>
+            <a:r>
+              <a:rPr lang="en-GB" altLang="zh-CN" sz="2000" dirty="0">
+                <a:latin typeface="微软雅黑" panose="020B0503020204020204" charset="-122"/>
+                <a:ea typeface="微软雅黑" panose="020B0503020204020204" charset="-122"/>
+                <a:cs typeface="微软雅黑" panose="020B0503020204020204" charset="-122"/>
+                <a:sym typeface="+mn-ea"/>
+              </a:rPr>
+              <a:t>(interface </a:t>
+            </a:r>
+            <a:r>
+              <a:rPr lang="en-GB" altLang="zh-CN" sz="2000" dirty="0" smtClean="0">
+                <a:latin typeface="微软雅黑" panose="020B0503020204020204" charset="-122"/>
+                <a:ea typeface="微软雅黑" panose="020B0503020204020204" charset="-122"/>
+                <a:cs typeface="微软雅黑" panose="020B0503020204020204" charset="-122"/>
+                <a:sym typeface="+mn-ea"/>
+              </a:rPr>
+              <a:t>def</a:t>
+            </a:r>
+            <a:r>
+              <a:rPr lang="en-US" altLang="zh-CN" sz="2000" dirty="0" smtClean="0">
+                <a:latin typeface="微软雅黑" panose="020B0503020204020204" charset="-122"/>
+                <a:ea typeface="微软雅黑" panose="020B0503020204020204" charset="-122"/>
+                <a:cs typeface="微软雅黑" panose="020B0503020204020204" charset="-122"/>
+                <a:sym typeface="+mn-ea"/>
+              </a:rPr>
+              <a:t>in</a:t>
+            </a:r>
+            <a:r>
+              <a:rPr lang="en-GB" altLang="zh-CN" sz="2000" dirty="0" err="1" smtClean="0">
+                <a:latin typeface="微软雅黑" panose="020B0503020204020204" charset="-122"/>
+                <a:ea typeface="微软雅黑" panose="020B0503020204020204" charset="-122"/>
+                <a:cs typeface="微软雅黑" panose="020B0503020204020204" charset="-122"/>
+                <a:sym typeface="+mn-ea"/>
+              </a:rPr>
+              <a:t>ition</a:t>
+            </a:r>
+            <a:r>
+              <a:rPr lang="en-GB" altLang="zh-CN" sz="2000" dirty="0" smtClean="0">
+                <a:latin typeface="微软雅黑" panose="020B0503020204020204" charset="-122"/>
+                <a:ea typeface="微软雅黑" panose="020B0503020204020204" charset="-122"/>
+                <a:cs typeface="微软雅黑" panose="020B0503020204020204" charset="-122"/>
+                <a:sym typeface="+mn-ea"/>
+              </a:rPr>
+              <a:t> </a:t>
+            </a:r>
+            <a:r>
+              <a:rPr lang="en-GB" altLang="zh-CN" sz="2000" dirty="0">
+                <a:latin typeface="微软雅黑" panose="020B0503020204020204" charset="-122"/>
+                <a:ea typeface="微软雅黑" panose="020B0503020204020204" charset="-122"/>
+                <a:cs typeface="微软雅黑" panose="020B0503020204020204" charset="-122"/>
+                <a:sym typeface="+mn-ea"/>
+              </a:rPr>
+              <a:t>language, IDL)的特殊语言表示。</a:t>
+            </a:r>
+          </a:p>
+          <a:p>
+            <a:pPr indent="0" algn="l" fontAlgn="auto">
+              <a:lnSpc>
+                <a:spcPct val="100000"/>
+              </a:lnSpc>
+              <a:spcBef>
+                <a:spcPts val="0"/>
+              </a:spcBef>
+              <a:buFont typeface="Arial" panose="020B0604020202020204" pitchFamily="34" charset="0"/>
+              <a:buChar char="•"/>
+            </a:pPr>
+            <a:r>
+              <a:rPr lang="zh-CN" altLang="en-US" sz="2000" dirty="0" smtClean="0">
+                <a:latin typeface="微软雅黑" panose="020B0503020204020204" charset="-122"/>
+                <a:ea typeface="微软雅黑" panose="020B0503020204020204" charset="-122"/>
+                <a:cs typeface="微软雅黑" panose="020B0503020204020204" charset="-122"/>
+                <a:sym typeface="+mn-ea"/>
+              </a:rPr>
+              <a:t> </a:t>
+            </a:r>
+            <a:r>
+              <a:rPr lang="en-GB" altLang="zh-CN" sz="2000" dirty="0" err="1" smtClean="0">
+                <a:latin typeface="微软雅黑" panose="020B0503020204020204" charset="-122"/>
+                <a:ea typeface="微软雅黑" panose="020B0503020204020204" charset="-122"/>
+                <a:cs typeface="微软雅黑" panose="020B0503020204020204" charset="-122"/>
+                <a:sym typeface="+mn-ea"/>
+              </a:rPr>
+              <a:t>要让对象通过网络进行通信</a:t>
             </a:r>
             <a:r>
               <a:rPr lang="en-GB" altLang="zh-CN" sz="2000" dirty="0" err="1">
@@ -10912,7 +10674,7 @@
                 <a:cs typeface="微软雅黑" panose="020B0503020204020204" charset="-122"/>
                 <a:sym typeface="+mn-ea"/>
               </a:rPr>
-              <a:t>:客户端上的IDL存根、ORB和实现端上的相应框架</a:t>
+              <a:t>，它们需要一个名为Obiect</a:t>
             </a:r>
             <a:r>
               <a:rPr lang="en-GB" altLang="zh-CN" sz="2000" dirty="0">
@@ -10921,7 +10683,25 @@
                 <a:cs typeface="微软雅黑" panose="020B0503020204020204" charset="-122"/>
                 <a:sym typeface="+mn-ea"/>
               </a:rPr>
-              <a:t>。</a:t>
+              <a:t> Request </a:t>
+            </a:r>
+            <a:r>
+              <a:rPr lang="en-GB" altLang="zh-CN" sz="2000" dirty="0" smtClean="0">
+                <a:latin typeface="微软雅黑" panose="020B0503020204020204" charset="-122"/>
+                <a:ea typeface="微软雅黑" panose="020B0503020204020204" charset="-122"/>
+                <a:cs typeface="微软雅黑" panose="020B0503020204020204" charset="-122"/>
+                <a:sym typeface="+mn-ea"/>
+              </a:rPr>
+              <a:t>Broker </a:t>
+            </a:r>
+            <a:r>
+              <a:rPr lang="en-GB" altLang="zh-CN" sz="2000" dirty="0">
+                <a:latin typeface="微软雅黑" panose="020B0503020204020204" charset="-122"/>
+                <a:ea typeface="微软雅黑" panose="020B0503020204020204" charset="-122"/>
+                <a:cs typeface="微软雅黑" panose="020B0503020204020204" charset="-122"/>
+                <a:sym typeface="+mn-ea"/>
+              </a:rPr>
+              <a:t>(ORB)的通信基础设施。</a:t>
             </a:r>
           </a:p>
         </p:txBody>
@@ -10942,14 +10722,154 @@
         </p:blipFill>
         <p:spPr>
           <a:xfrm>
-            <a:off x="2042160" y="2637589"/>
-            <a:ext cx="5142230" cy="2054708"/>
+            <a:off x="4533900" y="2627824"/>
+            <a:ext cx="3524250" cy="1411411"/>
           </a:xfrm>
           <a:prstGeom prst="rect">
             <a:avLst/>
           </a:prstGeom>
         </p:spPr>
       </p:pic>
+      <p:sp>
+        <p:nvSpPr>
+          <p:cNvPr id="13" name="矩形 12"/>
+          <p:cNvSpPr/>
+          <p:nvPr/>
+        </p:nvSpPr>
+        <p:spPr>
+          <a:xfrm>
+            <a:off x="671830" y="2926080"/>
+            <a:ext cx="3462020" cy="972182"/>
+          </a:xfrm>
+          <a:prstGeom prst="rect">
+            <a:avLst/>
+          </a:prstGeom>
+        </p:spPr>
+        <p:txBody>
+          <a:bodyPr wrap="square" lIns="48381" tIns="24190" rIns="48381" bIns="24190">
+            <a:spAutoFit/>
+          </a:bodyPr>
+          <a:lstStyle/>
+          <a:p>
+            <a:pPr indent="0" algn="l" fontAlgn="auto">
+              <a:lnSpc>
+                <a:spcPct val="100000"/>
+              </a:lnSpc>
+              <a:spcBef>
+                <a:spcPts val="0"/>
+              </a:spcBef>
+              <a:buFont typeface="Arial" panose="020B0604020202020204" pitchFamily="34" charset="0"/>
+              <a:buChar char="•"/>
+            </a:pPr>
+            <a:r>
+              <a:rPr lang="zh-CN" altLang="en-US" sz="2000" dirty="0" smtClean="0">
+                <a:latin typeface="微软雅黑" panose="020B0503020204020204" charset="-122"/>
+                <a:ea typeface="微软雅黑" panose="020B0503020204020204" charset="-122"/>
+                <a:cs typeface="微软雅黑" panose="020B0503020204020204" charset="-122"/>
+                <a:sym typeface="+mn-ea"/>
+              </a:rPr>
+              <a:t> </a:t>
+            </a:r>
+            <a:r>
+              <a:rPr lang="en-GB" altLang="zh-CN" sz="2000" dirty="0" err="1" smtClean="0">
+                <a:latin typeface="微软雅黑" panose="020B0503020204020204" charset="-122"/>
+                <a:ea typeface="微软雅黑" panose="020B0503020204020204" charset="-122"/>
+                <a:cs typeface="微软雅黑" panose="020B0503020204020204" charset="-122"/>
+                <a:sym typeface="+mn-ea"/>
+              </a:rPr>
+              <a:t>客户端和对象实现都通过</a:t>
+            </a:r>
+            <a:r>
+              <a:rPr lang="en-GB" altLang="zh-CN" sz="2000" dirty="0" err="1">
+                <a:latin typeface="微软雅黑" panose="020B0503020204020204" charset="-122"/>
+                <a:ea typeface="微软雅黑" panose="020B0503020204020204" charset="-122"/>
+                <a:cs typeface="微软雅黑" panose="020B0503020204020204" charset="-122"/>
+                <a:sym typeface="+mn-ea"/>
+              </a:rPr>
+              <a:t>IDL接口与ORB隔离</a:t>
+            </a:r>
+            <a:r>
+              <a:rPr lang="en-GB" altLang="zh-CN" sz="2000" dirty="0">
+                <a:latin typeface="微软雅黑" panose="020B0503020204020204" charset="-122"/>
+                <a:ea typeface="微软雅黑" panose="020B0503020204020204" charset="-122"/>
+                <a:cs typeface="微软雅黑" panose="020B0503020204020204" charset="-122"/>
+                <a:sym typeface="+mn-ea"/>
+              </a:rPr>
+              <a:t>。客户端只查看对象的接口，而不查看实现。</a:t>
+            </a:r>
+          </a:p>
+        </p:txBody>
+      </p:sp>
+      <p:sp>
+        <p:nvSpPr>
+          <p:cNvPr id="17" name="矩形 16"/>
+          <p:cNvSpPr/>
+          <p:nvPr/>
+        </p:nvSpPr>
+        <p:spPr>
+          <a:xfrm>
+            <a:off x="671830" y="4054475"/>
+            <a:ext cx="7623810" cy="664406"/>
+          </a:xfrm>
+          <a:prstGeom prst="rect">
+            <a:avLst/>
+          </a:prstGeom>
+        </p:spPr>
+        <p:txBody>
+          <a:bodyPr wrap="square" lIns="48381" tIns="24190" rIns="48381" bIns="24190">
+            <a:spAutoFit/>
+          </a:bodyPr>
+          <a:lstStyle/>
+          <a:p>
+            <a:pPr indent="0" algn="l" fontAlgn="auto">
+              <a:lnSpc>
+                <a:spcPct val="100000"/>
+              </a:lnSpc>
+              <a:spcBef>
+                <a:spcPts val="0"/>
+              </a:spcBef>
+              <a:buFont typeface="Arial" panose="020B0604020202020204" pitchFamily="34" charset="0"/>
+              <a:buChar char="•"/>
+            </a:pPr>
+            <a:r>
+              <a:rPr lang="zh-CN" altLang="en-US" sz="2000" dirty="0" smtClean="0">
+                <a:latin typeface="微软雅黑" panose="020B0503020204020204" charset="-122"/>
+                <a:ea typeface="微软雅黑" panose="020B0503020204020204" charset="-122"/>
+                <a:cs typeface="微软雅黑" panose="020B0503020204020204" charset="-122"/>
+                <a:sym typeface="+mn-ea"/>
+              </a:rPr>
+              <a:t> </a:t>
+            </a:r>
+            <a:r>
+              <a:rPr lang="en-GB" altLang="zh-CN" sz="2000" dirty="0" err="1" smtClean="0">
+                <a:latin typeface="微软雅黑" panose="020B0503020204020204" charset="-122"/>
+                <a:ea typeface="微软雅黑" panose="020B0503020204020204" charset="-122"/>
+                <a:cs typeface="微软雅黑" panose="020B0503020204020204" charset="-122"/>
+                <a:sym typeface="+mn-ea"/>
+              </a:rPr>
+              <a:t>通信请求不会直接从客户端传递到对象实现</a:t>
+            </a:r>
+            <a:r>
+              <a:rPr lang="en-GB" altLang="zh-CN" sz="2000" dirty="0" err="1">
+                <a:latin typeface="微软雅黑" panose="020B0503020204020204" charset="-122"/>
+                <a:ea typeface="微软雅黑" panose="020B0503020204020204" charset="-122"/>
+                <a:cs typeface="微软雅黑" panose="020B0503020204020204" charset="-122"/>
+                <a:sym typeface="+mn-ea"/>
+              </a:rPr>
+              <a:t>;相反，每个请求都被传递到客户机的本地ORB</a:t>
+            </a:r>
+            <a:r>
+              <a:rPr lang="en-GB" altLang="zh-CN" sz="2000" dirty="0">
+                <a:latin typeface="微软雅黑" panose="020B0503020204020204" charset="-122"/>
+                <a:ea typeface="微软雅黑" panose="020B0503020204020204" charset="-122"/>
+                <a:cs typeface="微软雅黑" panose="020B0503020204020204" charset="-122"/>
+                <a:sym typeface="+mn-ea"/>
+              </a:rPr>
+              <a:t>, ORB负责管理它。</a:t>
+            </a:r>
+          </a:p>
+        </p:txBody>
+      </p:sp>
     </p:spTree>
   </p:cSld>
   <p:clrMapOvr>
@@ -11577,8 +11497,8 @@
         </p:nvSpPr>
         <p:spPr>
           <a:xfrm>
-            <a:off x="671524" y="671438"/>
-            <a:ext cx="7799671" cy="1526180"/>
+            <a:off x="671524" y="663818"/>
+            <a:ext cx="7799671" cy="725961"/>
           </a:xfrm>
           <a:prstGeom prst="rect">
             <a:avLst/>
@@ -11604,7 +11524,7 @@
                 <a:cs typeface="微软雅黑" panose="020B0503020204020204" charset="-122"/>
                 <a:sym typeface="+mn-ea"/>
               </a:rPr>
-              <a:t>对象请求代理</a:t>
+              <a:t>接口定义语言(IDL)</a:t>
             </a:r>
           </a:p>
           <a:p>
@@ -11619,25 +11539,154 @@
               <a:buNone/>
             </a:pPr>
             <a:r>
-              <a:rPr sz="2400" dirty="0" err="1" smtClean="0">
-                <a:latin typeface="微软雅黑" panose="020B0503020204020204" charset="-122"/>
-                <a:ea typeface="微软雅黑" panose="020B0503020204020204" charset="-122"/>
-                <a:cs typeface="微软雅黑" panose="020B0503020204020204" charset="-122"/>
-                <a:sym typeface="+mn-ea"/>
-              </a:rPr>
-              <a:t>客户端看到的接口完全独立于对象所在的位置</a:t>
-            </a:r>
-            <a:r>
-              <a:rPr sz="2400" dirty="0" err="1">
-                <a:latin typeface="微软雅黑" panose="020B0503020204020204" charset="-122"/>
-                <a:ea typeface="微软雅黑" panose="020B0503020204020204" charset="-122"/>
-                <a:cs typeface="微软雅黑" panose="020B0503020204020204" charset="-122"/>
-                <a:sym typeface="+mn-ea"/>
-              </a:rPr>
-              <a:t>，它是用什么编程语言实现的，或者没有反映在对象接口中的任何其他方面</a:t>
-            </a:r>
-            <a:r>
-              <a:rPr sz="2400" dirty="0">
+              <a:rPr lang="en-US" sz="2000" dirty="0" err="1" smtClean="0">
+                <a:latin typeface="微软雅黑" panose="020B0503020204020204" charset="-122"/>
+                <a:ea typeface="微软雅黑" panose="020B0503020204020204" charset="-122"/>
+                <a:cs typeface="微软雅黑" panose="020B0503020204020204" charset="-122"/>
+                <a:sym typeface="+mn-ea"/>
+              </a:rPr>
+              <a:t>IDL</a:t>
+            </a:r>
+            <a:r>
+              <a:rPr sz="2000" dirty="0" err="1">
+                <a:latin typeface="微软雅黑" panose="020B0503020204020204" charset="-122"/>
+                <a:ea typeface="微软雅黑" panose="020B0503020204020204" charset="-122"/>
+                <a:cs typeface="微软雅黑" panose="020B0503020204020204" charset="-122"/>
+                <a:sym typeface="+mn-ea"/>
+              </a:rPr>
+              <a:t>提供了一种与编程语言无关的方法来定义服务是如何实现的</a:t>
+            </a:r>
+            <a:r>
+              <a:rPr sz="2000" dirty="0">
+                <a:latin typeface="微软雅黑" panose="020B0503020204020204" charset="-122"/>
+                <a:ea typeface="微软雅黑" panose="020B0503020204020204" charset="-122"/>
+                <a:cs typeface="微软雅黑" panose="020B0503020204020204" charset="-122"/>
+                <a:sym typeface="+mn-ea"/>
+              </a:rPr>
+              <a:t>。</a:t>
+            </a:r>
+          </a:p>
+        </p:txBody>
+      </p:sp>
+      <p:sp>
+        <p:nvSpPr>
+          <p:cNvPr id="17" name="矩形 16"/>
+          <p:cNvSpPr/>
+          <p:nvPr/>
+        </p:nvSpPr>
+        <p:spPr>
+          <a:xfrm>
+            <a:off x="671830" y="1357630"/>
+            <a:ext cx="7623810" cy="1279959"/>
+          </a:xfrm>
+          <a:prstGeom prst="rect">
+            <a:avLst/>
+          </a:prstGeom>
+        </p:spPr>
+        <p:txBody>
+          <a:bodyPr wrap="square" lIns="48381" tIns="24190" rIns="48381" bIns="24190">
+            <a:spAutoFit/>
+          </a:bodyPr>
+          <a:lstStyle/>
+          <a:p>
+            <a:pPr indent="0" algn="l" fontAlgn="auto">
+              <a:lnSpc>
+                <a:spcPct val="100000"/>
+              </a:lnSpc>
+              <a:spcBef>
+                <a:spcPts val="0"/>
+              </a:spcBef>
+              <a:buFont typeface="Arial" panose="020B0604020202020204" pitchFamily="34" charset="0"/>
+            </a:pPr>
+            <a:r>
+              <a:rPr lang="en-US" altLang="en-GB" sz="2000" dirty="0">
+                <a:latin typeface="微软雅黑" panose="020B0503020204020204" charset="-122"/>
+                <a:ea typeface="微软雅黑" panose="020B0503020204020204" charset="-122"/>
+                <a:cs typeface="微软雅黑" panose="020B0503020204020204" charset="-122"/>
+                <a:sym typeface="+mn-ea"/>
+              </a:rPr>
+              <a:t>是规范语言之间的一种中介语言。如UML和C、C++ 等编程语言。</a:t>
+            </a:r>
+          </a:p>
+          <a:p>
+            <a:pPr indent="0" algn="l" fontAlgn="auto">
+              <a:lnSpc>
+                <a:spcPct val="100000"/>
+              </a:lnSpc>
+              <a:spcBef>
+                <a:spcPts val="0"/>
+              </a:spcBef>
+              <a:buFont typeface="Arial" panose="020B0604020202020204" pitchFamily="34" charset="0"/>
+              <a:buChar char="•"/>
+            </a:pPr>
+            <a:r>
+              <a:rPr lang="zh-CN" altLang="en-US" sz="2000" dirty="0" smtClean="0">
+                <a:latin typeface="微软雅黑" panose="020B0503020204020204" charset="-122"/>
+                <a:ea typeface="微软雅黑" panose="020B0503020204020204" charset="-122"/>
+                <a:cs typeface="微软雅黑" panose="020B0503020204020204" charset="-122"/>
+                <a:sym typeface="+mn-ea"/>
+              </a:rPr>
+              <a:t> </a:t>
+            </a:r>
+            <a:r>
+              <a:rPr lang="en-GB" altLang="zh-CN" sz="2000" dirty="0" err="1" smtClean="0">
+                <a:latin typeface="微软雅黑" panose="020B0503020204020204" charset="-122"/>
+                <a:ea typeface="微软雅黑" panose="020B0503020204020204" charset="-122"/>
+                <a:cs typeface="微软雅黑" panose="020B0503020204020204" charset="-122"/>
+                <a:sym typeface="+mn-ea"/>
+              </a:rPr>
+              <a:t>提供了客户机将使用和服务器将实现的接口的抽象表示</a:t>
+            </a:r>
+            <a:r>
+              <a:rPr lang="en-GB" altLang="zh-CN" sz="2000" dirty="0">
+                <a:latin typeface="微软雅黑" panose="020B0503020204020204" charset="-122"/>
+                <a:ea typeface="微软雅黑" panose="020B0503020204020204" charset="-122"/>
+                <a:cs typeface="微软雅黑" panose="020B0503020204020204" charset="-122"/>
+                <a:sym typeface="+mn-ea"/>
+              </a:rPr>
+              <a:t>。</a:t>
+            </a:r>
+          </a:p>
+          <a:p>
+            <a:pPr indent="0" algn="l" fontAlgn="auto">
+              <a:lnSpc>
+                <a:spcPct val="100000"/>
+              </a:lnSpc>
+              <a:spcBef>
+                <a:spcPts val="0"/>
+              </a:spcBef>
+              <a:buFont typeface="Arial" panose="020B0604020202020204" pitchFamily="34" charset="0"/>
+              <a:buChar char="•"/>
+            </a:pPr>
+            <a:r>
+              <a:rPr lang="zh-CN" altLang="en-US" sz="2000" dirty="0" smtClean="0">
+                <a:latin typeface="微软雅黑" panose="020B0503020204020204" charset="-122"/>
+                <a:ea typeface="微软雅黑" panose="020B0503020204020204" charset="-122"/>
+                <a:cs typeface="微软雅黑" panose="020B0503020204020204" charset="-122"/>
+                <a:sym typeface="+mn-ea"/>
+              </a:rPr>
+              <a:t> </a:t>
+            </a:r>
+            <a:r>
+              <a:rPr lang="en-GB" altLang="zh-CN" sz="2000" dirty="0" err="1" smtClean="0">
+                <a:latin typeface="微软雅黑" panose="020B0503020204020204" charset="-122"/>
+                <a:ea typeface="微软雅黑" panose="020B0503020204020204" charset="-122"/>
+                <a:cs typeface="微软雅黑" panose="020B0503020204020204" charset="-122"/>
+                <a:sym typeface="+mn-ea"/>
+              </a:rPr>
+              <a:t>客户端和对象实现由三种机制隔离</a:t>
+            </a:r>
+            <a:r>
+              <a:rPr lang="en-GB" altLang="zh-CN" sz="2000" dirty="0" err="1">
+                <a:latin typeface="微软雅黑" panose="020B0503020204020204" charset="-122"/>
+                <a:ea typeface="微软雅黑" panose="020B0503020204020204" charset="-122"/>
+                <a:cs typeface="微软雅黑" panose="020B0503020204020204" charset="-122"/>
+                <a:sym typeface="+mn-ea"/>
+              </a:rPr>
+              <a:t>:客户端上的IDL存根、ORB和实现端上的相应框架</a:t>
+            </a:r>
+            <a:r>
+              <a:rPr lang="en-GB" altLang="zh-CN" sz="2000" dirty="0">
                 <a:latin typeface="微软雅黑" panose="020B0503020204020204" charset="-122"/>
                 <a:ea typeface="微软雅黑" panose="020B0503020204020204" charset="-122"/>
                 <a:cs typeface="微软雅黑" panose="020B0503020204020204" charset="-122"/>
@@ -11650,7 +11699,7 @@
       </p:sp>
       <p:pic>
         <p:nvPicPr>
-          <p:cNvPr id="13" name="图片 12"/>
+          <p:cNvPr id="10" name="图片 9"/>
           <p:cNvPicPr>
             <a:picLocks noChangeAspect="1"/>
           </p:cNvPicPr>
@@ -11664,117 +11713,14 @@
         </p:blipFill>
         <p:spPr>
           <a:xfrm>
-            <a:off x="3238710" y="2294498"/>
-            <a:ext cx="5360398" cy="1999616"/>
+            <a:off x="2042160" y="2637589"/>
+            <a:ext cx="5142230" cy="2054708"/>
           </a:xfrm>
           <a:prstGeom prst="rect">
             <a:avLst/>
           </a:prstGeom>
         </p:spPr>
       </p:pic>
-      <p:sp>
-        <p:nvSpPr>
-          <p:cNvPr id="14" name="矩形 13"/>
-          <p:cNvSpPr/>
-          <p:nvPr/>
-        </p:nvSpPr>
-        <p:spPr>
-          <a:xfrm>
-            <a:off x="671525" y="2286878"/>
-            <a:ext cx="2610674" cy="1895512"/>
-          </a:xfrm>
-          <a:prstGeom prst="rect">
-            <a:avLst/>
-          </a:prstGeom>
-        </p:spPr>
-        <p:txBody>
-          <a:bodyPr wrap="square" lIns="48381" tIns="24190" rIns="48381" bIns="24190">
-            <a:spAutoFit/>
-          </a:bodyPr>
-          <a:lstStyle/>
-          <a:p>
-            <a:pPr indent="0" fontAlgn="auto">
-              <a:lnSpc>
-                <a:spcPct val="100000"/>
-              </a:lnSpc>
-              <a:buFont typeface="Wingdings" panose="05000000000000000000" pitchFamily="2" charset="2"/>
-              <a:buNone/>
-            </a:pPr>
-            <a:r>
-              <a:rPr lang="en-US" altLang="zh-CN" sz="2400" dirty="0" err="1" smtClean="0">
-                <a:latin typeface="微软雅黑" panose="020B0503020204020204" charset="-122"/>
-                <a:ea typeface="微软雅黑" panose="020B0503020204020204" charset="-122"/>
-                <a:cs typeface="微软雅黑" panose="020B0503020204020204" charset="-122"/>
-                <a:sym typeface="+mn-ea"/>
-              </a:rPr>
-              <a:t>O</a:t>
-            </a:r>
-            <a:r>
-              <a:rPr sz="2400" dirty="0" err="1" smtClean="0">
-                <a:latin typeface="微软雅黑" panose="020B0503020204020204" charset="-122"/>
-                <a:ea typeface="微软雅黑" panose="020B0503020204020204" charset="-122"/>
-                <a:cs typeface="微软雅黑" panose="020B0503020204020204" charset="-122"/>
-                <a:sym typeface="+mn-ea"/>
-              </a:rPr>
-              <a:t>RB</a:t>
-            </a:r>
-            <a:r>
-              <a:rPr sz="2400" dirty="0" err="1">
-                <a:latin typeface="微软雅黑" panose="020B0503020204020204" charset="-122"/>
-                <a:ea typeface="微软雅黑" panose="020B0503020204020204" charset="-122"/>
-                <a:cs typeface="微软雅黑" panose="020B0503020204020204" charset="-122"/>
-                <a:sym typeface="+mn-ea"/>
-              </a:rPr>
-              <a:t>负责</a:t>
-            </a:r>
-            <a:r>
-              <a:rPr sz="2400" dirty="0">
-                <a:latin typeface="微软雅黑" panose="020B0503020204020204" charset="-122"/>
-                <a:ea typeface="微软雅黑" panose="020B0503020204020204" charset="-122"/>
-                <a:cs typeface="微软雅黑" panose="020B0503020204020204" charset="-122"/>
-                <a:sym typeface="+mn-ea"/>
-              </a:rPr>
-              <a:t>:</a:t>
-            </a:r>
-          </a:p>
-          <a:p>
-            <a:pPr indent="0" fontAlgn="auto">
-              <a:lnSpc>
-                <a:spcPct val="100000"/>
-              </a:lnSpc>
-              <a:buFont typeface="Wingdings" panose="05000000000000000000" pitchFamily="2" charset="2"/>
-              <a:buNone/>
-            </a:pPr>
-            <a:r>
-              <a:rPr sz="2400" dirty="0" err="1">
-                <a:latin typeface="微软雅黑" panose="020B0503020204020204" charset="-122"/>
-                <a:ea typeface="微软雅黑" panose="020B0503020204020204" charset="-122"/>
-                <a:cs typeface="微软雅黑" panose="020B0503020204020204" charset="-122"/>
-                <a:sym typeface="+mn-ea"/>
-              </a:rPr>
-              <a:t>查找请求的对象实现</a:t>
-            </a:r>
-            <a:r>
-              <a:rPr sz="2400" dirty="0" err="1" smtClean="0">
-                <a:latin typeface="微软雅黑" panose="020B0503020204020204" charset="-122"/>
-                <a:ea typeface="微软雅黑" panose="020B0503020204020204" charset="-122"/>
-                <a:cs typeface="微软雅黑" panose="020B0503020204020204" charset="-122"/>
-                <a:sym typeface="+mn-ea"/>
-              </a:rPr>
-              <a:t>，准备对象实现来接收请求，传递组成请求的数据</a:t>
-            </a:r>
-            <a:r>
-              <a:rPr sz="2400" dirty="0">
-                <a:latin typeface="微软雅黑" panose="020B0503020204020204" charset="-122"/>
-                <a:ea typeface="微软雅黑" panose="020B0503020204020204" charset="-122"/>
-                <a:cs typeface="微软雅黑" panose="020B0503020204020204" charset="-122"/>
-                <a:sym typeface="+mn-ea"/>
-              </a:rPr>
-              <a:t>。</a:t>
-            </a:r>
-          </a:p>
-        </p:txBody>
-      </p:sp>
     </p:spTree>
   </p:cSld>
   <p:clrMapOvr>
@@ -12402,8 +12348,8 @@
         </p:nvSpPr>
         <p:spPr>
           <a:xfrm>
-            <a:off x="671524" y="663818"/>
-            <a:ext cx="7799671" cy="1895512"/>
+            <a:off x="671524" y="671438"/>
+            <a:ext cx="7799671" cy="1526180"/>
           </a:xfrm>
           <a:prstGeom prst="rect">
             <a:avLst/>
@@ -12429,7 +12375,7 @@
                 <a:cs typeface="微软雅黑" panose="020B0503020204020204" charset="-122"/>
                 <a:sym typeface="+mn-ea"/>
               </a:rPr>
-              <a:t>对象适配器</a:t>
+              <a:t>对象请求代理</a:t>
             </a:r>
           </a:p>
           <a:p>
@@ -12440,26 +12386,17 @@
               <a:spcBef>
                 <a:spcPts val="0"/>
               </a:spcBef>
-              <a:buFont typeface="Wingdings" pitchFamily="2" charset="2"/>
-              <a:buChar char="l"/>
+              <a:buFont typeface="Arial" panose="020B0604020202020204" pitchFamily="34" charset="0"/>
+              <a:buNone/>
             </a:pPr>
             <a:r>
-              <a:rPr lang="zh-CN" altLang="en-US" sz="2400" dirty="0" smtClean="0">
-                <a:latin typeface="微软雅黑" panose="020B0503020204020204" charset="-122"/>
-                <a:ea typeface="微软雅黑" panose="020B0503020204020204" charset="-122"/>
-                <a:cs typeface="微软雅黑" panose="020B0503020204020204" charset="-122"/>
-                <a:sym typeface="+mn-ea"/>
-              </a:rPr>
-              <a:t> </a:t>
-            </a:r>
-            <a:r>
               <a:rPr sz="2400" dirty="0" err="1" smtClean="0">
                 <a:latin typeface="微软雅黑" panose="020B0503020204020204" charset="-122"/>
                 <a:ea typeface="微软雅黑" panose="020B0503020204020204" charset="-122"/>
                 <a:cs typeface="微软雅黑" panose="020B0503020204020204" charset="-122"/>
                 <a:sym typeface="+mn-ea"/>
               </a:rPr>
-              <a:t>对象适配器是对象实现访问</a:t>
+              <a:t>客户端看到的接口完全独立于对象所在的位置</a:t>
             </a:r>
             <a:r>
               <a:rPr sz="2400" dirty="0" err="1">
@@ -12468,181 +12405,10 @@
                 <a:cs typeface="微软雅黑" panose="020B0503020204020204" charset="-122"/>
                 <a:sym typeface="+mn-ea"/>
               </a:rPr>
-              <a:t>ORB</a:t>
-            </a:r>
-            <a:r>
-              <a:rPr sz="2400" dirty="0" err="1" smtClean="0">
-                <a:latin typeface="微软雅黑" panose="020B0503020204020204" charset="-122"/>
-                <a:ea typeface="微软雅黑" panose="020B0503020204020204" charset="-122"/>
-                <a:cs typeface="微软雅黑" panose="020B0503020204020204" charset="-122"/>
-                <a:sym typeface="+mn-ea"/>
-              </a:rPr>
-              <a:t>服务的主要方法</a:t>
-            </a:r>
-            <a:r>
-              <a:rPr lang="zh-CN" altLang="en-US" sz="2400" dirty="0" smtClean="0">
-                <a:latin typeface="微软雅黑" panose="020B0503020204020204" charset="-122"/>
-                <a:ea typeface="微软雅黑" panose="020B0503020204020204" charset="-122"/>
-                <a:cs typeface="微软雅黑" panose="020B0503020204020204" charset="-122"/>
-                <a:sym typeface="+mn-ea"/>
-              </a:rPr>
-              <a:t>；</a:t>
-            </a:r>
-            <a:endParaRPr lang="en-US" altLang="zh-CN" sz="2400" dirty="0" smtClean="0">
-              <a:latin typeface="微软雅黑" panose="020B0503020204020204" charset="-122"/>
-              <a:ea typeface="微软雅黑" panose="020B0503020204020204" charset="-122"/>
-              <a:cs typeface="微软雅黑" panose="020B0503020204020204" charset="-122"/>
-              <a:sym typeface="+mn-ea"/>
-            </a:endParaRPr>
-          </a:p>
-          <a:p>
-            <a:pPr indent="0" algn="l" fontAlgn="auto">
-              <a:lnSpc>
-                <a:spcPct val="100000"/>
-              </a:lnSpc>
-              <a:spcBef>
-                <a:spcPts val="0"/>
-              </a:spcBef>
-              <a:buFont typeface="Wingdings" pitchFamily="2" charset="2"/>
-              <a:buChar char="l"/>
-            </a:pPr>
-            <a:r>
-              <a:rPr lang="zh-CN" altLang="en-US" sz="2400" dirty="0" smtClean="0">
-                <a:latin typeface="微软雅黑" panose="020B0503020204020204" charset="-122"/>
-                <a:ea typeface="微软雅黑" panose="020B0503020204020204" charset="-122"/>
-                <a:cs typeface="微软雅黑" panose="020B0503020204020204" charset="-122"/>
-                <a:sym typeface="+mn-ea"/>
-              </a:rPr>
-              <a:t> </a:t>
-            </a:r>
-            <a:r>
-              <a:rPr lang="en-US" sz="2400" dirty="0" err="1" smtClean="0">
-                <a:latin typeface="微软雅黑" panose="020B0503020204020204" charset="-122"/>
-                <a:ea typeface="微软雅黑" panose="020B0503020204020204" charset="-122"/>
-                <a:cs typeface="微软雅黑" panose="020B0503020204020204" charset="-122"/>
-                <a:sym typeface="+mn-ea"/>
-              </a:rPr>
-              <a:t>对象适配器负责以下功能</a:t>
-            </a:r>
-            <a:r>
-              <a:rPr lang="en-US" sz="2400" dirty="0" smtClean="0">
-                <a:latin typeface="微软雅黑" panose="020B0503020204020204" charset="-122"/>
-                <a:ea typeface="微软雅黑" panose="020B0503020204020204" charset="-122"/>
-                <a:cs typeface="微软雅黑" panose="020B0503020204020204" charset="-122"/>
-                <a:sym typeface="+mn-ea"/>
-              </a:rPr>
-              <a:t>:</a:t>
-            </a:r>
-            <a:r>
-              <a:rPr lang="zh-CN" altLang="en-US" sz="2400" dirty="0" smtClean="0">
-                <a:latin typeface="微软雅黑" panose="020B0503020204020204" charset="-122"/>
-                <a:ea typeface="微软雅黑" panose="020B0503020204020204" charset="-122"/>
-                <a:cs typeface="微软雅黑" panose="020B0503020204020204" charset="-122"/>
-                <a:sym typeface="+mn-ea"/>
-              </a:rPr>
-              <a:t> </a:t>
-            </a:r>
-            <a:r>
-              <a:rPr lang="en-US" sz="2400" dirty="0" err="1" smtClean="0">
-                <a:latin typeface="微软雅黑" panose="020B0503020204020204" charset="-122"/>
-                <a:ea typeface="微软雅黑" panose="020B0503020204020204" charset="-122"/>
-                <a:cs typeface="微软雅黑" panose="020B0503020204020204" charset="-122"/>
-                <a:sym typeface="+mn-ea"/>
-              </a:rPr>
-              <a:t>对象引用的生成和解释</a:t>
-            </a:r>
-            <a:r>
-              <a:rPr lang="zh-CN" altLang="en-US" sz="2400" dirty="0" smtClean="0">
-                <a:latin typeface="微软雅黑" panose="020B0503020204020204" charset="-122"/>
-                <a:ea typeface="微软雅黑" panose="020B0503020204020204" charset="-122"/>
-                <a:cs typeface="微软雅黑" panose="020B0503020204020204" charset="-122"/>
-                <a:sym typeface="+mn-ea"/>
-              </a:rPr>
-              <a:t>、</a:t>
-            </a:r>
-            <a:r>
-              <a:rPr lang="en-US" sz="2400" dirty="0" err="1" smtClean="0">
-                <a:latin typeface="微软雅黑" panose="020B0503020204020204" charset="-122"/>
-                <a:ea typeface="微软雅黑" panose="020B0503020204020204" charset="-122"/>
-                <a:cs typeface="微软雅黑" panose="020B0503020204020204" charset="-122"/>
-                <a:sym typeface="+mn-ea"/>
-              </a:rPr>
-              <a:t>方法调用</a:t>
-            </a:r>
-            <a:r>
-              <a:rPr lang="zh-CN" altLang="en-US" sz="2400" dirty="0" smtClean="0">
-                <a:latin typeface="微软雅黑" panose="020B0503020204020204" charset="-122"/>
-                <a:ea typeface="微软雅黑" panose="020B0503020204020204" charset="-122"/>
-                <a:cs typeface="微软雅黑" panose="020B0503020204020204" charset="-122"/>
-                <a:sym typeface="+mn-ea"/>
-              </a:rPr>
-              <a:t>、</a:t>
-            </a:r>
-            <a:r>
-              <a:rPr lang="en-US" sz="2400" dirty="0" err="1" smtClean="0">
-                <a:latin typeface="微软雅黑" panose="020B0503020204020204" charset="-122"/>
-                <a:ea typeface="微软雅黑" panose="020B0503020204020204" charset="-122"/>
-                <a:cs typeface="微软雅黑" panose="020B0503020204020204" charset="-122"/>
-                <a:sym typeface="+mn-ea"/>
-              </a:rPr>
-              <a:t>安全的交互</a:t>
-            </a:r>
-            <a:r>
-              <a:rPr lang="zh-CN" altLang="en-US" sz="2400" dirty="0" smtClean="0">
-                <a:latin typeface="微软雅黑" panose="020B0503020204020204" charset="-122"/>
-                <a:ea typeface="微软雅黑" panose="020B0503020204020204" charset="-122"/>
-                <a:cs typeface="微软雅黑" panose="020B0503020204020204" charset="-122"/>
-                <a:sym typeface="+mn-ea"/>
-              </a:rPr>
-              <a:t>、</a:t>
-            </a:r>
-            <a:r>
-              <a:rPr lang="en-US" sz="2400" dirty="0" err="1" smtClean="0">
-                <a:latin typeface="微软雅黑" panose="020B0503020204020204" charset="-122"/>
-                <a:ea typeface="微软雅黑" panose="020B0503020204020204" charset="-122"/>
-                <a:cs typeface="微软雅黑" panose="020B0503020204020204" charset="-122"/>
-                <a:sym typeface="+mn-ea"/>
-              </a:rPr>
-              <a:t>对象和实现激活和取消激活</a:t>
-            </a:r>
-            <a:r>
-              <a:rPr lang="zh-CN" altLang="en-US" sz="2400" dirty="0" smtClean="0">
-                <a:latin typeface="微软雅黑" panose="020B0503020204020204" charset="-122"/>
-                <a:ea typeface="微软雅黑" panose="020B0503020204020204" charset="-122"/>
-                <a:cs typeface="微软雅黑" panose="020B0503020204020204" charset="-122"/>
-                <a:sym typeface="+mn-ea"/>
-              </a:rPr>
-              <a:t>、</a:t>
-            </a:r>
-            <a:r>
-              <a:rPr lang="en-US" sz="2400" dirty="0" err="1" smtClean="0">
-                <a:latin typeface="微软雅黑" panose="020B0503020204020204" charset="-122"/>
-                <a:ea typeface="微软雅黑" panose="020B0503020204020204" charset="-122"/>
-                <a:cs typeface="微软雅黑" panose="020B0503020204020204" charset="-122"/>
-                <a:sym typeface="+mn-ea"/>
-              </a:rPr>
-              <a:t>将对象引用映射到相应的对象实现</a:t>
-            </a:r>
-            <a:r>
-              <a:rPr lang="zh-CN" altLang="en-US" sz="2400" dirty="0" smtClean="0">
-                <a:latin typeface="微软雅黑" panose="020B0503020204020204" charset="-122"/>
-                <a:ea typeface="微软雅黑" panose="020B0503020204020204" charset="-122"/>
-                <a:cs typeface="微软雅黑" panose="020B0503020204020204" charset="-122"/>
-                <a:sym typeface="+mn-ea"/>
-              </a:rPr>
-              <a:t>、</a:t>
-            </a:r>
-            <a:r>
-              <a:rPr lang="en-US" sz="2400" dirty="0" err="1" smtClean="0">
-                <a:latin typeface="微软雅黑" panose="020B0503020204020204" charset="-122"/>
-                <a:ea typeface="微软雅黑" panose="020B0503020204020204" charset="-122"/>
-                <a:cs typeface="微软雅黑" panose="020B0503020204020204" charset="-122"/>
-                <a:sym typeface="+mn-ea"/>
-              </a:rPr>
-              <a:t>注册的实现</a:t>
-            </a:r>
-            <a:r>
-              <a:rPr lang="zh-CN" altLang="en-US" sz="2400" dirty="0" smtClean="0">
+              <a:t>，它是用什么编程语言实现的，或者没有反映在对象接口中的任何其他方面</a:t>
+            </a:r>
+            <a:r>
+              <a:rPr sz="2400" dirty="0">
                 <a:latin typeface="微软雅黑" panose="020B0503020204020204" charset="-122"/>
                 <a:ea typeface="微软雅黑" panose="020B0503020204020204" charset="-122"/>
                 <a:cs typeface="微软雅黑" panose="020B0503020204020204" charset="-122"/>
@@ -12650,18 +12416,12 @@
               </a:rPr>
               <a:t>。</a:t>
             </a:r>
-            <a:endParaRPr lang="en-US" sz="2400" dirty="0">
-              <a:latin typeface="微软雅黑" panose="020B0503020204020204" charset="-122"/>
-              <a:ea typeface="微软雅黑" panose="020B0503020204020204" charset="-122"/>
-              <a:cs typeface="微软雅黑" panose="020B0503020204020204" charset="-122"/>
-              <a:sym typeface="+mn-ea"/>
-            </a:endParaRPr>
           </a:p>
         </p:txBody>
       </p:sp>
       <p:pic>
         <p:nvPicPr>
-          <p:cNvPr id="10" name="图片 9"/>
+          <p:cNvPr id="13" name="图片 12"/>
           <p:cNvPicPr>
             <a:picLocks noChangeAspect="1"/>
           </p:cNvPicPr>
@@ -12675,14 +12435,117 @@
         </p:blipFill>
         <p:spPr>
           <a:xfrm>
-            <a:off x="1343726" y="2551710"/>
-            <a:ext cx="6518210" cy="2267940"/>
+            <a:off x="3238710" y="2294498"/>
+            <a:ext cx="5360398" cy="1999616"/>
           </a:xfrm>
           <a:prstGeom prst="rect">
             <a:avLst/>
           </a:prstGeom>
         </p:spPr>
       </p:pic>
+      <p:sp>
+        <p:nvSpPr>
+          <p:cNvPr id="14" name="矩形 13"/>
+          <p:cNvSpPr/>
+          <p:nvPr/>
+        </p:nvSpPr>
+        <p:spPr>
+          <a:xfrm>
+            <a:off x="671525" y="2286878"/>
+            <a:ext cx="2610674" cy="1895512"/>
+          </a:xfrm>
+          <a:prstGeom prst="rect">
+            <a:avLst/>
+          </a:prstGeom>
+        </p:spPr>
+        <p:txBody>
+          <a:bodyPr wrap="square" lIns="48381" tIns="24190" rIns="48381" bIns="24190">
+            <a:spAutoFit/>
+          </a:bodyPr>
+          <a:lstStyle/>
+          <a:p>
+            <a:pPr indent="0" fontAlgn="auto">
+              <a:lnSpc>
+                <a:spcPct val="100000"/>
+              </a:lnSpc>
+              <a:buFont typeface="Wingdings" panose="05000000000000000000" pitchFamily="2" charset="2"/>
+              <a:buNone/>
+            </a:pPr>
+            <a:r>
+              <a:rPr lang="en-US" altLang="zh-CN" sz="2400" dirty="0" err="1" smtClean="0">
+                <a:latin typeface="微软雅黑" panose="020B0503020204020204" charset="-122"/>
+                <a:ea typeface="微软雅黑" panose="020B0503020204020204" charset="-122"/>
+                <a:cs typeface="微软雅黑" panose="020B0503020204020204" charset="-122"/>
+                <a:sym typeface="+mn-ea"/>
+              </a:rPr>
+              <a:t>O</a:t>
+            </a:r>
+            <a:r>
+              <a:rPr sz="2400" dirty="0" err="1" smtClean="0">
+                <a:latin typeface="微软雅黑" panose="020B0503020204020204" charset="-122"/>
+                <a:ea typeface="微软雅黑" panose="020B0503020204020204" charset="-122"/>
+                <a:cs typeface="微软雅黑" panose="020B0503020204020204" charset="-122"/>
+                <a:sym typeface="+mn-ea"/>
+              </a:rPr>
+              <a:t>RB</a:t>
+            </a:r>
+            <a:r>
+              <a:rPr sz="2400" dirty="0" err="1">
+                <a:latin typeface="微软雅黑" panose="020B0503020204020204" charset="-122"/>
+                <a:ea typeface="微软雅黑" panose="020B0503020204020204" charset="-122"/>
+                <a:cs typeface="微软雅黑" panose="020B0503020204020204" charset="-122"/>
+                <a:sym typeface="+mn-ea"/>
+              </a:rPr>
+              <a:t>负责</a:t>
+            </a:r>
+            <a:r>
+              <a:rPr sz="2400" dirty="0">
+                <a:latin typeface="微软雅黑" panose="020B0503020204020204" charset="-122"/>
+                <a:ea typeface="微软雅黑" panose="020B0503020204020204" charset="-122"/>
+                <a:cs typeface="微软雅黑" panose="020B0503020204020204" charset="-122"/>
+                <a:sym typeface="+mn-ea"/>
+              </a:rPr>
+              <a:t>:</a:t>
+            </a:r>
+          </a:p>
+          <a:p>
+            <a:pPr indent="0" fontAlgn="auto">
+              <a:lnSpc>
+                <a:spcPct val="100000"/>
+              </a:lnSpc>
+              <a:buFont typeface="Wingdings" panose="05000000000000000000" pitchFamily="2" charset="2"/>
+              <a:buNone/>
+            </a:pPr>
+            <a:r>
+              <a:rPr sz="2400" dirty="0" err="1">
+                <a:latin typeface="微软雅黑" panose="020B0503020204020204" charset="-122"/>
+                <a:ea typeface="微软雅黑" panose="020B0503020204020204" charset="-122"/>
+                <a:cs typeface="微软雅黑" panose="020B0503020204020204" charset="-122"/>
+                <a:sym typeface="+mn-ea"/>
+              </a:rPr>
+              <a:t>查找请求的对象实现</a:t>
+            </a:r>
+            <a:r>
+              <a:rPr sz="2400" dirty="0" err="1" smtClean="0">
+                <a:latin typeface="微软雅黑" panose="020B0503020204020204" charset="-122"/>
+                <a:ea typeface="微软雅黑" panose="020B0503020204020204" charset="-122"/>
+                <a:cs typeface="微软雅黑" panose="020B0503020204020204" charset="-122"/>
+                <a:sym typeface="+mn-ea"/>
+              </a:rPr>
+              <a:t>，准备对象实现来接收请求，传递组成请求的数据</a:t>
+            </a:r>
+            <a:r>
+              <a:rPr sz="2400" dirty="0">
+                <a:latin typeface="微软雅黑" panose="020B0503020204020204" charset="-122"/>
+                <a:ea typeface="微软雅黑" panose="020B0503020204020204" charset="-122"/>
+                <a:cs typeface="微软雅黑" panose="020B0503020204020204" charset="-122"/>
+                <a:sym typeface="+mn-ea"/>
+              </a:rPr>
+              <a:t>。</a:t>
+            </a:r>
+          </a:p>
+        </p:txBody>
+      </p:sp>
     </p:spTree>
   </p:cSld>
   <p:clrMapOvr>
@@ -14031,8 +13894,8 @@
         </p:nvSpPr>
         <p:spPr>
           <a:xfrm>
-            <a:off x="671524" y="922898"/>
-            <a:ext cx="7799671" cy="1341514"/>
+            <a:off x="671524" y="663818"/>
+            <a:ext cx="7799671" cy="1895512"/>
           </a:xfrm>
           <a:prstGeom prst="rect">
             <a:avLst/>
@@ -14058,7 +13921,7 @@
                 <a:cs typeface="微软雅黑" panose="020B0503020204020204" charset="-122"/>
                 <a:sym typeface="+mn-ea"/>
               </a:rPr>
-              <a:t>公共对象服务(COS)</a:t>
+              <a:t>对象适配器</a:t>
             </a:r>
           </a:p>
           <a:p>
@@ -14069,10 +13932,55 @@
               <a:spcBef>
                 <a:spcPts val="0"/>
               </a:spcBef>
-              <a:buFont typeface="Arial" panose="020B0604020202020204" pitchFamily="34" charset="0"/>
-              <a:buNone/>
+              <a:buFont typeface="Wingdings" pitchFamily="2" charset="2"/>
+              <a:buChar char="l"/>
             </a:pPr>
-            <a:endParaRPr lang="en-US" sz="2000" dirty="0" smtClean="0">
+            <a:r>
+              <a:rPr lang="zh-CN" altLang="en-US" sz="2400" dirty="0" smtClean="0">
+                <a:latin typeface="微软雅黑" panose="020B0503020204020204" charset="-122"/>
+                <a:ea typeface="微软雅黑" panose="020B0503020204020204" charset="-122"/>
+                <a:cs typeface="微软雅黑" panose="020B0503020204020204" charset="-122"/>
+                <a:sym typeface="+mn-ea"/>
+              </a:rPr>
+              <a:t> </a:t>
+            </a:r>
+            <a:r>
+              <a:rPr sz="2400" dirty="0" err="1" smtClean="0">
+                <a:latin typeface="微软雅黑" panose="020B0503020204020204" charset="-122"/>
+                <a:ea typeface="微软雅黑" panose="020B0503020204020204" charset="-122"/>
+                <a:cs typeface="微软雅黑" panose="020B0503020204020204" charset="-122"/>
+                <a:sym typeface="+mn-ea"/>
+              </a:rPr>
+              <a:t>对象适配器是对象实现访问</a:t>
+            </a:r>
+            <a:r>
+              <a:rPr sz="2400" dirty="0" err="1">
+                <a:latin typeface="微软雅黑" panose="020B0503020204020204" charset="-122"/>
+                <a:ea typeface="微软雅黑" panose="020B0503020204020204" charset="-122"/>
+                <a:cs typeface="微软雅黑" panose="020B0503020204020204" charset="-122"/>
+                <a:sym typeface="+mn-ea"/>
+              </a:rPr>
+              <a:t>ORB</a:t>
+            </a:r>
+            <a:r>
+              <a:rPr sz="2400" dirty="0" err="1" smtClean="0">
+                <a:latin typeface="微软雅黑" panose="020B0503020204020204" charset="-122"/>
+                <a:ea typeface="微软雅黑" panose="020B0503020204020204" charset="-122"/>
+                <a:cs typeface="微软雅黑" panose="020B0503020204020204" charset="-122"/>
+                <a:sym typeface="+mn-ea"/>
+              </a:rPr>
+              <a:t>服务的主要方法</a:t>
+            </a:r>
+            <a:r>
+              <a:rPr lang="zh-CN" altLang="en-US" sz="2400" dirty="0" smtClean="0">
+                <a:latin typeface="微软雅黑" panose="020B0503020204020204" charset="-122"/>
+                <a:ea typeface="微软雅黑" panose="020B0503020204020204" charset="-122"/>
+                <a:cs typeface="微软雅黑" panose="020B0503020204020204" charset="-122"/>
+                <a:sym typeface="+mn-ea"/>
+              </a:rPr>
+              <a:t>；</a:t>
+            </a:r>
+            <a:endParaRPr lang="en-US" altLang="zh-CN" sz="2400" dirty="0" smtClean="0">
               <a:latin typeface="微软雅黑" panose="020B0503020204020204" charset="-122"/>
               <a:ea typeface="微软雅黑" panose="020B0503020204020204" charset="-122"/>
               <a:cs typeface="微软雅黑" panose="020B0503020204020204" charset="-122"/>
@@ -14087,147 +13995,11 @@
               <a:spcBef>
                 <a:spcPts val="0"/>
               </a:spcBef>
-              <a:buFont typeface="Arial" panose="020B0604020202020204" pitchFamily="34" charset="0"/>
-              <a:buNone/>
-            </a:pPr>
-            <a:r>
-              <a:rPr sz="2000" dirty="0" smtClean="0">
-                <a:latin typeface="微软雅黑" panose="020B0503020204020204" charset="-122"/>
-                <a:ea typeface="微软雅黑" panose="020B0503020204020204" charset="-122"/>
-                <a:cs typeface="微软雅黑" panose="020B0503020204020204" charset="-122"/>
-                <a:sym typeface="+mn-ea"/>
-              </a:rPr>
-              <a:t>目前最多有</a:t>
-            </a:r>
-            <a:r>
-              <a:rPr sz="2000" dirty="0">
-                <a:latin typeface="微软雅黑" panose="020B0503020204020204" charset="-122"/>
-                <a:ea typeface="微软雅黑" panose="020B0503020204020204" charset="-122"/>
-                <a:cs typeface="微软雅黑" panose="020B0503020204020204" charset="-122"/>
-                <a:sym typeface="+mn-ea"/>
-              </a:rPr>
-              <a:t>15个服务可以帮助</a:t>
-            </a:r>
-            <a:r>
-              <a:rPr sz="2000" dirty="0" smtClean="0">
-                <a:latin typeface="微软雅黑" panose="020B0503020204020204" charset="-122"/>
-                <a:ea typeface="微软雅黑" panose="020B0503020204020204" charset="-122"/>
-                <a:cs typeface="微软雅黑" panose="020B0503020204020204" charset="-122"/>
-                <a:sym typeface="+mn-ea"/>
-              </a:rPr>
-              <a:t>ORB</a:t>
-            </a:r>
-            <a:r>
-              <a:rPr lang="zh-CN" altLang="en-US" sz="2000" dirty="0" smtClean="0">
-                <a:latin typeface="微软雅黑" panose="020B0503020204020204" charset="-122"/>
-                <a:ea typeface="微软雅黑" panose="020B0503020204020204" charset="-122"/>
-                <a:cs typeface="微软雅黑" panose="020B0503020204020204" charset="-122"/>
-                <a:sym typeface="+mn-ea"/>
-              </a:rPr>
-              <a:t>，</a:t>
-            </a:r>
-            <a:r>
-              <a:rPr sz="2000" dirty="0" err="1" smtClean="0">
-                <a:latin typeface="微软雅黑" panose="020B0503020204020204" charset="-122"/>
-                <a:ea typeface="微软雅黑" panose="020B0503020204020204" charset="-122"/>
-                <a:cs typeface="微软雅黑" panose="020B0503020204020204" charset="-122"/>
-                <a:sym typeface="+mn-ea"/>
-              </a:rPr>
-              <a:t>它们定义在</a:t>
-            </a:r>
-            <a:r>
-              <a:rPr sz="2000" dirty="0" err="1">
-                <a:latin typeface="微软雅黑" panose="020B0503020204020204" charset="-122"/>
-                <a:ea typeface="微软雅黑" panose="020B0503020204020204" charset="-122"/>
-                <a:cs typeface="微软雅黑" panose="020B0503020204020204" charset="-122"/>
-                <a:sym typeface="+mn-ea"/>
-              </a:rPr>
-              <a:t>ORB之上，作为具有“IDL接口”的标准CORBA</a:t>
-            </a:r>
-            <a:r>
-              <a:rPr sz="2000" dirty="0" err="1" smtClean="0">
-                <a:latin typeface="微软雅黑" panose="020B0503020204020204" charset="-122"/>
-                <a:ea typeface="微软雅黑" panose="020B0503020204020204" charset="-122"/>
-                <a:cs typeface="微软雅黑" panose="020B0503020204020204" charset="-122"/>
-                <a:sym typeface="+mn-ea"/>
-              </a:rPr>
-              <a:t>对象</a:t>
-            </a:r>
-            <a:r>
-              <a:rPr lang="zh-CN" altLang="en-US" sz="2000" dirty="0" smtClean="0">
-                <a:latin typeface="微软雅黑" panose="020B0503020204020204" charset="-122"/>
-                <a:ea typeface="微软雅黑" panose="020B0503020204020204" charset="-122"/>
-                <a:cs typeface="微软雅黑" panose="020B0503020204020204" charset="-122"/>
-                <a:sym typeface="+mn-ea"/>
-              </a:rPr>
-              <a:t>。</a:t>
-            </a:r>
-            <a:endParaRPr sz="2000" dirty="0">
-              <a:latin typeface="微软雅黑" panose="020B0503020204020204" charset="-122"/>
-              <a:ea typeface="微软雅黑" panose="020B0503020204020204" charset="-122"/>
-              <a:cs typeface="微软雅黑" panose="020B0503020204020204" charset="-122"/>
-              <a:sym typeface="+mn-ea"/>
-            </a:endParaRPr>
-          </a:p>
-        </p:txBody>
-      </p:sp>
-      <p:sp>
-        <p:nvSpPr>
-          <p:cNvPr id="14" name="矩形 13"/>
-          <p:cNvSpPr/>
-          <p:nvPr/>
-        </p:nvSpPr>
-        <p:spPr>
-          <a:xfrm>
-            <a:off x="671524" y="2328869"/>
-            <a:ext cx="7900976" cy="2203288"/>
-          </a:xfrm>
-          <a:prstGeom prst="rect">
-            <a:avLst/>
-          </a:prstGeom>
-        </p:spPr>
-        <p:txBody>
-          <a:bodyPr wrap="square" lIns="48381" tIns="24190" rIns="48381" bIns="24190">
-            <a:spAutoFit/>
-          </a:bodyPr>
-          <a:lstStyle/>
-          <a:p>
-            <a:pPr indent="0" fontAlgn="auto">
-              <a:lnSpc>
-                <a:spcPct val="100000"/>
-              </a:lnSpc>
-              <a:buFont typeface="Wingdings" panose="05000000000000000000" pitchFamily="2" charset="2"/>
-              <a:buNone/>
-            </a:pPr>
-            <a:r>
-              <a:rPr sz="2000" dirty="0" err="1" smtClean="0">
-                <a:latin typeface="微软雅黑" panose="020B0503020204020204" charset="-122"/>
-                <a:ea typeface="微软雅黑" panose="020B0503020204020204" charset="-122"/>
-                <a:cs typeface="微软雅黑" panose="020B0503020204020204" charset="-122"/>
-                <a:sym typeface="+mn-ea"/>
-              </a:rPr>
-              <a:t>网站服务内容包括</a:t>
-            </a:r>
-            <a:r>
-              <a:rPr sz="2000" dirty="0">
-                <a:latin typeface="微软雅黑" panose="020B0503020204020204" charset="-122"/>
-                <a:ea typeface="微软雅黑" panose="020B0503020204020204" charset="-122"/>
-                <a:cs typeface="微软雅黑" panose="020B0503020204020204" charset="-122"/>
-                <a:sym typeface="+mn-ea"/>
-              </a:rPr>
-              <a:t>:</a:t>
-            </a:r>
-          </a:p>
-          <a:p>
-            <a:pPr indent="0" fontAlgn="auto">
-              <a:lnSpc>
-                <a:spcPct val="100000"/>
-              </a:lnSpc>
               <a:buFont typeface="Wingdings" pitchFamily="2" charset="2"/>
               <a:buChar char="l"/>
             </a:pPr>
             <a:r>
-              <a:rPr lang="zh-CN" altLang="en-US" sz="2000" dirty="0" smtClean="0">
+              <a:rPr lang="zh-CN" altLang="en-US" sz="2400" dirty="0" smtClean="0">
                 <a:latin typeface="微软雅黑" panose="020B0503020204020204" charset="-122"/>
                 <a:ea typeface="微软雅黑" panose="020B0503020204020204" charset="-122"/>
                 <a:cs typeface="微软雅黑" panose="020B0503020204020204" charset="-122"/>
@@ -14236,16 +14008,16 @@
               <a:t> </a:t>
             </a:r>
             <a:r>
-              <a:rPr sz="2000" dirty="0" err="1" smtClean="0">
-                <a:latin typeface="微软雅黑" panose="020B0503020204020204" charset="-122"/>
-                <a:ea typeface="微软雅黑" panose="020B0503020204020204" charset="-122"/>
-                <a:cs typeface="微软雅黑" panose="020B0503020204020204" charset="-122"/>
-                <a:sym typeface="+mn-ea"/>
-              </a:rPr>
-              <a:t>命名服务</a:t>
-            </a:r>
-            <a:r>
-              <a:rPr sz="2000" dirty="0" smtClean="0">
+              <a:rPr lang="en-US" sz="2400" dirty="0" err="1" smtClean="0">
+                <a:latin typeface="微软雅黑" panose="020B0503020204020204" charset="-122"/>
+                <a:ea typeface="微软雅黑" panose="020B0503020204020204" charset="-122"/>
+                <a:cs typeface="微软雅黑" panose="020B0503020204020204" charset="-122"/>
+                <a:sym typeface="+mn-ea"/>
+              </a:rPr>
+              <a:t>对象适配器负责以下功能</a:t>
+            </a:r>
+            <a:r>
+              <a:rPr lang="en-US" sz="2400" dirty="0" smtClean="0">
                 <a:latin typeface="微软雅黑" panose="020B0503020204020204" charset="-122"/>
                 <a:ea typeface="微软雅黑" panose="020B0503020204020204" charset="-122"/>
                 <a:cs typeface="微软雅黑" panose="020B0503020204020204" charset="-122"/>
@@ -14254,7 +14026,7 @@
               <a:t>:</a:t>
             </a:r>
             <a:r>
-              <a:rPr lang="zh-CN" altLang="en-US" sz="2000" dirty="0" smtClean="0">
+              <a:rPr lang="zh-CN" altLang="en-US" sz="2400" dirty="0" smtClean="0">
                 <a:latin typeface="微软雅黑" panose="020B0503020204020204" charset="-122"/>
                 <a:ea typeface="微软雅黑" panose="020B0503020204020204" charset="-122"/>
                 <a:cs typeface="微软雅黑" panose="020B0503020204020204" charset="-122"/>
@@ -14263,106 +14035,106 @@
               <a:t> </a:t>
             </a:r>
             <a:r>
-              <a:rPr sz="2000" dirty="0" err="1" smtClean="0">
-                <a:latin typeface="微软雅黑" panose="020B0503020204020204" charset="-122"/>
-                <a:ea typeface="微软雅黑" panose="020B0503020204020204" charset="-122"/>
-                <a:cs typeface="微软雅黑" panose="020B0503020204020204" charset="-122"/>
-                <a:sym typeface="+mn-ea"/>
-              </a:rPr>
-              <a:t>为</a:t>
-            </a:r>
-            <a:r>
-              <a:rPr sz="2000" dirty="0" err="1">
-                <a:latin typeface="微软雅黑" panose="020B0503020204020204" charset="-122"/>
-                <a:ea typeface="微软雅黑" panose="020B0503020204020204" charset="-122"/>
-                <a:cs typeface="微软雅黑" panose="020B0503020204020204" charset="-122"/>
-                <a:sym typeface="+mn-ea"/>
-              </a:rPr>
-              <a:t>CORBA客户机</a:t>
-            </a:r>
-            <a:r>
-              <a:rPr sz="2000" dirty="0">
-                <a:latin typeface="微软雅黑" panose="020B0503020204020204" charset="-122"/>
-                <a:ea typeface="微软雅黑" panose="020B0503020204020204" charset="-122"/>
-                <a:cs typeface="微软雅黑" panose="020B0503020204020204" charset="-122"/>
-                <a:sym typeface="+mn-ea"/>
-              </a:rPr>
-              <a:t>(和服务器)提供了一种查找网络上的对象的方法。</a:t>
-            </a:r>
-          </a:p>
-          <a:p>
-            <a:pPr indent="0" fontAlgn="auto">
-              <a:lnSpc>
-                <a:spcPct val="100000"/>
-              </a:lnSpc>
-              <a:buFont typeface="Wingdings" pitchFamily="2" charset="2"/>
-              <a:buChar char="l"/>
-            </a:pPr>
-            <a:r>
-              <a:rPr lang="zh-CN" altLang="en-US" sz="2000" dirty="0" smtClean="0">
-                <a:latin typeface="微软雅黑" panose="020B0503020204020204" charset="-122"/>
-                <a:ea typeface="微软雅黑" panose="020B0503020204020204" charset="-122"/>
-                <a:cs typeface="微软雅黑" panose="020B0503020204020204" charset="-122"/>
-                <a:sym typeface="+mn-ea"/>
-              </a:rPr>
-              <a:t> </a:t>
-            </a:r>
-            <a:r>
-              <a:rPr lang="zh-CN" sz="2000" dirty="0" smtClean="0">
-                <a:latin typeface="微软雅黑" panose="020B0503020204020204" charset="-122"/>
-                <a:ea typeface="微软雅黑" panose="020B0503020204020204" charset="-122"/>
-                <a:cs typeface="微软雅黑" panose="020B0503020204020204" charset="-122"/>
-                <a:sym typeface="+mn-ea"/>
-              </a:rPr>
-              <a:t>事件</a:t>
-            </a:r>
-            <a:r>
-              <a:rPr lang="zh-CN" sz="2000" dirty="0">
-                <a:latin typeface="微软雅黑" panose="020B0503020204020204" charset="-122"/>
-                <a:ea typeface="微软雅黑" panose="020B0503020204020204" charset="-122"/>
-                <a:cs typeface="微软雅黑" panose="020B0503020204020204" charset="-122"/>
-                <a:sym typeface="+mn-ea"/>
-              </a:rPr>
-              <a:t>服务</a:t>
-            </a:r>
-            <a:r>
-              <a:rPr sz="2000" dirty="0" smtClean="0">
-                <a:latin typeface="微软雅黑" panose="020B0503020204020204" charset="-122"/>
-                <a:ea typeface="微软雅黑" panose="020B0503020204020204" charset="-122"/>
-                <a:cs typeface="微软雅黑" panose="020B0503020204020204" charset="-122"/>
-                <a:sym typeface="+mn-ea"/>
-              </a:rPr>
-              <a:t>:</a:t>
-            </a:r>
-            <a:r>
-              <a:rPr lang="zh-CN" altLang="en-US" sz="2000" dirty="0" smtClean="0">
-                <a:latin typeface="微软雅黑" panose="020B0503020204020204" charset="-122"/>
-                <a:ea typeface="微软雅黑" panose="020B0503020204020204" charset="-122"/>
-                <a:cs typeface="微软雅黑" panose="020B0503020204020204" charset="-122"/>
-                <a:sym typeface="+mn-ea"/>
-              </a:rPr>
-              <a:t> </a:t>
-            </a:r>
-            <a:r>
-              <a:rPr sz="2000" dirty="0" err="1" smtClean="0">
-                <a:latin typeface="微软雅黑" panose="020B0503020204020204" charset="-122"/>
-                <a:ea typeface="微软雅黑" panose="020B0503020204020204" charset="-122"/>
-                <a:cs typeface="微软雅黑" panose="020B0503020204020204" charset="-122"/>
-                <a:sym typeface="+mn-ea"/>
-              </a:rPr>
-              <a:t>存储和交付客户端或服务器发送的</a:t>
-            </a:r>
-            <a:r>
-              <a:rPr lang="zh-CN" altLang="en-US" sz="2000" dirty="0" smtClean="0">
-                <a:latin typeface="微软雅黑" panose="020B0503020204020204" charset="-122"/>
-                <a:ea typeface="微软雅黑" panose="020B0503020204020204" charset="-122"/>
-                <a:cs typeface="微软雅黑" panose="020B0503020204020204" charset="-122"/>
-                <a:sym typeface="+mn-ea"/>
-              </a:rPr>
-              <a:t>事件</a:t>
-            </a:r>
-            <a:r>
-              <a:rPr sz="2000" dirty="0" smtClean="0">
+              <a:rPr lang="en-US" sz="2400" dirty="0" err="1" smtClean="0">
+                <a:latin typeface="微软雅黑" panose="020B0503020204020204" charset="-122"/>
+                <a:ea typeface="微软雅黑" panose="020B0503020204020204" charset="-122"/>
+                <a:cs typeface="微软雅黑" panose="020B0503020204020204" charset="-122"/>
+                <a:sym typeface="+mn-ea"/>
+              </a:rPr>
+              <a:t>对象引用的生成和解释</a:t>
+            </a:r>
+            <a:r>
+              <a:rPr lang="zh-CN" altLang="en-US" sz="2400" dirty="0" smtClean="0">
+                <a:latin typeface="微软雅黑" panose="020B0503020204020204" charset="-122"/>
+                <a:ea typeface="微软雅黑" panose="020B0503020204020204" charset="-122"/>
+                <a:cs typeface="微软雅黑" panose="020B0503020204020204" charset="-122"/>
+                <a:sym typeface="+mn-ea"/>
+              </a:rPr>
+              <a:t>、</a:t>
+            </a:r>
+            <a:r>
+              <a:rPr lang="en-US" sz="2400" dirty="0" err="1" smtClean="0">
+                <a:latin typeface="微软雅黑" panose="020B0503020204020204" charset="-122"/>
+                <a:ea typeface="微软雅黑" panose="020B0503020204020204" charset="-122"/>
+                <a:cs typeface="微软雅黑" panose="020B0503020204020204" charset="-122"/>
+                <a:sym typeface="+mn-ea"/>
+              </a:rPr>
+              <a:t>方法调用</a:t>
+            </a:r>
+            <a:r>
+              <a:rPr lang="zh-CN" altLang="en-US" sz="2400" dirty="0" smtClean="0">
+                <a:latin typeface="微软雅黑" panose="020B0503020204020204" charset="-122"/>
+                <a:ea typeface="微软雅黑" panose="020B0503020204020204" charset="-122"/>
+                <a:cs typeface="微软雅黑" panose="020B0503020204020204" charset="-122"/>
+                <a:sym typeface="+mn-ea"/>
+              </a:rPr>
+              <a:t>、</a:t>
+            </a:r>
+            <a:r>
+              <a:rPr lang="en-US" sz="2400" dirty="0" err="1" smtClean="0">
+                <a:latin typeface="微软雅黑" panose="020B0503020204020204" charset="-122"/>
+                <a:ea typeface="微软雅黑" panose="020B0503020204020204" charset="-122"/>
+                <a:cs typeface="微软雅黑" panose="020B0503020204020204" charset="-122"/>
+                <a:sym typeface="+mn-ea"/>
+              </a:rPr>
+              <a:t>安全的交互</a:t>
+            </a:r>
+            <a:r>
+              <a:rPr lang="zh-CN" altLang="en-US" sz="2400" dirty="0" smtClean="0">
+                <a:latin typeface="微软雅黑" panose="020B0503020204020204" charset="-122"/>
+                <a:ea typeface="微软雅黑" panose="020B0503020204020204" charset="-122"/>
+                <a:cs typeface="微软雅黑" panose="020B0503020204020204" charset="-122"/>
+                <a:sym typeface="+mn-ea"/>
+              </a:rPr>
+              <a:t>、</a:t>
+            </a:r>
+            <a:r>
+              <a:rPr lang="en-US" sz="2400" dirty="0" err="1" smtClean="0">
+                <a:latin typeface="微软雅黑" panose="020B0503020204020204" charset="-122"/>
+                <a:ea typeface="微软雅黑" panose="020B0503020204020204" charset="-122"/>
+                <a:cs typeface="微软雅黑" panose="020B0503020204020204" charset="-122"/>
+                <a:sym typeface="+mn-ea"/>
+              </a:rPr>
+              <a:t>对象和实现激活和取消激活</a:t>
+            </a:r>
+            <a:r>
+              <a:rPr lang="zh-CN" altLang="en-US" sz="2400" dirty="0" smtClean="0">
+                <a:latin typeface="微软雅黑" panose="020B0503020204020204" charset="-122"/>
+                <a:ea typeface="微软雅黑" panose="020B0503020204020204" charset="-122"/>
+                <a:cs typeface="微软雅黑" panose="020B0503020204020204" charset="-122"/>
+                <a:sym typeface="+mn-ea"/>
+              </a:rPr>
+              <a:t>、</a:t>
+            </a:r>
+            <a:r>
+              <a:rPr lang="en-US" sz="2400" dirty="0" err="1" smtClean="0">
+                <a:latin typeface="微软雅黑" panose="020B0503020204020204" charset="-122"/>
+                <a:ea typeface="微软雅黑" panose="020B0503020204020204" charset="-122"/>
+                <a:cs typeface="微软雅黑" panose="020B0503020204020204" charset="-122"/>
+                <a:sym typeface="+mn-ea"/>
+              </a:rPr>
+              <a:t>将对象引用映射到相应的对象实现</a:t>
+            </a:r>
+            <a:r>
+              <a:rPr lang="zh-CN" altLang="en-US" sz="2400" dirty="0" smtClean="0">
+                <a:latin typeface="微软雅黑" panose="020B0503020204020204" charset="-122"/>
+                <a:ea typeface="微软雅黑" panose="020B0503020204020204" charset="-122"/>
+                <a:cs typeface="微软雅黑" panose="020B0503020204020204" charset="-122"/>
+                <a:sym typeface="+mn-ea"/>
+              </a:rPr>
+              <a:t>、</a:t>
+            </a:r>
+            <a:r>
+              <a:rPr lang="en-US" sz="2400" dirty="0" err="1" smtClean="0">
+                <a:latin typeface="微软雅黑" panose="020B0503020204020204" charset="-122"/>
+                <a:ea typeface="微软雅黑" panose="020B0503020204020204" charset="-122"/>
+                <a:cs typeface="微软雅黑" panose="020B0503020204020204" charset="-122"/>
+                <a:sym typeface="+mn-ea"/>
+              </a:rPr>
+              <a:t>注册的实现</a:t>
+            </a:r>
+            <a:r>
+              <a:rPr lang="zh-CN" altLang="en-US" sz="2400" dirty="0" smtClean="0">
                 <a:latin typeface="微软雅黑" panose="020B0503020204020204" charset="-122"/>
                 <a:ea typeface="微软雅黑" panose="020B0503020204020204" charset="-122"/>
                 <a:cs typeface="微软雅黑" panose="020B0503020204020204" charset="-122"/>
@@ -14370,150 +14142,39 @@
               </a:rPr>
               <a:t>。</a:t>
             </a:r>
-            <a:endParaRPr sz="2000" dirty="0">
+            <a:endParaRPr lang="en-US" sz="2400" dirty="0">
               <a:latin typeface="微软雅黑" panose="020B0503020204020204" charset="-122"/>
               <a:ea typeface="微软雅黑" panose="020B0503020204020204" charset="-122"/>
               <a:cs typeface="微软雅黑" panose="020B0503020204020204" charset="-122"/>
               <a:sym typeface="+mn-ea"/>
             </a:endParaRPr>
           </a:p>
-          <a:p>
-            <a:pPr indent="0" fontAlgn="auto">
-              <a:lnSpc>
-                <a:spcPct val="100000"/>
-              </a:lnSpc>
-              <a:buFont typeface="Wingdings" pitchFamily="2" charset="2"/>
-              <a:buChar char="l"/>
-            </a:pPr>
-            <a:r>
-              <a:rPr lang="zh-CN" altLang="en-US" sz="2000" dirty="0" smtClean="0">
-                <a:latin typeface="微软雅黑" panose="020B0503020204020204" charset="-122"/>
-                <a:ea typeface="微软雅黑" panose="020B0503020204020204" charset="-122"/>
-                <a:cs typeface="微软雅黑" panose="020B0503020204020204" charset="-122"/>
-                <a:sym typeface="+mn-ea"/>
-              </a:rPr>
-              <a:t> </a:t>
-            </a:r>
-            <a:r>
-              <a:rPr lang="zh-CN" sz="2000" dirty="0" smtClean="0">
-                <a:latin typeface="微软雅黑" panose="020B0503020204020204" charset="-122"/>
-                <a:ea typeface="微软雅黑" panose="020B0503020204020204" charset="-122"/>
-                <a:cs typeface="微软雅黑" panose="020B0503020204020204" charset="-122"/>
-                <a:sym typeface="+mn-ea"/>
-              </a:rPr>
-              <a:t>安全</a:t>
-            </a:r>
-            <a:r>
-              <a:rPr lang="zh-CN" sz="2000" dirty="0">
-                <a:latin typeface="微软雅黑" panose="020B0503020204020204" charset="-122"/>
-                <a:ea typeface="微软雅黑" panose="020B0503020204020204" charset="-122"/>
-                <a:cs typeface="微软雅黑" panose="020B0503020204020204" charset="-122"/>
-                <a:sym typeface="+mn-ea"/>
-              </a:rPr>
-              <a:t>服务</a:t>
-            </a:r>
-            <a:r>
-              <a:rPr lang="zh-CN" sz="2000" dirty="0" smtClean="0">
-                <a:latin typeface="微软雅黑" panose="020B0503020204020204" charset="-122"/>
-                <a:ea typeface="微软雅黑" panose="020B0503020204020204" charset="-122"/>
-                <a:cs typeface="微软雅黑" panose="020B0503020204020204" charset="-122"/>
-                <a:sym typeface="+mn-ea"/>
-              </a:rPr>
-              <a:t>:</a:t>
-            </a:r>
-            <a:r>
-              <a:rPr lang="zh-CN" altLang="en-US" sz="2000" dirty="0" smtClean="0">
-                <a:latin typeface="微软雅黑" panose="020B0503020204020204" charset="-122"/>
-                <a:ea typeface="微软雅黑" panose="020B0503020204020204" charset="-122"/>
-                <a:cs typeface="微软雅黑" panose="020B0503020204020204" charset="-122"/>
-                <a:sym typeface="+mn-ea"/>
-              </a:rPr>
-              <a:t> </a:t>
-            </a:r>
-            <a:r>
-              <a:rPr lang="zh-CN" sz="2000" dirty="0" smtClean="0">
-                <a:latin typeface="微软雅黑" panose="020B0503020204020204" charset="-122"/>
-                <a:ea typeface="微软雅黑" panose="020B0503020204020204" charset="-122"/>
-                <a:cs typeface="微软雅黑" panose="020B0503020204020204" charset="-122"/>
-                <a:sym typeface="+mn-ea"/>
-              </a:rPr>
-              <a:t>提供</a:t>
-            </a:r>
-            <a:r>
-              <a:rPr lang="zh-CN" sz="2000" dirty="0">
-                <a:latin typeface="微软雅黑" panose="020B0503020204020204" charset="-122"/>
-                <a:ea typeface="微软雅黑" panose="020B0503020204020204" charset="-122"/>
-                <a:cs typeface="微软雅黑" panose="020B0503020204020204" charset="-122"/>
-                <a:sym typeface="+mn-ea"/>
-              </a:rPr>
-              <a:t>对消息进行身份验证、授权对象的访问和提供安全通信的方法。</a:t>
-            </a:r>
-          </a:p>
-          <a:p>
-            <a:pPr indent="0" fontAlgn="auto">
-              <a:lnSpc>
-                <a:spcPct val="100000"/>
-              </a:lnSpc>
-              <a:buFont typeface="Wingdings" pitchFamily="2" charset="2"/>
-              <a:buChar char="l"/>
-            </a:pPr>
-            <a:r>
-              <a:rPr lang="zh-CN" altLang="en-US" sz="2000" dirty="0" smtClean="0">
-                <a:latin typeface="微软雅黑" panose="020B0503020204020204" charset="-122"/>
-                <a:ea typeface="微软雅黑" panose="020B0503020204020204" charset="-122"/>
-                <a:cs typeface="微软雅黑" panose="020B0503020204020204" charset="-122"/>
-                <a:sym typeface="+mn-ea"/>
-              </a:rPr>
-              <a:t> </a:t>
-            </a:r>
-            <a:r>
-              <a:rPr lang="zh-CN" sz="2000" dirty="0" smtClean="0">
-                <a:latin typeface="微软雅黑" panose="020B0503020204020204" charset="-122"/>
-                <a:ea typeface="微软雅黑" panose="020B0503020204020204" charset="-122"/>
-                <a:cs typeface="微软雅黑" panose="020B0503020204020204" charset="-122"/>
-                <a:sym typeface="+mn-ea"/>
-              </a:rPr>
-              <a:t>事务服务</a:t>
-            </a:r>
-            <a:r>
-              <a:rPr lang="zh-CN" altLang="zh-CN" sz="2000" dirty="0" smtClean="0">
-                <a:latin typeface="微软雅黑" panose="020B0503020204020204" charset="-122"/>
-                <a:ea typeface="微软雅黑" panose="020B0503020204020204" charset="-122"/>
-                <a:cs typeface="微软雅黑" panose="020B0503020204020204" charset="-122"/>
-                <a:sym typeface="+mn-ea"/>
-              </a:rPr>
-              <a:t>:</a:t>
-            </a:r>
-            <a:r>
-              <a:rPr lang="zh-CN" altLang="en-US" sz="2000" dirty="0" smtClean="0">
-                <a:latin typeface="微软雅黑" panose="020B0503020204020204" charset="-122"/>
-                <a:ea typeface="微软雅黑" panose="020B0503020204020204" charset="-122"/>
-                <a:cs typeface="微软雅黑" panose="020B0503020204020204" charset="-122"/>
-                <a:sym typeface="+mn-ea"/>
-              </a:rPr>
-              <a:t> </a:t>
-            </a:r>
-            <a:r>
-              <a:rPr lang="zh-CN" sz="2000" dirty="0" smtClean="0">
-                <a:latin typeface="微软雅黑" panose="020B0503020204020204" charset="-122"/>
-                <a:ea typeface="微软雅黑" panose="020B0503020204020204" charset="-122"/>
-                <a:cs typeface="微软雅黑" panose="020B0503020204020204" charset="-122"/>
-                <a:sym typeface="+mn-ea"/>
-              </a:rPr>
-              <a:t>定义</a:t>
-            </a:r>
-            <a:r>
-              <a:rPr lang="zh-CN" sz="2000" dirty="0">
-                <a:latin typeface="微软雅黑" panose="020B0503020204020204" charset="-122"/>
-                <a:ea typeface="微软雅黑" panose="020B0503020204020204" charset="-122"/>
-                <a:cs typeface="微软雅黑" panose="020B0503020204020204" charset="-122"/>
-                <a:sym typeface="+mn-ea"/>
-              </a:rPr>
-              <a:t>控制针对数据库或其他子系统的操作方法。</a:t>
-            </a:r>
-          </a:p>
-        </p:txBody>
-      </p:sp>
+        </p:txBody>
+      </p:sp>
+      <p:pic>
+        <p:nvPicPr>
+          <p:cNvPr id="10" name="图片 9"/>
+          <p:cNvPicPr>
+            <a:picLocks noChangeAspect="1"/>
+          </p:cNvPicPr>
+          <p:nvPr/>
+        </p:nvPicPr>
+        <p:blipFill>
+          <a:blip r:embed="rId2"/>
+          <a:stretch>
+            <a:fillRect/>
+          </a:stretch>
+        </p:blipFill>
+        <p:spPr>
+          <a:xfrm>
+            <a:off x="1343726" y="2551710"/>
+            <a:ext cx="6518210" cy="2267940"/>
+          </a:xfrm>
+          <a:prstGeom prst="rect">
+            <a:avLst/>
+          </a:prstGeom>
+        </p:spPr>
+      </p:pic>
     </p:spTree>
   </p:cSld>
   <p:clrMapOvr>
@@ -15141,6 +14802,1116 @@
         </p:nvSpPr>
         <p:spPr>
           <a:xfrm>
+            <a:off x="671524" y="922898"/>
+            <a:ext cx="7799671" cy="1341514"/>
+          </a:xfrm>
+          <a:prstGeom prst="rect">
+            <a:avLst/>
+          </a:prstGeom>
+        </p:spPr>
+        <p:txBody>
+          <a:bodyPr wrap="square" lIns="48381" tIns="24190" rIns="48381" bIns="24190">
+            <a:spAutoFit/>
+          </a:bodyPr>
+          <a:lstStyle/>
+          <a:p>
+            <a:pPr indent="0" fontAlgn="auto">
+              <a:lnSpc>
+                <a:spcPct val="100000"/>
+              </a:lnSpc>
+              <a:buFont typeface="Wingdings" panose="05000000000000000000" pitchFamily="2" charset="2"/>
+              <a:buNone/>
+            </a:pPr>
+            <a:r>
+              <a:rPr lang="zh-CN" altLang="en-GB" sz="2400" dirty="0">
+                <a:latin typeface="微软雅黑" panose="020B0503020204020204" charset="-122"/>
+                <a:ea typeface="微软雅黑" panose="020B0503020204020204" charset="-122"/>
+                <a:cs typeface="微软雅黑" panose="020B0503020204020204" charset="-122"/>
+                <a:sym typeface="+mn-ea"/>
+              </a:rPr>
+              <a:t>公共对象服务(COS)</a:t>
+            </a:r>
+          </a:p>
+          <a:p>
+            <a:pPr indent="0" algn="l" fontAlgn="auto">
+              <a:lnSpc>
+                <a:spcPct val="100000"/>
+              </a:lnSpc>
+              <a:spcBef>
+                <a:spcPts val="0"/>
+              </a:spcBef>
+              <a:buFont typeface="Arial" panose="020B0604020202020204" pitchFamily="34" charset="0"/>
+              <a:buNone/>
+            </a:pPr>
+            <a:endParaRPr lang="en-US" sz="2000" dirty="0" smtClean="0">
+              <a:latin typeface="微软雅黑" panose="020B0503020204020204" charset="-122"/>
+              <a:ea typeface="微软雅黑" panose="020B0503020204020204" charset="-122"/>
+              <a:cs typeface="微软雅黑" panose="020B0503020204020204" charset="-122"/>
+              <a:sym typeface="+mn-ea"/>
+            </a:endParaRPr>
+          </a:p>
+          <a:p>
+            <a:pPr indent="0" algn="l" fontAlgn="auto">
+              <a:lnSpc>
+                <a:spcPct val="100000"/>
+              </a:lnSpc>
+              <a:spcBef>
+                <a:spcPts val="0"/>
+              </a:spcBef>
+              <a:buFont typeface="Arial" panose="020B0604020202020204" pitchFamily="34" charset="0"/>
+              <a:buNone/>
+            </a:pPr>
+            <a:r>
+              <a:rPr sz="2000" dirty="0" smtClean="0">
+                <a:latin typeface="微软雅黑" panose="020B0503020204020204" charset="-122"/>
+                <a:ea typeface="微软雅黑" panose="020B0503020204020204" charset="-122"/>
+                <a:cs typeface="微软雅黑" panose="020B0503020204020204" charset="-122"/>
+                <a:sym typeface="+mn-ea"/>
+              </a:rPr>
+              <a:t>目前最多有</a:t>
+            </a:r>
+            <a:r>
+              <a:rPr sz="2000" dirty="0">
+                <a:latin typeface="微软雅黑" panose="020B0503020204020204" charset="-122"/>
+                <a:ea typeface="微软雅黑" panose="020B0503020204020204" charset="-122"/>
+                <a:cs typeface="微软雅黑" panose="020B0503020204020204" charset="-122"/>
+                <a:sym typeface="+mn-ea"/>
+              </a:rPr>
+              <a:t>15个服务可以帮助</a:t>
+            </a:r>
+            <a:r>
+              <a:rPr sz="2000" dirty="0" smtClean="0">
+                <a:latin typeface="微软雅黑" panose="020B0503020204020204" charset="-122"/>
+                <a:ea typeface="微软雅黑" panose="020B0503020204020204" charset="-122"/>
+                <a:cs typeface="微软雅黑" panose="020B0503020204020204" charset="-122"/>
+                <a:sym typeface="+mn-ea"/>
+              </a:rPr>
+              <a:t>ORB</a:t>
+            </a:r>
+            <a:r>
+              <a:rPr lang="zh-CN" altLang="en-US" sz="2000" dirty="0" smtClean="0">
+                <a:latin typeface="微软雅黑" panose="020B0503020204020204" charset="-122"/>
+                <a:ea typeface="微软雅黑" panose="020B0503020204020204" charset="-122"/>
+                <a:cs typeface="微软雅黑" panose="020B0503020204020204" charset="-122"/>
+                <a:sym typeface="+mn-ea"/>
+              </a:rPr>
+              <a:t>，</a:t>
+            </a:r>
+            <a:r>
+              <a:rPr sz="2000" dirty="0" err="1" smtClean="0">
+                <a:latin typeface="微软雅黑" panose="020B0503020204020204" charset="-122"/>
+                <a:ea typeface="微软雅黑" panose="020B0503020204020204" charset="-122"/>
+                <a:cs typeface="微软雅黑" panose="020B0503020204020204" charset="-122"/>
+                <a:sym typeface="+mn-ea"/>
+              </a:rPr>
+              <a:t>它们定义在</a:t>
+            </a:r>
+            <a:r>
+              <a:rPr sz="2000" dirty="0" err="1">
+                <a:latin typeface="微软雅黑" panose="020B0503020204020204" charset="-122"/>
+                <a:ea typeface="微软雅黑" panose="020B0503020204020204" charset="-122"/>
+                <a:cs typeface="微软雅黑" panose="020B0503020204020204" charset="-122"/>
+                <a:sym typeface="+mn-ea"/>
+              </a:rPr>
+              <a:t>ORB之上，作为具有“IDL接口”的标准CORBA</a:t>
+            </a:r>
+            <a:r>
+              <a:rPr sz="2000" dirty="0" err="1" smtClean="0">
+                <a:latin typeface="微软雅黑" panose="020B0503020204020204" charset="-122"/>
+                <a:ea typeface="微软雅黑" panose="020B0503020204020204" charset="-122"/>
+                <a:cs typeface="微软雅黑" panose="020B0503020204020204" charset="-122"/>
+                <a:sym typeface="+mn-ea"/>
+              </a:rPr>
+              <a:t>对象</a:t>
+            </a:r>
+            <a:r>
+              <a:rPr lang="zh-CN" altLang="en-US" sz="2000" dirty="0" smtClean="0">
+                <a:latin typeface="微软雅黑" panose="020B0503020204020204" charset="-122"/>
+                <a:ea typeface="微软雅黑" panose="020B0503020204020204" charset="-122"/>
+                <a:cs typeface="微软雅黑" panose="020B0503020204020204" charset="-122"/>
+                <a:sym typeface="+mn-ea"/>
+              </a:rPr>
+              <a:t>。</a:t>
+            </a:r>
+            <a:endParaRPr sz="2000" dirty="0">
+              <a:latin typeface="微软雅黑" panose="020B0503020204020204" charset="-122"/>
+              <a:ea typeface="微软雅黑" panose="020B0503020204020204" charset="-122"/>
+              <a:cs typeface="微软雅黑" panose="020B0503020204020204" charset="-122"/>
+              <a:sym typeface="+mn-ea"/>
+            </a:endParaRPr>
+          </a:p>
+        </p:txBody>
+      </p:sp>
+      <p:sp>
+        <p:nvSpPr>
+          <p:cNvPr id="14" name="矩形 13"/>
+          <p:cNvSpPr/>
+          <p:nvPr/>
+        </p:nvSpPr>
+        <p:spPr>
+          <a:xfrm>
+            <a:off x="671524" y="2328869"/>
+            <a:ext cx="7900976" cy="2203288"/>
+          </a:xfrm>
+          <a:prstGeom prst="rect">
+            <a:avLst/>
+          </a:prstGeom>
+        </p:spPr>
+        <p:txBody>
+          <a:bodyPr wrap="square" lIns="48381" tIns="24190" rIns="48381" bIns="24190">
+            <a:spAutoFit/>
+          </a:bodyPr>
+          <a:lstStyle/>
+          <a:p>
+            <a:pPr indent="0" fontAlgn="auto">
+              <a:lnSpc>
+                <a:spcPct val="100000"/>
+              </a:lnSpc>
+              <a:buFont typeface="Wingdings" panose="05000000000000000000" pitchFamily="2" charset="2"/>
+              <a:buNone/>
+            </a:pPr>
+            <a:r>
+              <a:rPr sz="2000" dirty="0" err="1" smtClean="0">
+                <a:latin typeface="微软雅黑" panose="020B0503020204020204" charset="-122"/>
+                <a:ea typeface="微软雅黑" panose="020B0503020204020204" charset="-122"/>
+                <a:cs typeface="微软雅黑" panose="020B0503020204020204" charset="-122"/>
+                <a:sym typeface="+mn-ea"/>
+              </a:rPr>
+              <a:t>网站服务内容包括</a:t>
+            </a:r>
+            <a:r>
+              <a:rPr sz="2000" dirty="0">
+                <a:latin typeface="微软雅黑" panose="020B0503020204020204" charset="-122"/>
+                <a:ea typeface="微软雅黑" panose="020B0503020204020204" charset="-122"/>
+                <a:cs typeface="微软雅黑" panose="020B0503020204020204" charset="-122"/>
+                <a:sym typeface="+mn-ea"/>
+              </a:rPr>
+              <a:t>:</a:t>
+            </a:r>
+          </a:p>
+          <a:p>
+            <a:pPr indent="0" fontAlgn="auto">
+              <a:lnSpc>
+                <a:spcPct val="100000"/>
+              </a:lnSpc>
+              <a:buFont typeface="Wingdings" pitchFamily="2" charset="2"/>
+              <a:buChar char="l"/>
+            </a:pPr>
+            <a:r>
+              <a:rPr lang="zh-CN" altLang="en-US" sz="2000" dirty="0" smtClean="0">
+                <a:latin typeface="微软雅黑" panose="020B0503020204020204" charset="-122"/>
+                <a:ea typeface="微软雅黑" panose="020B0503020204020204" charset="-122"/>
+                <a:cs typeface="微软雅黑" panose="020B0503020204020204" charset="-122"/>
+                <a:sym typeface="+mn-ea"/>
+              </a:rPr>
+              <a:t> </a:t>
+            </a:r>
+            <a:r>
+              <a:rPr sz="2000" dirty="0" err="1" smtClean="0">
+                <a:latin typeface="微软雅黑" panose="020B0503020204020204" charset="-122"/>
+                <a:ea typeface="微软雅黑" panose="020B0503020204020204" charset="-122"/>
+                <a:cs typeface="微软雅黑" panose="020B0503020204020204" charset="-122"/>
+                <a:sym typeface="+mn-ea"/>
+              </a:rPr>
+              <a:t>命名服务</a:t>
+            </a:r>
+            <a:r>
+              <a:rPr sz="2000" dirty="0" smtClean="0">
+                <a:latin typeface="微软雅黑" panose="020B0503020204020204" charset="-122"/>
+                <a:ea typeface="微软雅黑" panose="020B0503020204020204" charset="-122"/>
+                <a:cs typeface="微软雅黑" panose="020B0503020204020204" charset="-122"/>
+                <a:sym typeface="+mn-ea"/>
+              </a:rPr>
+              <a:t>:</a:t>
+            </a:r>
+            <a:r>
+              <a:rPr lang="zh-CN" altLang="en-US" sz="2000" dirty="0" smtClean="0">
+                <a:latin typeface="微软雅黑" panose="020B0503020204020204" charset="-122"/>
+                <a:ea typeface="微软雅黑" panose="020B0503020204020204" charset="-122"/>
+                <a:cs typeface="微软雅黑" panose="020B0503020204020204" charset="-122"/>
+                <a:sym typeface="+mn-ea"/>
+              </a:rPr>
+              <a:t> </a:t>
+            </a:r>
+            <a:r>
+              <a:rPr sz="2000" dirty="0" err="1" smtClean="0">
+                <a:latin typeface="微软雅黑" panose="020B0503020204020204" charset="-122"/>
+                <a:ea typeface="微软雅黑" panose="020B0503020204020204" charset="-122"/>
+                <a:cs typeface="微软雅黑" panose="020B0503020204020204" charset="-122"/>
+                <a:sym typeface="+mn-ea"/>
+              </a:rPr>
+              <a:t>为</a:t>
+            </a:r>
+            <a:r>
+              <a:rPr sz="2000" dirty="0" err="1">
+                <a:latin typeface="微软雅黑" panose="020B0503020204020204" charset="-122"/>
+                <a:ea typeface="微软雅黑" panose="020B0503020204020204" charset="-122"/>
+                <a:cs typeface="微软雅黑" panose="020B0503020204020204" charset="-122"/>
+                <a:sym typeface="+mn-ea"/>
+              </a:rPr>
+              <a:t>CORBA客户机</a:t>
+            </a:r>
+            <a:r>
+              <a:rPr sz="2000" dirty="0">
+                <a:latin typeface="微软雅黑" panose="020B0503020204020204" charset="-122"/>
+                <a:ea typeface="微软雅黑" panose="020B0503020204020204" charset="-122"/>
+                <a:cs typeface="微软雅黑" panose="020B0503020204020204" charset="-122"/>
+                <a:sym typeface="+mn-ea"/>
+              </a:rPr>
+              <a:t>(和服务器)提供了一种查找网络上的对象的方法。</a:t>
+            </a:r>
+          </a:p>
+          <a:p>
+            <a:pPr indent="0" fontAlgn="auto">
+              <a:lnSpc>
+                <a:spcPct val="100000"/>
+              </a:lnSpc>
+              <a:buFont typeface="Wingdings" pitchFamily="2" charset="2"/>
+              <a:buChar char="l"/>
+            </a:pPr>
+            <a:r>
+              <a:rPr lang="zh-CN" altLang="en-US" sz="2000" dirty="0" smtClean="0">
+                <a:latin typeface="微软雅黑" panose="020B0503020204020204" charset="-122"/>
+                <a:ea typeface="微软雅黑" panose="020B0503020204020204" charset="-122"/>
+                <a:cs typeface="微软雅黑" panose="020B0503020204020204" charset="-122"/>
+                <a:sym typeface="+mn-ea"/>
+              </a:rPr>
+              <a:t> </a:t>
+            </a:r>
+            <a:r>
+              <a:rPr lang="zh-CN" sz="2000" dirty="0" smtClean="0">
+                <a:latin typeface="微软雅黑" panose="020B0503020204020204" charset="-122"/>
+                <a:ea typeface="微软雅黑" panose="020B0503020204020204" charset="-122"/>
+                <a:cs typeface="微软雅黑" panose="020B0503020204020204" charset="-122"/>
+                <a:sym typeface="+mn-ea"/>
+              </a:rPr>
+              <a:t>事件</a:t>
+            </a:r>
+            <a:r>
+              <a:rPr lang="zh-CN" sz="2000" dirty="0">
+                <a:latin typeface="微软雅黑" panose="020B0503020204020204" charset="-122"/>
+                <a:ea typeface="微软雅黑" panose="020B0503020204020204" charset="-122"/>
+                <a:cs typeface="微软雅黑" panose="020B0503020204020204" charset="-122"/>
+                <a:sym typeface="+mn-ea"/>
+              </a:rPr>
+              <a:t>服务</a:t>
+            </a:r>
+            <a:r>
+              <a:rPr sz="2000" dirty="0" smtClean="0">
+                <a:latin typeface="微软雅黑" panose="020B0503020204020204" charset="-122"/>
+                <a:ea typeface="微软雅黑" panose="020B0503020204020204" charset="-122"/>
+                <a:cs typeface="微软雅黑" panose="020B0503020204020204" charset="-122"/>
+                <a:sym typeface="+mn-ea"/>
+              </a:rPr>
+              <a:t>:</a:t>
+            </a:r>
+            <a:r>
+              <a:rPr lang="zh-CN" altLang="en-US" sz="2000" dirty="0" smtClean="0">
+                <a:latin typeface="微软雅黑" panose="020B0503020204020204" charset="-122"/>
+                <a:ea typeface="微软雅黑" panose="020B0503020204020204" charset="-122"/>
+                <a:cs typeface="微软雅黑" panose="020B0503020204020204" charset="-122"/>
+                <a:sym typeface="+mn-ea"/>
+              </a:rPr>
+              <a:t> </a:t>
+            </a:r>
+            <a:r>
+              <a:rPr sz="2000" dirty="0" err="1" smtClean="0">
+                <a:latin typeface="微软雅黑" panose="020B0503020204020204" charset="-122"/>
+                <a:ea typeface="微软雅黑" panose="020B0503020204020204" charset="-122"/>
+                <a:cs typeface="微软雅黑" panose="020B0503020204020204" charset="-122"/>
+                <a:sym typeface="+mn-ea"/>
+              </a:rPr>
+              <a:t>存储和交付客户端或服务器发送的</a:t>
+            </a:r>
+            <a:r>
+              <a:rPr lang="zh-CN" altLang="en-US" sz="2000" dirty="0" smtClean="0">
+                <a:latin typeface="微软雅黑" panose="020B0503020204020204" charset="-122"/>
+                <a:ea typeface="微软雅黑" panose="020B0503020204020204" charset="-122"/>
+                <a:cs typeface="微软雅黑" panose="020B0503020204020204" charset="-122"/>
+                <a:sym typeface="+mn-ea"/>
+              </a:rPr>
+              <a:t>事件</a:t>
+            </a:r>
+            <a:r>
+              <a:rPr sz="2000" dirty="0" smtClean="0">
+                <a:latin typeface="微软雅黑" panose="020B0503020204020204" charset="-122"/>
+                <a:ea typeface="微软雅黑" panose="020B0503020204020204" charset="-122"/>
+                <a:cs typeface="微软雅黑" panose="020B0503020204020204" charset="-122"/>
+                <a:sym typeface="+mn-ea"/>
+              </a:rPr>
+              <a:t>。</a:t>
+            </a:r>
+            <a:endParaRPr sz="2000" dirty="0">
+              <a:latin typeface="微软雅黑" panose="020B0503020204020204" charset="-122"/>
+              <a:ea typeface="微软雅黑" panose="020B0503020204020204" charset="-122"/>
+              <a:cs typeface="微软雅黑" panose="020B0503020204020204" charset="-122"/>
+              <a:sym typeface="+mn-ea"/>
+            </a:endParaRPr>
+          </a:p>
+          <a:p>
+            <a:pPr indent="0" fontAlgn="auto">
+              <a:lnSpc>
+                <a:spcPct val="100000"/>
+              </a:lnSpc>
+              <a:buFont typeface="Wingdings" pitchFamily="2" charset="2"/>
+              <a:buChar char="l"/>
+            </a:pPr>
+            <a:r>
+              <a:rPr lang="zh-CN" altLang="en-US" sz="2000" dirty="0" smtClean="0">
+                <a:latin typeface="微软雅黑" panose="020B0503020204020204" charset="-122"/>
+                <a:ea typeface="微软雅黑" panose="020B0503020204020204" charset="-122"/>
+                <a:cs typeface="微软雅黑" panose="020B0503020204020204" charset="-122"/>
+                <a:sym typeface="+mn-ea"/>
+              </a:rPr>
+              <a:t> </a:t>
+            </a:r>
+            <a:r>
+              <a:rPr lang="zh-CN" sz="2000" dirty="0" smtClean="0">
+                <a:latin typeface="微软雅黑" panose="020B0503020204020204" charset="-122"/>
+                <a:ea typeface="微软雅黑" panose="020B0503020204020204" charset="-122"/>
+                <a:cs typeface="微软雅黑" panose="020B0503020204020204" charset="-122"/>
+                <a:sym typeface="+mn-ea"/>
+              </a:rPr>
+              <a:t>安全</a:t>
+            </a:r>
+            <a:r>
+              <a:rPr lang="zh-CN" sz="2000" dirty="0">
+                <a:latin typeface="微软雅黑" panose="020B0503020204020204" charset="-122"/>
+                <a:ea typeface="微软雅黑" panose="020B0503020204020204" charset="-122"/>
+                <a:cs typeface="微软雅黑" panose="020B0503020204020204" charset="-122"/>
+                <a:sym typeface="+mn-ea"/>
+              </a:rPr>
+              <a:t>服务</a:t>
+            </a:r>
+            <a:r>
+              <a:rPr lang="zh-CN" sz="2000" dirty="0" smtClean="0">
+                <a:latin typeface="微软雅黑" panose="020B0503020204020204" charset="-122"/>
+                <a:ea typeface="微软雅黑" panose="020B0503020204020204" charset="-122"/>
+                <a:cs typeface="微软雅黑" panose="020B0503020204020204" charset="-122"/>
+                <a:sym typeface="+mn-ea"/>
+              </a:rPr>
+              <a:t>:</a:t>
+            </a:r>
+            <a:r>
+              <a:rPr lang="zh-CN" altLang="en-US" sz="2000" dirty="0" smtClean="0">
+                <a:latin typeface="微软雅黑" panose="020B0503020204020204" charset="-122"/>
+                <a:ea typeface="微软雅黑" panose="020B0503020204020204" charset="-122"/>
+                <a:cs typeface="微软雅黑" panose="020B0503020204020204" charset="-122"/>
+                <a:sym typeface="+mn-ea"/>
+              </a:rPr>
+              <a:t> </a:t>
+            </a:r>
+            <a:r>
+              <a:rPr lang="zh-CN" sz="2000" dirty="0" smtClean="0">
+                <a:latin typeface="微软雅黑" panose="020B0503020204020204" charset="-122"/>
+                <a:ea typeface="微软雅黑" panose="020B0503020204020204" charset="-122"/>
+                <a:cs typeface="微软雅黑" panose="020B0503020204020204" charset="-122"/>
+                <a:sym typeface="+mn-ea"/>
+              </a:rPr>
+              <a:t>提供</a:t>
+            </a:r>
+            <a:r>
+              <a:rPr lang="zh-CN" sz="2000" dirty="0">
+                <a:latin typeface="微软雅黑" panose="020B0503020204020204" charset="-122"/>
+                <a:ea typeface="微软雅黑" panose="020B0503020204020204" charset="-122"/>
+                <a:cs typeface="微软雅黑" panose="020B0503020204020204" charset="-122"/>
+                <a:sym typeface="+mn-ea"/>
+              </a:rPr>
+              <a:t>对消息进行身份验证、授权对象的访问和提供安全通信的方法。</a:t>
+            </a:r>
+          </a:p>
+          <a:p>
+            <a:pPr indent="0" fontAlgn="auto">
+              <a:lnSpc>
+                <a:spcPct val="100000"/>
+              </a:lnSpc>
+              <a:buFont typeface="Wingdings" pitchFamily="2" charset="2"/>
+              <a:buChar char="l"/>
+            </a:pPr>
+            <a:r>
+              <a:rPr lang="zh-CN" altLang="en-US" sz="2000" dirty="0" smtClean="0">
+                <a:latin typeface="微软雅黑" panose="020B0503020204020204" charset="-122"/>
+                <a:ea typeface="微软雅黑" panose="020B0503020204020204" charset="-122"/>
+                <a:cs typeface="微软雅黑" panose="020B0503020204020204" charset="-122"/>
+                <a:sym typeface="+mn-ea"/>
+              </a:rPr>
+              <a:t> </a:t>
+            </a:r>
+            <a:r>
+              <a:rPr lang="zh-CN" sz="2000" dirty="0" smtClean="0">
+                <a:latin typeface="微软雅黑" panose="020B0503020204020204" charset="-122"/>
+                <a:ea typeface="微软雅黑" panose="020B0503020204020204" charset="-122"/>
+                <a:cs typeface="微软雅黑" panose="020B0503020204020204" charset="-122"/>
+                <a:sym typeface="+mn-ea"/>
+              </a:rPr>
+              <a:t>事务服务</a:t>
+            </a:r>
+            <a:r>
+              <a:rPr lang="zh-CN" altLang="zh-CN" sz="2000" dirty="0" smtClean="0">
+                <a:latin typeface="微软雅黑" panose="020B0503020204020204" charset="-122"/>
+                <a:ea typeface="微软雅黑" panose="020B0503020204020204" charset="-122"/>
+                <a:cs typeface="微软雅黑" panose="020B0503020204020204" charset="-122"/>
+                <a:sym typeface="+mn-ea"/>
+              </a:rPr>
+              <a:t>:</a:t>
+            </a:r>
+            <a:r>
+              <a:rPr lang="zh-CN" altLang="en-US" sz="2000" dirty="0" smtClean="0">
+                <a:latin typeface="微软雅黑" panose="020B0503020204020204" charset="-122"/>
+                <a:ea typeface="微软雅黑" panose="020B0503020204020204" charset="-122"/>
+                <a:cs typeface="微软雅黑" panose="020B0503020204020204" charset="-122"/>
+                <a:sym typeface="+mn-ea"/>
+              </a:rPr>
+              <a:t> </a:t>
+            </a:r>
+            <a:r>
+              <a:rPr lang="zh-CN" sz="2000" dirty="0" smtClean="0">
+                <a:latin typeface="微软雅黑" panose="020B0503020204020204" charset="-122"/>
+                <a:ea typeface="微软雅黑" panose="020B0503020204020204" charset="-122"/>
+                <a:cs typeface="微软雅黑" panose="020B0503020204020204" charset="-122"/>
+                <a:sym typeface="+mn-ea"/>
+              </a:rPr>
+              <a:t>定义</a:t>
+            </a:r>
+            <a:r>
+              <a:rPr lang="zh-CN" sz="2000" dirty="0">
+                <a:latin typeface="微软雅黑" panose="020B0503020204020204" charset="-122"/>
+                <a:ea typeface="微软雅黑" panose="020B0503020204020204" charset="-122"/>
+                <a:cs typeface="微软雅黑" panose="020B0503020204020204" charset="-122"/>
+                <a:sym typeface="+mn-ea"/>
+              </a:rPr>
+              <a:t>控制针对数据库或其他子系统的操作方法。</a:t>
+            </a:r>
+          </a:p>
+        </p:txBody>
+      </p:sp>
+    </p:spTree>
+  </p:cSld>
+  <p:clrMapOvr>
+    <a:masterClrMapping/>
+  </p:clrMapOvr>
+  <p:timing>
+    <p:tnLst>
+      <p:par>
+        <p:cTn id="1" dur="indefinite" restart="never" nodeType="tmRoot"/>
+      </p:par>
+    </p:tnLst>
+  </p:timing>
+</p:sld>
+</file>
+
+<file path=ppt/slides/slide22.xml><?xml version="1.0" encoding="utf-8"?>
+<p:sld xmlns:a="http://schemas.openxmlformats.org/drawingml/2006/main" xmlns:r="http://schemas.openxmlformats.org/officeDocument/2006/relationships" xmlns:p="http://schemas.openxmlformats.org/presentationml/2006/main">
+  <p:cSld>
+    <p:spTree>
+      <p:nvGrpSpPr>
+        <p:cNvPr id="1" name=""/>
+        <p:cNvGrpSpPr/>
+        <p:nvPr/>
+      </p:nvGrpSpPr>
+      <p:grpSpPr>
+        <a:xfrm>
+          <a:off x="0" y="0"/>
+          <a:ext cx="0" cy="0"/>
+          <a:chOff x="0" y="0"/>
+          <a:chExt cx="0" cy="0"/>
+        </a:xfrm>
+      </p:grpSpPr>
+      <p:sp>
+        <p:nvSpPr>
+          <p:cNvPr id="2" name="椭圆 1"/>
+          <p:cNvSpPr/>
+          <p:nvPr/>
+        </p:nvSpPr>
+        <p:spPr>
+          <a:xfrm>
+            <a:off x="-504625" y="-507644"/>
+            <a:ext cx="1005093" cy="1005062"/>
+          </a:xfrm>
+          <a:prstGeom prst="ellipse">
+            <a:avLst/>
+          </a:prstGeom>
+          <a:pattFill prst="pct5">
+            <a:fgClr>
+              <a:srgbClr val="26688F"/>
+            </a:fgClr>
+            <a:bgClr>
+              <a:srgbClr val="195382"/>
+            </a:bgClr>
+          </a:pattFill>
+          <a:ln>
+            <a:noFill/>
+          </a:ln>
+          <a:effectLst>
+            <a:outerShdw blurRad="660400" dist="406400" dir="8100000" algn="tr" rotWithShape="0">
+              <a:prstClr val="black">
+                <a:alpha val="40000"/>
+              </a:prstClr>
+            </a:outerShdw>
+          </a:effectLst>
+        </p:spPr>
+        <p:style>
+          <a:lnRef idx="2">
+            <a:schemeClr val="accent1">
+              <a:shade val="50000"/>
+            </a:schemeClr>
+          </a:lnRef>
+          <a:fillRef idx="1">
+            <a:schemeClr val="accent1"/>
+          </a:fillRef>
+          <a:effectRef idx="0">
+            <a:schemeClr val="accent1"/>
+          </a:effectRef>
+          <a:fontRef idx="minor">
+            <a:schemeClr val="lt1"/>
+          </a:fontRef>
+        </p:style>
+        <p:txBody>
+          <a:bodyPr lIns="48381" tIns="24190" rIns="48381" bIns="24190" rtlCol="0" anchor="ctr"/>
+          <a:lstStyle/>
+          <a:p>
+            <a:pPr algn="ctr"/>
+            <a:endParaRPr lang="zh-CN" altLang="en-US" sz="1000" dirty="0">
+              <a:latin typeface="微软雅黑" panose="020B0503020204020204" charset="-122"/>
+              <a:ea typeface="微软雅黑" panose="020B0503020204020204" charset="-122"/>
+              <a:cs typeface="微软雅黑" panose="020B0503020204020204" charset="-122"/>
+            </a:endParaRPr>
+          </a:p>
+        </p:txBody>
+      </p:sp>
+      <p:sp>
+        <p:nvSpPr>
+          <p:cNvPr id="3" name="椭圆 2"/>
+          <p:cNvSpPr/>
+          <p:nvPr/>
+        </p:nvSpPr>
+        <p:spPr>
+          <a:xfrm>
+            <a:off x="-491125" y="-491031"/>
+            <a:ext cx="982250" cy="982220"/>
+          </a:xfrm>
+          <a:prstGeom prst="ellipse">
+            <a:avLst/>
+          </a:prstGeom>
+          <a:solidFill>
+            <a:srgbClr val="7A4AAA"/>
+          </a:solidFill>
+          <a:ln>
+            <a:noFill/>
+          </a:ln>
+          <a:effectLst>
+            <a:innerShdw blurRad="482600" dist="749300" dir="18900000">
+              <a:schemeClr val="bg2">
+                <a:lumMod val="25000"/>
+                <a:alpha val="42000"/>
+              </a:schemeClr>
+            </a:innerShdw>
+          </a:effectLst>
+        </p:spPr>
+        <p:style>
+          <a:lnRef idx="2">
+            <a:schemeClr val="accent1">
+              <a:shade val="50000"/>
+            </a:schemeClr>
+          </a:lnRef>
+          <a:fillRef idx="1">
+            <a:schemeClr val="accent1"/>
+          </a:fillRef>
+          <a:effectRef idx="0">
+            <a:schemeClr val="accent1"/>
+          </a:effectRef>
+          <a:fontRef idx="minor">
+            <a:schemeClr val="lt1"/>
+          </a:fontRef>
+        </p:style>
+        <p:txBody>
+          <a:bodyPr lIns="48381" tIns="24190" rIns="48381" bIns="24190" rtlCol="0" anchor="ctr"/>
+          <a:lstStyle/>
+          <a:p>
+            <a:pPr algn="ctr"/>
+            <a:endParaRPr lang="zh-CN" altLang="en-US" sz="1000" dirty="0">
+              <a:latin typeface="微软雅黑" panose="020B0503020204020204" charset="-122"/>
+              <a:ea typeface="微软雅黑" panose="020B0503020204020204" charset="-122"/>
+              <a:cs typeface="微软雅黑" panose="020B0503020204020204" charset="-122"/>
+            </a:endParaRPr>
+          </a:p>
+        </p:txBody>
+      </p:sp>
+      <p:sp>
+        <p:nvSpPr>
+          <p:cNvPr id="4" name="椭圆 3"/>
+          <p:cNvSpPr/>
+          <p:nvPr/>
+        </p:nvSpPr>
+        <p:spPr>
+          <a:xfrm rot="16200000" flipV="1">
+            <a:off x="-124679" y="559704"/>
+            <a:ext cx="489799" cy="489814"/>
+          </a:xfrm>
+          <a:prstGeom prst="ellipse">
+            <a:avLst/>
+          </a:prstGeom>
+          <a:gradFill>
+            <a:gsLst>
+              <a:gs pos="0">
+                <a:schemeClr val="accent1">
+                  <a:lumMod val="5000"/>
+                  <a:lumOff val="95000"/>
+                </a:schemeClr>
+              </a:gs>
+              <a:gs pos="100000">
+                <a:srgbClr val="F4F5F7"/>
+              </a:gs>
+            </a:gsLst>
+            <a:lin ang="5400000" scaled="1"/>
+          </a:gradFill>
+          <a:ln>
+            <a:noFill/>
+          </a:ln>
+          <a:effectLst>
+            <a:outerShdw blurRad="177800" dist="228600" dir="8100000" algn="tr" rotWithShape="0">
+              <a:prstClr val="black">
+                <a:alpha val="14000"/>
+              </a:prstClr>
+            </a:outerShdw>
+          </a:effectLst>
+        </p:spPr>
+        <p:style>
+          <a:lnRef idx="2">
+            <a:schemeClr val="accent1">
+              <a:shade val="50000"/>
+            </a:schemeClr>
+          </a:lnRef>
+          <a:fillRef idx="1">
+            <a:schemeClr val="accent1"/>
+          </a:fillRef>
+          <a:effectRef idx="0">
+            <a:schemeClr val="accent1"/>
+          </a:effectRef>
+          <a:fontRef idx="minor">
+            <a:schemeClr val="lt1"/>
+          </a:fontRef>
+        </p:style>
+        <p:txBody>
+          <a:bodyPr lIns="48381" tIns="24190" rIns="48381" bIns="24190" rtlCol="0" anchor="ctr"/>
+          <a:lstStyle/>
+          <a:p>
+            <a:pPr algn="ctr"/>
+            <a:endParaRPr lang="zh-CN" altLang="en-US" sz="1000" dirty="0">
+              <a:latin typeface="微软雅黑" panose="020B0503020204020204" charset="-122"/>
+              <a:ea typeface="微软雅黑" panose="020B0503020204020204" charset="-122"/>
+              <a:cs typeface="微软雅黑" panose="020B0503020204020204" charset="-122"/>
+            </a:endParaRPr>
+          </a:p>
+        </p:txBody>
+      </p:sp>
+      <p:sp>
+        <p:nvSpPr>
+          <p:cNvPr id="5" name="椭圆 4"/>
+          <p:cNvSpPr/>
+          <p:nvPr/>
+        </p:nvSpPr>
+        <p:spPr>
+          <a:xfrm rot="16200000" flipV="1">
+            <a:off x="-106587" y="568680"/>
+            <a:ext cx="468030" cy="468044"/>
+          </a:xfrm>
+          <a:prstGeom prst="ellipse">
+            <a:avLst/>
+          </a:prstGeom>
+          <a:gradFill>
+            <a:gsLst>
+              <a:gs pos="0">
+                <a:schemeClr val="accent1">
+                  <a:lumMod val="5000"/>
+                  <a:lumOff val="95000"/>
+                </a:schemeClr>
+              </a:gs>
+              <a:gs pos="100000">
+                <a:srgbClr val="F4F5F7"/>
+              </a:gs>
+            </a:gsLst>
+            <a:lin ang="5400000" scaled="1"/>
+          </a:gradFill>
+          <a:ln>
+            <a:noFill/>
+          </a:ln>
+          <a:effectLst>
+            <a:innerShdw blurRad="317500" dist="177800" dir="18360000">
+              <a:schemeClr val="tx1">
+                <a:lumMod val="65000"/>
+                <a:lumOff val="35000"/>
+                <a:alpha val="35000"/>
+              </a:schemeClr>
+            </a:innerShdw>
+          </a:effectLst>
+        </p:spPr>
+        <p:style>
+          <a:lnRef idx="2">
+            <a:schemeClr val="accent1">
+              <a:shade val="50000"/>
+            </a:schemeClr>
+          </a:lnRef>
+          <a:fillRef idx="1">
+            <a:schemeClr val="accent1"/>
+          </a:fillRef>
+          <a:effectRef idx="0">
+            <a:schemeClr val="accent1"/>
+          </a:effectRef>
+          <a:fontRef idx="minor">
+            <a:schemeClr val="lt1"/>
+          </a:fontRef>
+        </p:style>
+        <p:txBody>
+          <a:bodyPr lIns="48381" tIns="24190" rIns="48381" bIns="24190" rtlCol="0" anchor="ctr"/>
+          <a:lstStyle/>
+          <a:p>
+            <a:pPr algn="ctr"/>
+            <a:endParaRPr lang="zh-CN" altLang="en-US" sz="1000" dirty="0">
+              <a:latin typeface="微软雅黑" panose="020B0503020204020204" charset="-122"/>
+              <a:ea typeface="微软雅黑" panose="020B0503020204020204" charset="-122"/>
+              <a:cs typeface="微软雅黑" panose="020B0503020204020204" charset="-122"/>
+            </a:endParaRPr>
+          </a:p>
+        </p:txBody>
+      </p:sp>
+      <p:sp>
+        <p:nvSpPr>
+          <p:cNvPr id="6" name="椭圆 5"/>
+          <p:cNvSpPr/>
+          <p:nvPr/>
+        </p:nvSpPr>
+        <p:spPr>
+          <a:xfrm>
+            <a:off x="395951" y="223478"/>
+            <a:ext cx="378000" cy="377988"/>
+          </a:xfrm>
+          <a:prstGeom prst="ellipse">
+            <a:avLst/>
+          </a:prstGeom>
+          <a:solidFill>
+            <a:srgbClr val="001279"/>
+          </a:solidFill>
+          <a:ln>
+            <a:noFill/>
+          </a:ln>
+          <a:effectLst>
+            <a:outerShdw blurRad="342900" dist="368300" dir="8100000" algn="tr" rotWithShape="0">
+              <a:schemeClr val="bg2">
+                <a:lumMod val="75000"/>
+                <a:alpha val="40000"/>
+              </a:schemeClr>
+            </a:outerShdw>
+          </a:effectLst>
+        </p:spPr>
+        <p:style>
+          <a:lnRef idx="2">
+            <a:schemeClr val="accent1">
+              <a:shade val="50000"/>
+            </a:schemeClr>
+          </a:lnRef>
+          <a:fillRef idx="1">
+            <a:schemeClr val="accent1"/>
+          </a:fillRef>
+          <a:effectRef idx="0">
+            <a:schemeClr val="accent1"/>
+          </a:effectRef>
+          <a:fontRef idx="minor">
+            <a:schemeClr val="lt1"/>
+          </a:fontRef>
+        </p:style>
+        <p:txBody>
+          <a:bodyPr lIns="48381" tIns="24190" rIns="48381" bIns="24190" rtlCol="0" anchor="ctr"/>
+          <a:lstStyle/>
+          <a:p>
+            <a:pPr algn="ctr"/>
+            <a:endParaRPr lang="zh-CN" altLang="en-US" sz="1000" dirty="0">
+              <a:latin typeface="微软雅黑" panose="020B0503020204020204" charset="-122"/>
+              <a:ea typeface="微软雅黑" panose="020B0503020204020204" charset="-122"/>
+              <a:cs typeface="微软雅黑" panose="020B0503020204020204" charset="-122"/>
+            </a:endParaRPr>
+          </a:p>
+        </p:txBody>
+      </p:sp>
+      <p:sp>
+        <p:nvSpPr>
+          <p:cNvPr id="7" name="椭圆 6"/>
+          <p:cNvSpPr/>
+          <p:nvPr/>
+        </p:nvSpPr>
+        <p:spPr>
+          <a:xfrm rot="665877">
+            <a:off x="540138" y="-254845"/>
+            <a:ext cx="382820" cy="382808"/>
+          </a:xfrm>
+          <a:prstGeom prst="ellipse">
+            <a:avLst/>
+          </a:prstGeom>
+          <a:pattFill prst="shingle">
+            <a:fgClr>
+              <a:schemeClr val="tx1">
+                <a:lumMod val="75000"/>
+                <a:lumOff val="25000"/>
+              </a:schemeClr>
+            </a:fgClr>
+            <a:bgClr>
+              <a:schemeClr val="bg1">
+                <a:lumMod val="95000"/>
+              </a:schemeClr>
+            </a:bgClr>
+          </a:pattFill>
+          <a:ln>
+            <a:noFill/>
+          </a:ln>
+          <a:effectLst>
+            <a:outerShdw blurRad="482600" dist="241300" dir="8100000" sx="112000" sy="112000" algn="tr" rotWithShape="0">
+              <a:prstClr val="black">
+                <a:alpha val="40000"/>
+              </a:prstClr>
+            </a:outerShdw>
+          </a:effectLst>
+        </p:spPr>
+        <p:style>
+          <a:lnRef idx="2">
+            <a:schemeClr val="accent1">
+              <a:shade val="50000"/>
+            </a:schemeClr>
+          </a:lnRef>
+          <a:fillRef idx="1">
+            <a:schemeClr val="accent1"/>
+          </a:fillRef>
+          <a:effectRef idx="0">
+            <a:schemeClr val="accent1"/>
+          </a:effectRef>
+          <a:fontRef idx="minor">
+            <a:schemeClr val="lt1"/>
+          </a:fontRef>
+        </p:style>
+        <p:txBody>
+          <a:bodyPr lIns="48381" tIns="24190" rIns="48381" bIns="24190" rtlCol="0" anchor="ctr"/>
+          <a:lstStyle/>
+          <a:p>
+            <a:pPr algn="ctr"/>
+            <a:endParaRPr lang="zh-CN" altLang="en-US" sz="1000" dirty="0">
+              <a:latin typeface="微软雅黑" panose="020B0503020204020204" charset="-122"/>
+              <a:ea typeface="微软雅黑" panose="020B0503020204020204" charset="-122"/>
+              <a:cs typeface="微软雅黑" panose="020B0503020204020204" charset="-122"/>
+            </a:endParaRPr>
+          </a:p>
+        </p:txBody>
+      </p:sp>
+      <p:sp>
+        <p:nvSpPr>
+          <p:cNvPr id="8" name="椭圆 7"/>
+          <p:cNvSpPr/>
+          <p:nvPr/>
+        </p:nvSpPr>
+        <p:spPr>
+          <a:xfrm rot="665877">
+            <a:off x="542919" y="-248759"/>
+            <a:ext cx="373004" cy="372993"/>
+          </a:xfrm>
+          <a:prstGeom prst="ellipse">
+            <a:avLst/>
+          </a:prstGeom>
+          <a:pattFill prst="shingle">
+            <a:fgClr>
+              <a:schemeClr val="tx1">
+                <a:lumMod val="75000"/>
+                <a:lumOff val="25000"/>
+              </a:schemeClr>
+            </a:fgClr>
+            <a:bgClr>
+              <a:schemeClr val="bg1">
+                <a:lumMod val="95000"/>
+              </a:schemeClr>
+            </a:bgClr>
+          </a:pattFill>
+          <a:ln>
+            <a:noFill/>
+          </a:ln>
+          <a:effectLst>
+            <a:innerShdw blurRad="711200" dist="482600" dir="18900000">
+              <a:schemeClr val="tx1">
+                <a:lumMod val="65000"/>
+                <a:lumOff val="35000"/>
+                <a:alpha val="50000"/>
+              </a:schemeClr>
+            </a:innerShdw>
+          </a:effectLst>
+        </p:spPr>
+        <p:style>
+          <a:lnRef idx="2">
+            <a:schemeClr val="accent1">
+              <a:shade val="50000"/>
+            </a:schemeClr>
+          </a:lnRef>
+          <a:fillRef idx="1">
+            <a:schemeClr val="accent1"/>
+          </a:fillRef>
+          <a:effectRef idx="0">
+            <a:schemeClr val="accent1"/>
+          </a:effectRef>
+          <a:fontRef idx="minor">
+            <a:schemeClr val="lt1"/>
+          </a:fontRef>
+        </p:style>
+        <p:txBody>
+          <a:bodyPr lIns="48381" tIns="24190" rIns="48381" bIns="24190" rtlCol="0" anchor="ctr"/>
+          <a:lstStyle/>
+          <a:p>
+            <a:pPr algn="ctr"/>
+            <a:endParaRPr lang="zh-CN" altLang="en-US" sz="1000" dirty="0">
+              <a:latin typeface="微软雅黑" panose="020B0503020204020204" charset="-122"/>
+              <a:ea typeface="微软雅黑" panose="020B0503020204020204" charset="-122"/>
+              <a:cs typeface="微软雅黑" panose="020B0503020204020204" charset="-122"/>
+            </a:endParaRPr>
+          </a:p>
+        </p:txBody>
+      </p:sp>
+      <p:sp>
+        <p:nvSpPr>
+          <p:cNvPr id="9" name="文本框 8"/>
+          <p:cNvSpPr txBox="1"/>
+          <p:nvPr/>
+        </p:nvSpPr>
+        <p:spPr>
+          <a:xfrm>
+            <a:off x="1054191" y="156646"/>
+            <a:ext cx="4879958" cy="417195"/>
+          </a:xfrm>
+          <a:prstGeom prst="rect">
+            <a:avLst/>
+          </a:prstGeom>
+          <a:noFill/>
+        </p:spPr>
+        <p:txBody>
+          <a:bodyPr wrap="square" lIns="48381" tIns="24190" rIns="48381" bIns="24190" rtlCol="0">
+            <a:spAutoFit/>
+          </a:bodyPr>
+          <a:lstStyle/>
+          <a:p>
+            <a:r>
+              <a:rPr lang="en-US" altLang="zh-CN" sz="2400" dirty="0" smtClean="0">
+                <a:latin typeface="微软雅黑" panose="020B0503020204020204" charset="-122"/>
+                <a:ea typeface="微软雅黑" panose="020B0503020204020204" charset="-122"/>
+                <a:cs typeface="微软雅黑" panose="020B0503020204020204" charset="-122"/>
+              </a:rPr>
+              <a:t>5  </a:t>
+            </a:r>
+            <a:r>
+              <a:rPr lang="zh-CN" altLang="en-US" sz="2400" dirty="0">
+                <a:latin typeface="黑体" panose="02010609060101010101" pitchFamily="49" charset="-122"/>
+                <a:ea typeface="黑体" panose="02010609060101010101" pitchFamily="49" charset="-122"/>
+                <a:sym typeface="+mn-ea"/>
+              </a:rPr>
+              <a:t>分布式计算结构</a:t>
+            </a:r>
+            <a:endParaRPr kumimoji="1" lang="en-US" altLang="zh-CN" sz="2400" dirty="0" smtClean="0">
+              <a:latin typeface="微软雅黑 Light" panose="020B0502040204020203" charset="-122"/>
+              <a:ea typeface="微软雅黑 Light" panose="020B0502040204020203" charset="-122"/>
+              <a:cs typeface="微软雅黑 Light" panose="020B0502040204020203" charset="-122"/>
+            </a:endParaRPr>
+          </a:p>
+        </p:txBody>
+      </p:sp>
+      <p:cxnSp>
+        <p:nvCxnSpPr>
+          <p:cNvPr id="11" name="直接连接符 13"/>
+          <p:cNvCxnSpPr/>
+          <p:nvPr/>
+        </p:nvCxnSpPr>
+        <p:spPr>
+          <a:xfrm>
+            <a:off x="1118115" y="506809"/>
+            <a:ext cx="443557" cy="0"/>
+          </a:xfrm>
+          <a:prstGeom prst="line">
+            <a:avLst/>
+          </a:prstGeom>
+          <a:ln w="38100">
+            <a:solidFill>
+              <a:schemeClr val="tx1">
+                <a:lumMod val="85000"/>
+                <a:lumOff val="15000"/>
+              </a:schemeClr>
+            </a:solidFill>
+          </a:ln>
+        </p:spPr>
+        <p:style>
+          <a:lnRef idx="1">
+            <a:schemeClr val="accent1"/>
+          </a:lnRef>
+          <a:fillRef idx="0">
+            <a:schemeClr val="accent1"/>
+          </a:fillRef>
+          <a:effectRef idx="0">
+            <a:schemeClr val="accent1"/>
+          </a:effectRef>
+          <a:fontRef idx="minor">
+            <a:schemeClr val="tx1"/>
+          </a:fontRef>
+        </p:style>
+      </p:cxnSp>
+      <p:sp>
+        <p:nvSpPr>
+          <p:cNvPr id="12" name="矩形 11"/>
+          <p:cNvSpPr/>
+          <p:nvPr/>
+        </p:nvSpPr>
+        <p:spPr>
+          <a:xfrm>
+            <a:off x="491126" y="663718"/>
+            <a:ext cx="8183230" cy="4171626"/>
+          </a:xfrm>
+          <a:prstGeom prst="rect">
+            <a:avLst/>
+          </a:prstGeom>
+          <a:noFill/>
+          <a:ln>
+            <a:solidFill>
+              <a:srgbClr val="FF0000"/>
+            </a:solidFill>
+            <a:prstDash val="lgDash"/>
+          </a:ln>
+        </p:spPr>
+        <p:style>
+          <a:lnRef idx="2">
+            <a:schemeClr val="accent1">
+              <a:shade val="50000"/>
+            </a:schemeClr>
+          </a:lnRef>
+          <a:fillRef idx="1">
+            <a:schemeClr val="accent1"/>
+          </a:fillRef>
+          <a:effectRef idx="0">
+            <a:schemeClr val="accent1"/>
+          </a:effectRef>
+          <a:fontRef idx="minor">
+            <a:schemeClr val="lt1"/>
+          </a:fontRef>
+        </p:style>
+        <p:txBody>
+          <a:bodyPr lIns="48381" tIns="24190" rIns="48381" bIns="24190" rtlCol="0" anchor="ctr"/>
+          <a:lstStyle/>
+          <a:p>
+            <a:pPr algn="ctr"/>
+            <a:endParaRPr kumimoji="1" lang="zh-CN" altLang="en-US">
+              <a:latin typeface="微软雅黑" panose="020B0503020204020204" charset="-122"/>
+              <a:ea typeface="微软雅黑" panose="020B0503020204020204" charset="-122"/>
+              <a:cs typeface="微软雅黑" panose="020B0503020204020204" charset="-122"/>
+            </a:endParaRPr>
+          </a:p>
+        </p:txBody>
+      </p:sp>
+      <p:sp>
+        <p:nvSpPr>
+          <p:cNvPr id="16" name="矩形 15"/>
+          <p:cNvSpPr/>
+          <p:nvPr/>
+        </p:nvSpPr>
+        <p:spPr>
+          <a:xfrm>
             <a:off x="671524" y="663818"/>
             <a:ext cx="7799671" cy="479740"/>
           </a:xfrm>
@@ -21347,7 +22118,7 @@
         </p:nvSpPr>
         <p:spPr>
           <a:xfrm>
-            <a:off x="491126" y="656098"/>
+            <a:off x="491126" y="663718"/>
             <a:ext cx="8183230" cy="4171626"/>
           </a:xfrm>
           <a:prstGeom prst="rect">
@@ -21392,14 +22163,14 @@
       </p:sp>
       <p:sp>
         <p:nvSpPr>
-          <p:cNvPr id="13" name="矩形 12"/>
+          <p:cNvPr id="16" name="矩形 15"/>
           <p:cNvSpPr/>
           <p:nvPr/>
         </p:nvSpPr>
         <p:spPr>
           <a:xfrm>
-            <a:off x="671524" y="817736"/>
-            <a:ext cx="7799671" cy="463550"/>
+            <a:off x="671524" y="574283"/>
+            <a:ext cx="7799671" cy="2218055"/>
           </a:xfrm>
           <a:prstGeom prst="rect">
             <a:avLst/>
@@ -21423,30 +22194,61 @@
                 <a:latin typeface="微软雅黑" panose="020B0503020204020204" charset="-122"/>
                 <a:ea typeface="微软雅黑" panose="020B0503020204020204" charset="-122"/>
               </a:rPr>
-              <a:t>例：基于</a:t>
-            </a:r>
-            <a:r>
-              <a:rPr lang="en-US" altLang="zh-CN" sz="1800" dirty="0" smtClean="0">
-                <a:latin typeface="微软雅黑" panose="020B0503020204020204" charset="-122"/>
-                <a:ea typeface="微软雅黑" panose="020B0503020204020204" charset="-122"/>
-              </a:rPr>
-              <a:t>CORBA</a:t>
-            </a:r>
-            <a:r>
-              <a:rPr lang="zh-CN" altLang="en-US" sz="1800" dirty="0" smtClean="0">
-                <a:latin typeface="微软雅黑" panose="020B0503020204020204" charset="-122"/>
-                <a:ea typeface="微软雅黑" panose="020B0503020204020204" charset="-122"/>
-              </a:rPr>
-              <a:t>的分布式</a:t>
-            </a:r>
-            <a:r>
-              <a:rPr lang="zh-CN" sz="1800" dirty="0" smtClean="0">
-                <a:latin typeface="微软雅黑" panose="020B0503020204020204" charset="-122"/>
-                <a:ea typeface="微软雅黑" panose="020B0503020204020204" charset="-122"/>
-              </a:rPr>
-              <a:t>中间件</a:t>
-            </a:r>
-            <a:endParaRPr lang="zh-CN" sz="1800" dirty="0">
+              <a:t>例：中间件</a:t>
+            </a:r>
+            <a:endParaRPr lang="zh-CN" sz="1900" dirty="0" smtClean="0">
+              <a:latin typeface="微软雅黑" panose="020B0503020204020204" charset="-122"/>
+              <a:ea typeface="微软雅黑" panose="020B0503020204020204" charset="-122"/>
+            </a:endParaRPr>
+          </a:p>
+          <a:p>
+            <a:pPr indent="0">
+              <a:lnSpc>
+                <a:spcPct val="150000"/>
+              </a:lnSpc>
+              <a:buFont typeface="Wingdings" panose="05000000000000000000" pitchFamily="2" charset="2"/>
+              <a:buNone/>
+            </a:pPr>
+            <a:endParaRPr lang="zh-CN" sz="1900" dirty="0" smtClean="0">
+              <a:latin typeface="微软雅黑" panose="020B0503020204020204" charset="-122"/>
+              <a:ea typeface="微软雅黑" panose="020B0503020204020204" charset="-122"/>
+            </a:endParaRPr>
+          </a:p>
+          <a:p>
+            <a:pPr indent="0">
+              <a:lnSpc>
+                <a:spcPct val="150000"/>
+              </a:lnSpc>
+              <a:buFont typeface="Wingdings" panose="05000000000000000000" pitchFamily="2" charset="2"/>
+              <a:buNone/>
+            </a:pPr>
+            <a:endParaRPr lang="zh-CN" sz="1900" dirty="0" smtClean="0">
+              <a:latin typeface="微软雅黑" panose="020B0503020204020204" charset="-122"/>
+              <a:ea typeface="微软雅黑" panose="020B0503020204020204" charset="-122"/>
+            </a:endParaRPr>
+          </a:p>
+          <a:p>
+            <a:pPr indent="0">
+              <a:lnSpc>
+                <a:spcPct val="150000"/>
+              </a:lnSpc>
+              <a:buFont typeface="Wingdings" panose="05000000000000000000" pitchFamily="2" charset="2"/>
+              <a:buNone/>
+            </a:pPr>
+            <a:endParaRPr lang="zh-CN" sz="1900" dirty="0" smtClean="0">
+              <a:latin typeface="微软雅黑" panose="020B0503020204020204" charset="-122"/>
+              <a:ea typeface="微软雅黑" panose="020B0503020204020204" charset="-122"/>
+            </a:endParaRPr>
+          </a:p>
+          <a:p>
+            <a:pPr indent="0">
+              <a:lnSpc>
+                <a:spcPct val="150000"/>
+              </a:lnSpc>
+              <a:buFont typeface="Wingdings" panose="05000000000000000000" pitchFamily="2" charset="2"/>
+              <a:buNone/>
+            </a:pPr>
+            <a:endParaRPr lang="zh-CN" sz="1900" dirty="0">
               <a:latin typeface="微软雅黑" panose="020B0503020204020204" charset="-122"/>
               <a:ea typeface="微软雅黑" panose="020B0503020204020204" charset="-122"/>
               <a:cs typeface="微软雅黑" panose="020B0503020204020204" charset="-122"/>
@@ -21456,7 +22258,7 @@
       </p:sp>
       <p:pic>
         <p:nvPicPr>
-          <p:cNvPr id="14" name="图片 13" descr="$$UISRJ}S13OU[KPOH7I@BB"/>
+          <p:cNvPr id="10" name="图片 9" descr="{48X9LY8TN}UNQ@NGRM}BJS"/>
           <p:cNvPicPr>
             <a:picLocks noChangeAspect="1"/>
           </p:cNvPicPr>
@@ -21470,8 +22272,8 @@
         </p:blipFill>
         <p:spPr>
           <a:xfrm>
-            <a:off x="666393" y="1307464"/>
-            <a:ext cx="7395567" cy="3413580"/>
+            <a:off x="773950" y="1036716"/>
+            <a:ext cx="7697245" cy="3641964"/>
           </a:xfrm>
           <a:prstGeom prst="rect">
             <a:avLst/>
@@ -21748,7 +22550,7 @@
   <a:extraClrSchemeLst/>
   <a:extLst>
     <a:ext uri="{05A4C25C-085E-4340-85A3-A5531E510DB2}">
-      <thm15:themeFamily xmlns="" xmlns:thm15="http://schemas.microsoft.com/office/thememl/2012/main" name="Office Theme" id="{62F939B6-93AF-4DB8-9C6B-D6C7DFDC589F}" vid="{4A3C46E8-61CC-4603-A589-7422A47A8E4A}"/>
+      <thm15:themeFamily xmlns:thm15="http://schemas.microsoft.com/office/thememl/2012/main" xmlns="" name="Office Theme" id="{62F939B6-93AF-4DB8-9C6B-D6C7DFDC589F}" vid="{4A3C46E8-61CC-4603-A589-7422A47A8E4A}"/>
     </a:ext>
   </a:extLst>
 </a:theme>
@@ -22009,7 +22811,7 @@
   <a:extraClrSchemeLst/>
   <a:extLst>
     <a:ext uri="{05A4C25C-085E-4340-85A3-A5531E510DB2}">
-      <thm15:themeFamily xmlns="" xmlns:thm15="http://schemas.microsoft.com/office/thememl/2012/main" name="Office Theme" id="{62F939B6-93AF-4DB8-9C6B-D6C7DFDC589F}" vid="{4A3C46E8-61CC-4603-A589-7422A47A8E4A}"/>
+      <thm15:themeFamily xmlns:thm15="http://schemas.microsoft.com/office/thememl/2012/main" xmlns="" name="Office Theme" id="{62F939B6-93AF-4DB8-9C6B-D6C7DFDC589F}" vid="{4A3C46E8-61CC-4603-A589-7422A47A8E4A}"/>
     </a:ext>
   </a:extLst>
 </a:theme>
